--- a/presentations/logistic_regression/Logistic.pptx
+++ b/presentations/logistic_regression/Logistic.pptx
@@ -244,7 +244,7 @@
             <a:fld id="{333390A1-EFA7-4975-B307-3ED18211B739}" type="datetimeFigureOut">
               <a:rPr lang="en-US" smtClean="0"/>
               <a:pPr/>
-              <a:t>1/19/2016</a:t>
+              <a:t>2/22/2016</a:t>
             </a:fld>
             <a:endParaRPr lang="en-US"/>
           </a:p>
@@ -2675,7 +2675,7 @@
             <a:fld id="{1F541AB0-5ECD-4F0C-8435-DFC39302280B}" type="datetimeFigureOut">
               <a:rPr lang="en-US" smtClean="0"/>
               <a:pPr/>
-              <a:t>1/19/2016</a:t>
+              <a:t>2/22/2016</a:t>
             </a:fld>
             <a:endParaRPr lang="en-US"/>
           </a:p>
@@ -2847,7 +2847,7 @@
             <a:fld id="{1F541AB0-5ECD-4F0C-8435-DFC39302280B}" type="datetimeFigureOut">
               <a:rPr lang="en-US" smtClean="0"/>
               <a:pPr/>
-              <a:t>1/19/2016</a:t>
+              <a:t>2/22/2016</a:t>
             </a:fld>
             <a:endParaRPr lang="en-US"/>
           </a:p>
@@ -3029,7 +3029,7 @@
             <a:fld id="{1F541AB0-5ECD-4F0C-8435-DFC39302280B}" type="datetimeFigureOut">
               <a:rPr lang="en-US" smtClean="0"/>
               <a:pPr/>
-              <a:t>1/19/2016</a:t>
+              <a:t>2/22/2016</a:t>
             </a:fld>
             <a:endParaRPr lang="en-US"/>
           </a:p>
@@ -3201,7 +3201,7 @@
             <a:fld id="{1F541AB0-5ECD-4F0C-8435-DFC39302280B}" type="datetimeFigureOut">
               <a:rPr lang="en-US" smtClean="0"/>
               <a:pPr/>
-              <a:t>1/19/2016</a:t>
+              <a:t>2/22/2016</a:t>
             </a:fld>
             <a:endParaRPr lang="en-US"/>
           </a:p>
@@ -3449,7 +3449,7 @@
             <a:fld id="{1F541AB0-5ECD-4F0C-8435-DFC39302280B}" type="datetimeFigureOut">
               <a:rPr lang="en-US" smtClean="0"/>
               <a:pPr/>
-              <a:t>1/19/2016</a:t>
+              <a:t>2/22/2016</a:t>
             </a:fld>
             <a:endParaRPr lang="en-US"/>
           </a:p>
@@ -3739,7 +3739,7 @@
             <a:fld id="{1F541AB0-5ECD-4F0C-8435-DFC39302280B}" type="datetimeFigureOut">
               <a:rPr lang="en-US" smtClean="0"/>
               <a:pPr/>
-              <a:t>1/19/2016</a:t>
+              <a:t>2/22/2016</a:t>
             </a:fld>
             <a:endParaRPr lang="en-US"/>
           </a:p>
@@ -4163,7 +4163,7 @@
             <a:fld id="{1F541AB0-5ECD-4F0C-8435-DFC39302280B}" type="datetimeFigureOut">
               <a:rPr lang="en-US" smtClean="0"/>
               <a:pPr/>
-              <a:t>1/19/2016</a:t>
+              <a:t>2/22/2016</a:t>
             </a:fld>
             <a:endParaRPr lang="en-US"/>
           </a:p>
@@ -4283,7 +4283,7 @@
             <a:fld id="{1F541AB0-5ECD-4F0C-8435-DFC39302280B}" type="datetimeFigureOut">
               <a:rPr lang="en-US" smtClean="0"/>
               <a:pPr/>
-              <a:t>1/19/2016</a:t>
+              <a:t>2/22/2016</a:t>
             </a:fld>
             <a:endParaRPr lang="en-US"/>
           </a:p>
@@ -4380,7 +4380,7 @@
             <a:fld id="{1F541AB0-5ECD-4F0C-8435-DFC39302280B}" type="datetimeFigureOut">
               <a:rPr lang="en-US" smtClean="0"/>
               <a:pPr/>
-              <a:t>1/19/2016</a:t>
+              <a:t>2/22/2016</a:t>
             </a:fld>
             <a:endParaRPr lang="en-US"/>
           </a:p>
@@ -4659,7 +4659,7 @@
             <a:fld id="{1F541AB0-5ECD-4F0C-8435-DFC39302280B}" type="datetimeFigureOut">
               <a:rPr lang="en-US" smtClean="0"/>
               <a:pPr/>
-              <a:t>1/19/2016</a:t>
+              <a:t>2/22/2016</a:t>
             </a:fld>
             <a:endParaRPr lang="en-US"/>
           </a:p>
@@ -4914,7 +4914,7 @@
             <a:fld id="{1F541AB0-5ECD-4F0C-8435-DFC39302280B}" type="datetimeFigureOut">
               <a:rPr lang="en-US" smtClean="0"/>
               <a:pPr/>
-              <a:t>1/19/2016</a:t>
+              <a:t>2/22/2016</a:t>
             </a:fld>
             <a:endParaRPr lang="en-US"/>
           </a:p>
@@ -5129,7 +5129,7 @@
             <a:fld id="{1F541AB0-5ECD-4F0C-8435-DFC39302280B}" type="datetimeFigureOut">
               <a:rPr lang="en-US" smtClean="0"/>
               <a:pPr/>
-              <a:t>1/19/2016</a:t>
+              <a:t>2/22/2016</a:t>
             </a:fld>
             <a:endParaRPr lang="en-US"/>
           </a:p>
@@ -9205,15 +9205,7 @@
           <a:p>
             <a:r>
               <a:rPr lang="en-US" dirty="0" smtClean="0"/>
-              <a:t>For demonstration purposes </a:t>
-            </a:r>
-            <a:r>
-              <a:rPr lang="en-US" dirty="0" smtClean="0"/>
-              <a:t>use </a:t>
-            </a:r>
-            <a:r>
-              <a:rPr lang="en-US" dirty="0" smtClean="0"/>
-              <a:t>this to fit the model to your raster data</a:t>
+              <a:t>For demonstration purposes use this to fit the model to your raster data</a:t>
             </a:r>
           </a:p>
           <a:p>
@@ -9593,11 +9585,7 @@
             </a:r>
             <a:r>
               <a:rPr lang="en-US" dirty="0" smtClean="0"/>
-              <a:t>reate </a:t>
-            </a:r>
-            <a:r>
-              <a:rPr lang="en-US" dirty="0" smtClean="0"/>
-              <a:t>columns and populate as 0 or 1 as appropriate</a:t>
+              <a:t>reate columns and populate as 0 or 1 as appropriate</a:t>
             </a:r>
             <a:endParaRPr lang="en-US" dirty="0"/>
           </a:p>
@@ -12332,25 +12320,8 @@
           <a:p>
             <a:r>
               <a:rPr lang="en-US" sz="2400" dirty="0" smtClean="0"/>
-              <a:t>Sometimes </a:t>
-            </a:r>
-            <a:r>
-              <a:rPr lang="en-US" sz="2400" dirty="0" smtClean="0"/>
-              <a:t>a model will report a</a:t>
-            </a:r>
-            <a:r>
-              <a:rPr lang="en-US" sz="2400" dirty="0" smtClean="0"/>
-              <a:t> </a:t>
-            </a:r>
-            <a:r>
-              <a:rPr lang="en-US" sz="2400" dirty="0" smtClean="0"/>
-              <a:t>“fail to converge</a:t>
-            </a:r>
-            <a:r>
-              <a:rPr lang="en-US" sz="2400" dirty="0" smtClean="0"/>
-              <a:t>” error</a:t>
-            </a:r>
-            <a:endParaRPr lang="en-US" sz="2400" dirty="0" smtClean="0"/>
+              <a:t>Sometimes a model will report a “fail to converge” error</a:t>
+            </a:r>
           </a:p>
           <a:p>
             <a:pPr marL="0" indent="0">
@@ -12403,13 +12374,8 @@
           <a:p>
             <a:r>
               <a:rPr lang="en-US" sz="2400" dirty="0" smtClean="0"/>
-              <a:t>A pseudo R squared provides an idea of the strength of a </a:t>
-            </a:r>
-            <a:r>
-              <a:rPr lang="en-US" sz="2400" dirty="0" smtClean="0"/>
-              <a:t>relationship, but should only be used as a rough guide</a:t>
-            </a:r>
-            <a:endParaRPr lang="en-US" sz="2400" dirty="0" smtClean="0"/>
+              <a:t>A pseudo R squared provides an idea of the strength of a relationship, but should only be used as a rough guide</a:t>
+            </a:r>
           </a:p>
           <a:p>
             <a:pPr marL="0" indent="0">

--- a/presentations/logistic_regression/Logistic.pptx
+++ b/presentations/logistic_regression/Logistic.pptx
@@ -244,7 +244,7 @@
             <a:fld id="{333390A1-EFA7-4975-B307-3ED18211B739}" type="datetimeFigureOut">
               <a:rPr lang="en-US" smtClean="0"/>
               <a:pPr/>
-              <a:t>2/22/2016</a:t>
+              <a:t>3/7/2016</a:t>
             </a:fld>
             <a:endParaRPr lang="en-US"/>
           </a:p>
@@ -2675,7 +2675,7 @@
             <a:fld id="{1F541AB0-5ECD-4F0C-8435-DFC39302280B}" type="datetimeFigureOut">
               <a:rPr lang="en-US" smtClean="0"/>
               <a:pPr/>
-              <a:t>2/22/2016</a:t>
+              <a:t>3/7/2016</a:t>
             </a:fld>
             <a:endParaRPr lang="en-US"/>
           </a:p>
@@ -2847,7 +2847,7 @@
             <a:fld id="{1F541AB0-5ECD-4F0C-8435-DFC39302280B}" type="datetimeFigureOut">
               <a:rPr lang="en-US" smtClean="0"/>
               <a:pPr/>
-              <a:t>2/22/2016</a:t>
+              <a:t>3/7/2016</a:t>
             </a:fld>
             <a:endParaRPr lang="en-US"/>
           </a:p>
@@ -3029,7 +3029,7 @@
             <a:fld id="{1F541AB0-5ECD-4F0C-8435-DFC39302280B}" type="datetimeFigureOut">
               <a:rPr lang="en-US" smtClean="0"/>
               <a:pPr/>
-              <a:t>2/22/2016</a:t>
+              <a:t>3/7/2016</a:t>
             </a:fld>
             <a:endParaRPr lang="en-US"/>
           </a:p>
@@ -3201,7 +3201,7 @@
             <a:fld id="{1F541AB0-5ECD-4F0C-8435-DFC39302280B}" type="datetimeFigureOut">
               <a:rPr lang="en-US" smtClean="0"/>
               <a:pPr/>
-              <a:t>2/22/2016</a:t>
+              <a:t>3/7/2016</a:t>
             </a:fld>
             <a:endParaRPr lang="en-US"/>
           </a:p>
@@ -3449,7 +3449,7 @@
             <a:fld id="{1F541AB0-5ECD-4F0C-8435-DFC39302280B}" type="datetimeFigureOut">
               <a:rPr lang="en-US" smtClean="0"/>
               <a:pPr/>
-              <a:t>2/22/2016</a:t>
+              <a:t>3/7/2016</a:t>
             </a:fld>
             <a:endParaRPr lang="en-US"/>
           </a:p>
@@ -3739,7 +3739,7 @@
             <a:fld id="{1F541AB0-5ECD-4F0C-8435-DFC39302280B}" type="datetimeFigureOut">
               <a:rPr lang="en-US" smtClean="0"/>
               <a:pPr/>
-              <a:t>2/22/2016</a:t>
+              <a:t>3/7/2016</a:t>
             </a:fld>
             <a:endParaRPr lang="en-US"/>
           </a:p>
@@ -4163,7 +4163,7 @@
             <a:fld id="{1F541AB0-5ECD-4F0C-8435-DFC39302280B}" type="datetimeFigureOut">
               <a:rPr lang="en-US" smtClean="0"/>
               <a:pPr/>
-              <a:t>2/22/2016</a:t>
+              <a:t>3/7/2016</a:t>
             </a:fld>
             <a:endParaRPr lang="en-US"/>
           </a:p>
@@ -4283,7 +4283,7 @@
             <a:fld id="{1F541AB0-5ECD-4F0C-8435-DFC39302280B}" type="datetimeFigureOut">
               <a:rPr lang="en-US" smtClean="0"/>
               <a:pPr/>
-              <a:t>2/22/2016</a:t>
+              <a:t>3/7/2016</a:t>
             </a:fld>
             <a:endParaRPr lang="en-US"/>
           </a:p>
@@ -4380,7 +4380,7 @@
             <a:fld id="{1F541AB0-5ECD-4F0C-8435-DFC39302280B}" type="datetimeFigureOut">
               <a:rPr lang="en-US" smtClean="0"/>
               <a:pPr/>
-              <a:t>2/22/2016</a:t>
+              <a:t>3/7/2016</a:t>
             </a:fld>
             <a:endParaRPr lang="en-US"/>
           </a:p>
@@ -4659,7 +4659,7 @@
             <a:fld id="{1F541AB0-5ECD-4F0C-8435-DFC39302280B}" type="datetimeFigureOut">
               <a:rPr lang="en-US" smtClean="0"/>
               <a:pPr/>
-              <a:t>2/22/2016</a:t>
+              <a:t>3/7/2016</a:t>
             </a:fld>
             <a:endParaRPr lang="en-US"/>
           </a:p>
@@ -4914,7 +4914,7 @@
             <a:fld id="{1F541AB0-5ECD-4F0C-8435-DFC39302280B}" type="datetimeFigureOut">
               <a:rPr lang="en-US" smtClean="0"/>
               <a:pPr/>
-              <a:t>2/22/2016</a:t>
+              <a:t>3/7/2016</a:t>
             </a:fld>
             <a:endParaRPr lang="en-US"/>
           </a:p>
@@ -5129,7 +5129,7 @@
             <a:fld id="{1F541AB0-5ECD-4F0C-8435-DFC39302280B}" type="datetimeFigureOut">
               <a:rPr lang="en-US" smtClean="0"/>
               <a:pPr/>
-              <a:t>2/22/2016</a:t>
+              <a:t>3/7/2016</a:t>
             </a:fld>
             <a:endParaRPr lang="en-US"/>
           </a:p>
@@ -11884,8 +11884,17 @@
           <a:p>
             <a:r>
               <a:rPr lang="en-US" sz="2400" dirty="0" smtClean="0"/>
-              <a:t>The independent variables can be numeric or dichotomous  </a:t>
-            </a:r>
+              <a:t>The independent variables can be numeric </a:t>
+            </a:r>
+            <a:r>
+              <a:rPr lang="en-US" sz="2400" smtClean="0"/>
+              <a:t>or </a:t>
+            </a:r>
+            <a:r>
+              <a:rPr lang="en-US" sz="2400" smtClean="0"/>
+              <a:t>categorical  </a:t>
+            </a:r>
+            <a:endParaRPr lang="en-US" sz="2400" dirty="0" smtClean="0"/>
           </a:p>
           <a:p>
             <a:r>

--- a/presentations/logistic_regression/Logistic.pptx
+++ b/presentations/logistic_regression/Logistic.pptx
@@ -5,7 +5,7 @@
     <p:sldMasterId id="2147483648" r:id="rId1"/>
   </p:sldMasterIdLst>
   <p:notesMasterIdLst>
-    <p:notesMasterId r:id="rId32"/>
+    <p:notesMasterId r:id="rId29"/>
   </p:notesMasterIdLst>
   <p:sldIdLst>
     <p:sldId id="258" r:id="rId2"/>
@@ -23,26 +23,23 @@
     <p:sldId id="306" r:id="rId14"/>
     <p:sldId id="308" r:id="rId15"/>
     <p:sldId id="297" r:id="rId16"/>
-    <p:sldId id="284" r:id="rId17"/>
-    <p:sldId id="285" r:id="rId18"/>
-    <p:sldId id="286" r:id="rId19"/>
-    <p:sldId id="278" r:id="rId20"/>
-    <p:sldId id="287" r:id="rId21"/>
-    <p:sldId id="301" r:id="rId22"/>
-    <p:sldId id="288" r:id="rId23"/>
-    <p:sldId id="289" r:id="rId24"/>
-    <p:sldId id="290" r:id="rId25"/>
-    <p:sldId id="291" r:id="rId26"/>
-    <p:sldId id="293" r:id="rId27"/>
-    <p:sldId id="292" r:id="rId28"/>
-    <p:sldId id="294" r:id="rId29"/>
-    <p:sldId id="295" r:id="rId30"/>
-    <p:sldId id="296" r:id="rId31"/>
+    <p:sldId id="278" r:id="rId17"/>
+    <p:sldId id="287" r:id="rId18"/>
+    <p:sldId id="301" r:id="rId19"/>
+    <p:sldId id="288" r:id="rId20"/>
+    <p:sldId id="289" r:id="rId21"/>
+    <p:sldId id="290" r:id="rId22"/>
+    <p:sldId id="291" r:id="rId23"/>
+    <p:sldId id="293" r:id="rId24"/>
+    <p:sldId id="292" r:id="rId25"/>
+    <p:sldId id="294" r:id="rId26"/>
+    <p:sldId id="295" r:id="rId27"/>
+    <p:sldId id="296" r:id="rId28"/>
   </p:sldIdLst>
   <p:sldSz cx="9144000" cy="6858000" type="screen4x3"/>
   <p:notesSz cx="6858000" cy="9144000"/>
   <p:custDataLst>
-    <p:tags r:id="rId33"/>
+    <p:tags r:id="rId30"/>
   </p:custDataLst>
   <p:defaultTextStyle>
     <a:defPPr>
@@ -244,7 +241,7 @@
             <a:fld id="{333390A1-EFA7-4975-B307-3ED18211B739}" type="datetimeFigureOut">
               <a:rPr lang="en-US" smtClean="0"/>
               <a:pPr/>
-              <a:t>3/7/2016</a:t>
+              <a:t>3/17/2016</a:t>
             </a:fld>
             <a:endParaRPr lang="en-US"/>
           </a:p>
@@ -1324,7 +1321,7 @@
     </p:spTree>
     <p:extLst>
       <p:ext uri="{BB962C8B-B14F-4D97-AF65-F5344CB8AC3E}">
-        <p14:creationId xmlns:p14="http://schemas.microsoft.com/office/powerpoint/2010/main" val="575534379"/>
+        <p14:creationId xmlns:p14="http://schemas.microsoft.com/office/powerpoint/2010/main" val="1149419506"/>
       </p:ext>
     </p:extLst>
   </p:cSld>
@@ -1378,17 +1375,7 @@
           <a:bodyPr/>
           <a:lstStyle/>
           <a:p>
-            <a:r>
-              <a:rPr lang="en-US" dirty="0" smtClean="0"/>
-              <a:t>0 = no</a:t>
-            </a:r>
-          </a:p>
-          <a:p>
-            <a:r>
-              <a:rPr lang="en-US" dirty="0" smtClean="0"/>
-              <a:t>1 = yes</a:t>
-            </a:r>
-            <a:endParaRPr lang="en-US" dirty="0"/>
+            <a:endParaRPr lang="en-US"/>
           </a:p>
         </p:txBody>
       </p:sp>
@@ -1419,7 +1406,7 @@
     </p:spTree>
     <p:extLst>
       <p:ext uri="{BB962C8B-B14F-4D97-AF65-F5344CB8AC3E}">
-        <p14:creationId xmlns:p14="http://schemas.microsoft.com/office/powerpoint/2010/main" val="4262303714"/>
+        <p14:creationId xmlns:p14="http://schemas.microsoft.com/office/powerpoint/2010/main" val="2247725072"/>
       </p:ext>
     </p:extLst>
   </p:cSld>
@@ -1504,92 +1491,7 @@
     </p:spTree>
     <p:extLst>
       <p:ext uri="{BB962C8B-B14F-4D97-AF65-F5344CB8AC3E}">
-        <p14:creationId xmlns:p14="http://schemas.microsoft.com/office/powerpoint/2010/main" val="256763493"/>
-      </p:ext>
-    </p:extLst>
-  </p:cSld>
-  <p:clrMapOvr>
-    <a:masterClrMapping/>
-  </p:clrMapOvr>
-</p:notes>
-</file>
-
-<file path=ppt/notesSlides/notesSlide19.xml><?xml version="1.0" encoding="utf-8"?>
-<p:notes xmlns:a="http://schemas.openxmlformats.org/drawingml/2006/main" xmlns:r="http://schemas.openxmlformats.org/officeDocument/2006/relationships" xmlns:p="http://schemas.openxmlformats.org/presentationml/2006/main">
-  <p:cSld>
-    <p:spTree>
-      <p:nvGrpSpPr>
-        <p:cNvPr id="1" name=""/>
-        <p:cNvGrpSpPr/>
-        <p:nvPr/>
-      </p:nvGrpSpPr>
-      <p:grpSpPr>
-        <a:xfrm>
-          <a:off x="0" y="0"/>
-          <a:ext cx="0" cy="0"/>
-          <a:chOff x="0" y="0"/>
-          <a:chExt cx="0" cy="0"/>
-        </a:xfrm>
-      </p:grpSpPr>
-      <p:sp>
-        <p:nvSpPr>
-          <p:cNvPr id="2" name="Slide Image Placeholder 1"/>
-          <p:cNvSpPr>
-            <a:spLocks noGrp="1" noRot="1" noChangeAspect="1"/>
-          </p:cNvSpPr>
-          <p:nvPr>
-            <p:ph type="sldImg"/>
-          </p:nvPr>
-        </p:nvSpPr>
-        <p:spPr/>
-      </p:sp>
-      <p:sp>
-        <p:nvSpPr>
-          <p:cNvPr id="3" name="Notes Placeholder 2"/>
-          <p:cNvSpPr>
-            <a:spLocks noGrp="1"/>
-          </p:cNvSpPr>
-          <p:nvPr>
-            <p:ph type="body" idx="1"/>
-          </p:nvPr>
-        </p:nvSpPr>
-        <p:spPr/>
-        <p:txBody>
-          <a:bodyPr/>
-          <a:lstStyle/>
-          <a:p>
-            <a:endParaRPr lang="en-US"/>
-          </a:p>
-        </p:txBody>
-      </p:sp>
-      <p:sp>
-        <p:nvSpPr>
-          <p:cNvPr id="4" name="Slide Number Placeholder 3"/>
-          <p:cNvSpPr>
-            <a:spLocks noGrp="1"/>
-          </p:cNvSpPr>
-          <p:nvPr>
-            <p:ph type="sldNum" sz="quarter" idx="10"/>
-          </p:nvPr>
-        </p:nvSpPr>
-        <p:spPr/>
-        <p:txBody>
-          <a:bodyPr/>
-          <a:lstStyle/>
-          <a:p>
-            <a:fld id="{34B6DF01-BD0A-4C66-A064-3E3C7A4D4B0A}" type="slidenum">
-              <a:rPr lang="en-US" smtClean="0"/>
-              <a:pPr/>
-              <a:t>19</a:t>
-            </a:fld>
-            <a:endParaRPr lang="en-US"/>
-          </a:p>
-        </p:txBody>
-      </p:sp>
-    </p:spTree>
-    <p:extLst>
-      <p:ext uri="{BB962C8B-B14F-4D97-AF65-F5344CB8AC3E}">
-        <p14:creationId xmlns:p14="http://schemas.microsoft.com/office/powerpoint/2010/main" val="1149419506"/>
+        <p14:creationId xmlns:p14="http://schemas.microsoft.com/office/powerpoint/2010/main" val="219199918"/>
       </p:ext>
     </p:extLst>
   </p:cSld>
@@ -1675,176 +1577,6 @@
     <p:extLst>
       <p:ext uri="{BB962C8B-B14F-4D97-AF65-F5344CB8AC3E}">
         <p14:creationId xmlns:p14="http://schemas.microsoft.com/office/powerpoint/2010/main" val="609051077"/>
-      </p:ext>
-    </p:extLst>
-  </p:cSld>
-  <p:clrMapOvr>
-    <a:masterClrMapping/>
-  </p:clrMapOvr>
-</p:notes>
-</file>
-
-<file path=ppt/notesSlides/notesSlide20.xml><?xml version="1.0" encoding="utf-8"?>
-<p:notes xmlns:a="http://schemas.openxmlformats.org/drawingml/2006/main" xmlns:r="http://schemas.openxmlformats.org/officeDocument/2006/relationships" xmlns:p="http://schemas.openxmlformats.org/presentationml/2006/main">
-  <p:cSld>
-    <p:spTree>
-      <p:nvGrpSpPr>
-        <p:cNvPr id="1" name=""/>
-        <p:cNvGrpSpPr/>
-        <p:nvPr/>
-      </p:nvGrpSpPr>
-      <p:grpSpPr>
-        <a:xfrm>
-          <a:off x="0" y="0"/>
-          <a:ext cx="0" cy="0"/>
-          <a:chOff x="0" y="0"/>
-          <a:chExt cx="0" cy="0"/>
-        </a:xfrm>
-      </p:grpSpPr>
-      <p:sp>
-        <p:nvSpPr>
-          <p:cNvPr id="2" name="Slide Image Placeholder 1"/>
-          <p:cNvSpPr>
-            <a:spLocks noGrp="1" noRot="1" noChangeAspect="1"/>
-          </p:cNvSpPr>
-          <p:nvPr>
-            <p:ph type="sldImg"/>
-          </p:nvPr>
-        </p:nvSpPr>
-        <p:spPr/>
-      </p:sp>
-      <p:sp>
-        <p:nvSpPr>
-          <p:cNvPr id="3" name="Notes Placeholder 2"/>
-          <p:cNvSpPr>
-            <a:spLocks noGrp="1"/>
-          </p:cNvSpPr>
-          <p:nvPr>
-            <p:ph type="body" idx="1"/>
-          </p:nvPr>
-        </p:nvSpPr>
-        <p:spPr/>
-        <p:txBody>
-          <a:bodyPr/>
-          <a:lstStyle/>
-          <a:p>
-            <a:endParaRPr lang="en-US"/>
-          </a:p>
-        </p:txBody>
-      </p:sp>
-      <p:sp>
-        <p:nvSpPr>
-          <p:cNvPr id="4" name="Slide Number Placeholder 3"/>
-          <p:cNvSpPr>
-            <a:spLocks noGrp="1"/>
-          </p:cNvSpPr>
-          <p:nvPr>
-            <p:ph type="sldNum" sz="quarter" idx="10"/>
-          </p:nvPr>
-        </p:nvSpPr>
-        <p:spPr/>
-        <p:txBody>
-          <a:bodyPr/>
-          <a:lstStyle/>
-          <a:p>
-            <a:fld id="{34B6DF01-BD0A-4C66-A064-3E3C7A4D4B0A}" type="slidenum">
-              <a:rPr lang="en-US" smtClean="0"/>
-              <a:pPr/>
-              <a:t>20</a:t>
-            </a:fld>
-            <a:endParaRPr lang="en-US"/>
-          </a:p>
-        </p:txBody>
-      </p:sp>
-    </p:spTree>
-    <p:extLst>
-      <p:ext uri="{BB962C8B-B14F-4D97-AF65-F5344CB8AC3E}">
-        <p14:creationId xmlns:p14="http://schemas.microsoft.com/office/powerpoint/2010/main" val="2247725072"/>
-      </p:ext>
-    </p:extLst>
-  </p:cSld>
-  <p:clrMapOvr>
-    <a:masterClrMapping/>
-  </p:clrMapOvr>
-</p:notes>
-</file>
-
-<file path=ppt/notesSlides/notesSlide21.xml><?xml version="1.0" encoding="utf-8"?>
-<p:notes xmlns:a="http://schemas.openxmlformats.org/drawingml/2006/main" xmlns:r="http://schemas.openxmlformats.org/officeDocument/2006/relationships" xmlns:p="http://schemas.openxmlformats.org/presentationml/2006/main">
-  <p:cSld>
-    <p:spTree>
-      <p:nvGrpSpPr>
-        <p:cNvPr id="1" name=""/>
-        <p:cNvGrpSpPr/>
-        <p:nvPr/>
-      </p:nvGrpSpPr>
-      <p:grpSpPr>
-        <a:xfrm>
-          <a:off x="0" y="0"/>
-          <a:ext cx="0" cy="0"/>
-          <a:chOff x="0" y="0"/>
-          <a:chExt cx="0" cy="0"/>
-        </a:xfrm>
-      </p:grpSpPr>
-      <p:sp>
-        <p:nvSpPr>
-          <p:cNvPr id="2" name="Slide Image Placeholder 1"/>
-          <p:cNvSpPr>
-            <a:spLocks noGrp="1" noRot="1" noChangeAspect="1"/>
-          </p:cNvSpPr>
-          <p:nvPr>
-            <p:ph type="sldImg"/>
-          </p:nvPr>
-        </p:nvSpPr>
-        <p:spPr/>
-      </p:sp>
-      <p:sp>
-        <p:nvSpPr>
-          <p:cNvPr id="3" name="Notes Placeholder 2"/>
-          <p:cNvSpPr>
-            <a:spLocks noGrp="1"/>
-          </p:cNvSpPr>
-          <p:nvPr>
-            <p:ph type="body" idx="1"/>
-          </p:nvPr>
-        </p:nvSpPr>
-        <p:spPr/>
-        <p:txBody>
-          <a:bodyPr/>
-          <a:lstStyle/>
-          <a:p>
-            <a:endParaRPr lang="en-US"/>
-          </a:p>
-        </p:txBody>
-      </p:sp>
-      <p:sp>
-        <p:nvSpPr>
-          <p:cNvPr id="4" name="Slide Number Placeholder 3"/>
-          <p:cNvSpPr>
-            <a:spLocks noGrp="1"/>
-          </p:cNvSpPr>
-          <p:nvPr>
-            <p:ph type="sldNum" sz="quarter" idx="10"/>
-          </p:nvPr>
-        </p:nvSpPr>
-        <p:spPr/>
-        <p:txBody>
-          <a:bodyPr/>
-          <a:lstStyle/>
-          <a:p>
-            <a:fld id="{34B6DF01-BD0A-4C66-A064-3E3C7A4D4B0A}" type="slidenum">
-              <a:rPr lang="en-US" smtClean="0"/>
-              <a:pPr/>
-              <a:t>21</a:t>
-            </a:fld>
-            <a:endParaRPr lang="en-US"/>
-          </a:p>
-        </p:txBody>
-      </p:sp>
-    </p:spTree>
-    <p:extLst>
-      <p:ext uri="{BB962C8B-B14F-4D97-AF65-F5344CB8AC3E}">
-        <p14:creationId xmlns:p14="http://schemas.microsoft.com/office/powerpoint/2010/main" val="219199918"/>
       </p:ext>
     </p:extLst>
   </p:cSld>
@@ -2675,7 +2407,7 @@
             <a:fld id="{1F541AB0-5ECD-4F0C-8435-DFC39302280B}" type="datetimeFigureOut">
               <a:rPr lang="en-US" smtClean="0"/>
               <a:pPr/>
-              <a:t>3/7/2016</a:t>
+              <a:t>3/17/2016</a:t>
             </a:fld>
             <a:endParaRPr lang="en-US"/>
           </a:p>
@@ -2847,7 +2579,7 @@
             <a:fld id="{1F541AB0-5ECD-4F0C-8435-DFC39302280B}" type="datetimeFigureOut">
               <a:rPr lang="en-US" smtClean="0"/>
               <a:pPr/>
-              <a:t>3/7/2016</a:t>
+              <a:t>3/17/2016</a:t>
             </a:fld>
             <a:endParaRPr lang="en-US"/>
           </a:p>
@@ -3029,7 +2761,7 @@
             <a:fld id="{1F541AB0-5ECD-4F0C-8435-DFC39302280B}" type="datetimeFigureOut">
               <a:rPr lang="en-US" smtClean="0"/>
               <a:pPr/>
-              <a:t>3/7/2016</a:t>
+              <a:t>3/17/2016</a:t>
             </a:fld>
             <a:endParaRPr lang="en-US"/>
           </a:p>
@@ -3201,7 +2933,7 @@
             <a:fld id="{1F541AB0-5ECD-4F0C-8435-DFC39302280B}" type="datetimeFigureOut">
               <a:rPr lang="en-US" smtClean="0"/>
               <a:pPr/>
-              <a:t>3/7/2016</a:t>
+              <a:t>3/17/2016</a:t>
             </a:fld>
             <a:endParaRPr lang="en-US"/>
           </a:p>
@@ -3449,7 +3181,7 @@
             <a:fld id="{1F541AB0-5ECD-4F0C-8435-DFC39302280B}" type="datetimeFigureOut">
               <a:rPr lang="en-US" smtClean="0"/>
               <a:pPr/>
-              <a:t>3/7/2016</a:t>
+              <a:t>3/17/2016</a:t>
             </a:fld>
             <a:endParaRPr lang="en-US"/>
           </a:p>
@@ -3739,7 +3471,7 @@
             <a:fld id="{1F541AB0-5ECD-4F0C-8435-DFC39302280B}" type="datetimeFigureOut">
               <a:rPr lang="en-US" smtClean="0"/>
               <a:pPr/>
-              <a:t>3/7/2016</a:t>
+              <a:t>3/17/2016</a:t>
             </a:fld>
             <a:endParaRPr lang="en-US"/>
           </a:p>
@@ -4163,7 +3895,7 @@
             <a:fld id="{1F541AB0-5ECD-4F0C-8435-DFC39302280B}" type="datetimeFigureOut">
               <a:rPr lang="en-US" smtClean="0"/>
               <a:pPr/>
-              <a:t>3/7/2016</a:t>
+              <a:t>3/17/2016</a:t>
             </a:fld>
             <a:endParaRPr lang="en-US"/>
           </a:p>
@@ -4283,7 +4015,7 @@
             <a:fld id="{1F541AB0-5ECD-4F0C-8435-DFC39302280B}" type="datetimeFigureOut">
               <a:rPr lang="en-US" smtClean="0"/>
               <a:pPr/>
-              <a:t>3/7/2016</a:t>
+              <a:t>3/17/2016</a:t>
             </a:fld>
             <a:endParaRPr lang="en-US"/>
           </a:p>
@@ -4380,7 +4112,7 @@
             <a:fld id="{1F541AB0-5ECD-4F0C-8435-DFC39302280B}" type="datetimeFigureOut">
               <a:rPr lang="en-US" smtClean="0"/>
               <a:pPr/>
-              <a:t>3/7/2016</a:t>
+              <a:t>3/17/2016</a:t>
             </a:fld>
             <a:endParaRPr lang="en-US"/>
           </a:p>
@@ -4659,7 +4391,7 @@
             <a:fld id="{1F541AB0-5ECD-4F0C-8435-DFC39302280B}" type="datetimeFigureOut">
               <a:rPr lang="en-US" smtClean="0"/>
               <a:pPr/>
-              <a:t>3/7/2016</a:t>
+              <a:t>3/17/2016</a:t>
             </a:fld>
             <a:endParaRPr lang="en-US"/>
           </a:p>
@@ -4914,7 +4646,7 @@
             <a:fld id="{1F541AB0-5ECD-4F0C-8435-DFC39302280B}" type="datetimeFigureOut">
               <a:rPr lang="en-US" smtClean="0"/>
               <a:pPr/>
-              <a:t>3/7/2016</a:t>
+              <a:t>3/17/2016</a:t>
             </a:fld>
             <a:endParaRPr lang="en-US"/>
           </a:p>
@@ -5129,7 +4861,7 @@
             <a:fld id="{1F541AB0-5ECD-4F0C-8435-DFC39302280B}" type="datetimeFigureOut">
               <a:rPr lang="en-US" smtClean="0"/>
               <a:pPr/>
-              <a:t>3/7/2016</a:t>
+              <a:t>3/17/2016</a:t>
             </a:fld>
             <a:endParaRPr lang="en-US"/>
           </a:p>
@@ -5569,7 +5301,11 @@
           <a:p>
             <a:r>
               <a:rPr lang="en-US" dirty="0" smtClean="0"/>
-              <a:t>Logistic regression</a:t>
+              <a:t>Logistic </a:t>
+            </a:r>
+            <a:r>
+              <a:rPr lang="en-US" dirty="0" smtClean="0"/>
+              <a:t>Regression</a:t>
             </a:r>
             <a:endParaRPr lang="en-US" dirty="0"/>
           </a:p>
@@ -5652,8 +5388,8 @@
         </p:nvSpPr>
         <p:spPr>
           <a:xfrm>
-            <a:off x="76200" y="1104900"/>
-            <a:ext cx="8839200" cy="5486400"/>
+            <a:off x="457200" y="1104900"/>
+            <a:ext cx="8458200" cy="5486400"/>
           </a:xfrm>
         </p:spPr>
         <p:txBody>
@@ -5666,7 +5402,7 @@
               <a:buNone/>
             </a:pPr>
             <a:r>
-              <a:rPr lang="en-US" sz="2400" dirty="0" smtClean="0"/>
+              <a:rPr lang="en-US" sz="2800" dirty="0" smtClean="0"/>
               <a:t>Evaluation of results</a:t>
             </a:r>
           </a:p>
@@ -5681,66 +5417,6 @@
               <a:buNone/>
             </a:pPr>
             <a:endParaRPr lang="en-US" sz="2400" dirty="0" smtClean="0"/>
-          </a:p>
-        </p:txBody>
-      </p:sp>
-      <p:sp>
-        <p:nvSpPr>
-          <p:cNvPr id="4" name="Title 23"/>
-          <p:cNvSpPr txBox="1">
-            <a:spLocks/>
-          </p:cNvSpPr>
-          <p:nvPr/>
-        </p:nvSpPr>
-        <p:spPr>
-          <a:xfrm>
-            <a:off x="381000" y="152400"/>
-            <a:ext cx="8229600" cy="914400"/>
-          </a:xfrm>
-          <a:prstGeom prst="rect">
-            <a:avLst/>
-          </a:prstGeom>
-        </p:spPr>
-        <p:txBody>
-          <a:bodyPr vert="horz" lIns="91440" tIns="45720" rIns="91440" bIns="45720" rtlCol="0" anchor="ctr">
-            <a:normAutofit fontScale="75000" lnSpcReduction="20000"/>
-          </a:bodyPr>
-          <a:lstStyle>
-            <a:lvl1pPr algn="ctr" defTabSz="914400" rtl="0" eaLnBrk="1" latinLnBrk="0" hangingPunct="1">
-              <a:spcBef>
-                <a:spcPct val="0"/>
-              </a:spcBef>
-              <a:buNone/>
-              <a:defRPr sz="4400" b="1" kern="1200">
-                <a:solidFill>
-                  <a:srgbClr val="FFC000"/>
-                </a:solidFill>
-                <a:effectLst>
-                  <a:outerShdw blurRad="38100" dist="38100" dir="2700000" algn="tl">
-                    <a:srgbClr val="000000">
-                      <a:alpha val="43137"/>
-                    </a:srgbClr>
-                  </a:outerShdw>
-                </a:effectLst>
-                <a:latin typeface="+mj-lt"/>
-                <a:ea typeface="+mj-ea"/>
-                <a:cs typeface="+mj-cs"/>
-              </a:defRPr>
-            </a:lvl1pPr>
-          </a:lstStyle>
-          <a:p>
-            <a:r>
-              <a:rPr lang="en-US" dirty="0" smtClean="0"/>
-              <a:t>Logistic regression</a:t>
-            </a:r>
-            <a:br>
-              <a:rPr lang="en-US" dirty="0" smtClean="0"/>
-            </a:br>
-            <a:r>
-              <a:rPr lang="en-US" dirty="0" smtClean="0"/>
-              <a:t>example</a:t>
-            </a:r>
-            <a:endParaRPr lang="en-US" dirty="0"/>
           </a:p>
         </p:txBody>
       </p:sp>
@@ -5768,7 +5444,7 @@
         <p:spPr bwMode="auto">
           <a:xfrm>
             <a:off x="457200" y="1649759"/>
-            <a:ext cx="5972175" cy="3038475"/>
+            <a:ext cx="6418890" cy="3265751"/>
           </a:xfrm>
           <a:prstGeom prst="rect">
             <a:avLst/>
@@ -5806,8 +5482,8 @@
         </p:nvSpPr>
         <p:spPr>
           <a:xfrm>
-            <a:off x="237550" y="4968575"/>
-            <a:ext cx="8516499" cy="1754326"/>
+            <a:off x="457200" y="4968575"/>
+            <a:ext cx="8296849" cy="1569660"/>
           </a:xfrm>
           <a:prstGeom prst="rect">
             <a:avLst/>
@@ -5815,40 +5491,38 @@
           <a:noFill/>
         </p:spPr>
         <p:txBody>
-          <a:bodyPr wrap="none" rtlCol="0">
+          <a:bodyPr wrap="square" rtlCol="0">
             <a:spAutoFit/>
           </a:bodyPr>
           <a:lstStyle/>
           <a:p>
             <a:r>
-              <a:rPr lang="en-US" dirty="0" smtClean="0"/>
+              <a:rPr lang="en-US" sz="2000" dirty="0" smtClean="0"/>
               <a:t>The relationship between the dependent (DV) and independent variables (IV)</a:t>
             </a:r>
           </a:p>
           <a:p>
-            <a:endParaRPr lang="en-US" dirty="0"/>
-          </a:p>
-          <a:p>
-            <a:r>
-              <a:rPr lang="en-US" dirty="0" smtClean="0"/>
+            <a:endParaRPr lang="en-US" sz="800" dirty="0"/>
+          </a:p>
+          <a:p>
+            <a:r>
+              <a:rPr lang="en-US" sz="2000" dirty="0" smtClean="0"/>
               <a:t>The low P value indicates there is a relationship between the DV and IV</a:t>
             </a:r>
           </a:p>
           <a:p>
-            <a:endParaRPr lang="en-US" dirty="0" smtClean="0"/>
-          </a:p>
-          <a:p>
-            <a:r>
-              <a:rPr lang="en-US" dirty="0" smtClean="0"/>
+            <a:endParaRPr lang="en-US" sz="800" dirty="0" smtClean="0"/>
+          </a:p>
+          <a:p>
+            <a:r>
+              <a:rPr lang="en-US" sz="2000" dirty="0" smtClean="0"/>
               <a:t>A high value (e.g. &gt; 0.05) indicates the model performs no better with the IVs than with a </a:t>
             </a:r>
-          </a:p>
-          <a:p>
-            <a:r>
-              <a:rPr lang="en-US" dirty="0" smtClean="0"/>
+            <a:r>
+              <a:rPr lang="en-US" sz="2000" dirty="0" smtClean="0"/>
               <a:t>constant</a:t>
             </a:r>
-            <a:endParaRPr lang="en-US" dirty="0"/>
+            <a:endParaRPr lang="en-US" sz="2000" dirty="0"/>
           </a:p>
         </p:txBody>
       </p:sp>
@@ -5860,7 +5534,7 @@
         </p:nvSpPr>
         <p:spPr>
           <a:xfrm>
-            <a:off x="1981200" y="2971801"/>
+            <a:off x="2133600" y="3124200"/>
             <a:ext cx="1676400" cy="341034"/>
           </a:xfrm>
           <a:prstGeom prst="ellipse">
@@ -5895,6 +5569,59 @@
           <a:p>
             <a:pPr algn="ctr"/>
             <a:endParaRPr lang="en-US"/>
+          </a:p>
+        </p:txBody>
+      </p:sp>
+      <p:sp>
+        <p:nvSpPr>
+          <p:cNvPr id="8" name="Title 22"/>
+          <p:cNvSpPr txBox="1">
+            <a:spLocks/>
+          </p:cNvSpPr>
+          <p:nvPr/>
+        </p:nvSpPr>
+        <p:spPr>
+          <a:xfrm>
+            <a:off x="533400" y="-4292"/>
+            <a:ext cx="7772400" cy="1470025"/>
+          </a:xfrm>
+          <a:prstGeom prst="rect">
+            <a:avLst/>
+          </a:prstGeom>
+        </p:spPr>
+        <p:txBody>
+          <a:bodyPr vert="horz" lIns="91440" tIns="45720" rIns="91440" bIns="45720" rtlCol="0" anchor="ctr">
+            <a:normAutofit/>
+          </a:bodyPr>
+          <a:lstStyle>
+            <a:lvl1pPr algn="ctr" defTabSz="914400" rtl="0" eaLnBrk="1" latinLnBrk="0" hangingPunct="1">
+              <a:spcBef>
+                <a:spcPct val="0"/>
+              </a:spcBef>
+              <a:buNone/>
+              <a:defRPr sz="4400" b="1" kern="1200">
+                <a:solidFill>
+                  <a:srgbClr val="FFC000"/>
+                </a:solidFill>
+                <a:effectLst>
+                  <a:outerShdw blurRad="38100" dist="38100" dir="2700000" algn="tl">
+                    <a:srgbClr val="000000">
+                      <a:alpha val="43137"/>
+                    </a:srgbClr>
+                  </a:outerShdw>
+                </a:effectLst>
+                <a:latin typeface="+mj-lt"/>
+                <a:ea typeface="+mj-ea"/>
+                <a:cs typeface="+mj-cs"/>
+              </a:defRPr>
+            </a:lvl1pPr>
+          </a:lstStyle>
+          <a:p>
+            <a:r>
+              <a:rPr lang="en-US" sz="3600" dirty="0" smtClean="0"/>
+              <a:t>Logistic Regression Example</a:t>
+            </a:r>
+            <a:endParaRPr lang="en-US" sz="3600" dirty="0"/>
           </a:p>
         </p:txBody>
       </p:sp>
@@ -5947,8 +5674,8 @@
         </p:nvSpPr>
         <p:spPr>
           <a:xfrm>
-            <a:off x="76200" y="1104900"/>
-            <a:ext cx="8839200" cy="5486400"/>
+            <a:off x="457200" y="1104900"/>
+            <a:ext cx="8458200" cy="5486400"/>
           </a:xfrm>
         </p:spPr>
         <p:txBody>
@@ -5961,7 +5688,7 @@
               <a:buNone/>
             </a:pPr>
             <a:r>
-              <a:rPr lang="en-US" sz="2400" dirty="0" smtClean="0"/>
+              <a:rPr lang="en-US" sz="2800" dirty="0" smtClean="0"/>
               <a:t>Evaluation of results</a:t>
             </a:r>
           </a:p>
@@ -5979,9 +5706,199 @@
           </a:p>
         </p:txBody>
       </p:sp>
-      <p:sp>
-        <p:nvSpPr>
-          <p:cNvPr id="4" name="Title 23"/>
+      <p:pic>
+        <p:nvPicPr>
+          <p:cNvPr id="1026" name="Picture 2"/>
+          <p:cNvPicPr>
+            <a:picLocks noChangeAspect="1" noChangeArrowheads="1"/>
+          </p:cNvPicPr>
+          <p:nvPr/>
+        </p:nvPicPr>
+        <p:blipFill>
+          <a:blip r:embed="rId3">
+            <a:extLst>
+              <a:ext uri="{28A0092B-C50C-407E-A947-70E740481C1C}">
+                <a14:useLocalDpi xmlns:a14="http://schemas.microsoft.com/office/drawing/2010/main" val="0"/>
+              </a:ext>
+            </a:extLst>
+          </a:blip>
+          <a:srcRect/>
+          <a:stretch>
+            <a:fillRect/>
+          </a:stretch>
+        </p:blipFill>
+        <p:spPr bwMode="auto">
+          <a:xfrm>
+            <a:off x="457200" y="1828800"/>
+            <a:ext cx="6336661" cy="3223915"/>
+          </a:xfrm>
+          <a:prstGeom prst="rect">
+            <a:avLst/>
+          </a:prstGeom>
+          <a:noFill/>
+          <a:ln>
+            <a:noFill/>
+          </a:ln>
+          <a:extLst>
+            <a:ext uri="{909E8E84-426E-40DD-AFC4-6F175D3DCCD1}">
+              <a14:hiddenFill xmlns:a14="http://schemas.microsoft.com/office/drawing/2010/main">
+                <a:solidFill>
+                  <a:schemeClr val="accent1"/>
+                </a:solidFill>
+              </a14:hiddenFill>
+            </a:ext>
+            <a:ext uri="{91240B29-F687-4F45-9708-019B960494DF}">
+              <a14:hiddenLine xmlns:a14="http://schemas.microsoft.com/office/drawing/2010/main" w="9525">
+                <a:solidFill>
+                  <a:schemeClr val="tx1"/>
+                </a:solidFill>
+                <a:miter lim="800000"/>
+                <a:headEnd/>
+                <a:tailEnd/>
+              </a14:hiddenLine>
+            </a:ext>
+          </a:extLst>
+        </p:spPr>
+      </p:pic>
+      <p:sp>
+        <p:nvSpPr>
+          <p:cNvPr id="15" name="Right Bracket 14"/>
+          <p:cNvSpPr/>
+          <p:nvPr/>
+        </p:nvSpPr>
+        <p:spPr>
+          <a:xfrm>
+            <a:off x="3287950" y="4213578"/>
+            <a:ext cx="61913" cy="609601"/>
+          </a:xfrm>
+          <a:prstGeom prst="rightBracket">
+            <a:avLst/>
+          </a:prstGeom>
+        </p:spPr>
+        <p:style>
+          <a:lnRef idx="1">
+            <a:schemeClr val="accent1"/>
+          </a:lnRef>
+          <a:fillRef idx="0">
+            <a:schemeClr val="accent1"/>
+          </a:fillRef>
+          <a:effectRef idx="0">
+            <a:schemeClr val="accent1"/>
+          </a:effectRef>
+          <a:fontRef idx="minor">
+            <a:schemeClr val="tx1"/>
+          </a:fontRef>
+        </p:style>
+        <p:txBody>
+          <a:bodyPr rtlCol="0" anchor="ctr"/>
+          <a:lstStyle/>
+          <a:p>
+            <a:pPr algn="ctr"/>
+            <a:endParaRPr lang="en-US"/>
+          </a:p>
+        </p:txBody>
+      </p:sp>
+      <p:sp>
+        <p:nvSpPr>
+          <p:cNvPr id="6" name="TextBox 5"/>
+          <p:cNvSpPr txBox="1"/>
+          <p:nvPr/>
+        </p:nvSpPr>
+        <p:spPr>
+          <a:xfrm>
+            <a:off x="381000" y="5136408"/>
+            <a:ext cx="8328212" cy="1569660"/>
+          </a:xfrm>
+          <a:prstGeom prst="rect">
+            <a:avLst/>
+          </a:prstGeom>
+          <a:noFill/>
+        </p:spPr>
+        <p:txBody>
+          <a:bodyPr wrap="square" rtlCol="0">
+            <a:spAutoFit/>
+          </a:bodyPr>
+          <a:lstStyle/>
+          <a:p>
+            <a:r>
+              <a:rPr lang="en-US" sz="2000" dirty="0" smtClean="0"/>
+              <a:t>Is multicollinearity present?</a:t>
+            </a:r>
+          </a:p>
+          <a:p>
+            <a:endParaRPr lang="en-US" sz="800" dirty="0"/>
+          </a:p>
+          <a:p>
+            <a:r>
+              <a:rPr lang="en-US" sz="2000" dirty="0" smtClean="0"/>
+              <a:t>The Standard Errors should be less than 2. This does not pertain to the intercept/constant</a:t>
+            </a:r>
+            <a:r>
+              <a:rPr lang="en-US" sz="2000" dirty="0" smtClean="0"/>
+              <a:t>.</a:t>
+            </a:r>
+          </a:p>
+          <a:p>
+            <a:endParaRPr lang="en-US" sz="800" dirty="0" smtClean="0"/>
+          </a:p>
+          <a:p>
+            <a:r>
+              <a:rPr lang="en-US" sz="2000" dirty="0" smtClean="0"/>
+              <a:t>What if Standard Error is &gt; 2?</a:t>
+            </a:r>
+            <a:endParaRPr lang="en-US" sz="2000" dirty="0"/>
+          </a:p>
+        </p:txBody>
+      </p:sp>
+      <p:sp>
+        <p:nvSpPr>
+          <p:cNvPr id="7" name="Oval 6"/>
+          <p:cNvSpPr/>
+          <p:nvPr/>
+        </p:nvSpPr>
+        <p:spPr>
+          <a:xfrm>
+            <a:off x="1905000" y="4213578"/>
+            <a:ext cx="685800" cy="708379"/>
+          </a:xfrm>
+          <a:prstGeom prst="ellipse">
+            <a:avLst/>
+          </a:prstGeom>
+          <a:noFill/>
+          <a:ln>
+            <a:solidFill>
+              <a:srgbClr val="C00000"/>
+            </a:solidFill>
+          </a:ln>
+        </p:spPr>
+        <p:style>
+          <a:lnRef idx="2">
+            <a:schemeClr val="accent1">
+              <a:shade val="50000"/>
+            </a:schemeClr>
+          </a:lnRef>
+          <a:fillRef idx="1">
+            <a:schemeClr val="accent1"/>
+          </a:fillRef>
+          <a:effectRef idx="0">
+            <a:schemeClr val="accent1"/>
+          </a:effectRef>
+          <a:fontRef idx="minor">
+            <a:schemeClr val="lt1"/>
+          </a:fontRef>
+        </p:style>
+        <p:txBody>
+          <a:bodyPr rtlCol="0" anchor="ctr"/>
+          <a:lstStyle/>
+          <a:p>
+            <a:pPr algn="ctr"/>
+            <a:endParaRPr lang="en-US"/>
+          </a:p>
+        </p:txBody>
+      </p:sp>
+      <p:sp>
+        <p:nvSpPr>
+          <p:cNvPr id="8" name="Title 22"/>
           <p:cNvSpPr txBox="1">
             <a:spLocks/>
           </p:cNvSpPr>
@@ -5989,8 +5906,8 @@
         </p:nvSpPr>
         <p:spPr>
           <a:xfrm>
-            <a:off x="381000" y="152400"/>
-            <a:ext cx="8229600" cy="914400"/>
+            <a:off x="533400" y="-4292"/>
+            <a:ext cx="7772400" cy="1470025"/>
           </a:xfrm>
           <a:prstGeom prst="rect">
             <a:avLst/>
@@ -5998,7 +5915,7 @@
         </p:spPr>
         <p:txBody>
           <a:bodyPr vert="horz" lIns="91440" tIns="45720" rIns="91440" bIns="45720" rtlCol="0" anchor="ctr">
-            <a:normAutofit fontScale="75000" lnSpcReduction="20000"/>
+            <a:normAutofit/>
           </a:bodyPr>
           <a:lstStyle>
             <a:lvl1pPr algn="ctr" defTabSz="914400" rtl="0" eaLnBrk="1" latinLnBrk="0" hangingPunct="1">
@@ -6025,17 +5942,91 @@
           </a:lstStyle>
           <a:p>
             <a:r>
-              <a:rPr lang="en-US" dirty="0" smtClean="0"/>
-              <a:t>Logistic regression</a:t>
-            </a:r>
-            <a:br>
-              <a:rPr lang="en-US" dirty="0" smtClean="0"/>
-            </a:br>
-            <a:r>
-              <a:rPr lang="en-US" dirty="0" smtClean="0"/>
-              <a:t>example</a:t>
-            </a:r>
-            <a:endParaRPr lang="en-US" dirty="0"/>
+              <a:rPr lang="en-US" sz="3600" dirty="0" smtClean="0"/>
+              <a:t>Logistic Regression Example</a:t>
+            </a:r>
+            <a:endParaRPr lang="en-US" sz="3600" dirty="0"/>
+          </a:p>
+        </p:txBody>
+      </p:sp>
+    </p:spTree>
+    <p:extLst>
+      <p:ext uri="{BB962C8B-B14F-4D97-AF65-F5344CB8AC3E}">
+        <p14:creationId xmlns:p14="http://schemas.microsoft.com/office/powerpoint/2010/main" val="2523907805"/>
+      </p:ext>
+    </p:extLst>
+  </p:cSld>
+  <p:clrMapOvr>
+    <a:masterClrMapping/>
+  </p:clrMapOvr>
+  <p:timing>
+    <p:tnLst>
+      <p:par>
+        <p:cTn id="1" dur="indefinite" restart="never" nodeType="tmRoot"/>
+      </p:par>
+    </p:tnLst>
+  </p:timing>
+</p:sld>
+</file>
+
+<file path=ppt/slides/slide12.xml><?xml version="1.0" encoding="utf-8"?>
+<p:sld xmlns:a="http://schemas.openxmlformats.org/drawingml/2006/main" xmlns:r="http://schemas.openxmlformats.org/officeDocument/2006/relationships" xmlns:p="http://schemas.openxmlformats.org/presentationml/2006/main">
+  <p:cSld>
+    <p:spTree>
+      <p:nvGrpSpPr>
+        <p:cNvPr id="1" name=""/>
+        <p:cNvGrpSpPr/>
+        <p:nvPr/>
+      </p:nvGrpSpPr>
+      <p:grpSpPr>
+        <a:xfrm>
+          <a:off x="0" y="0"/>
+          <a:ext cx="0" cy="0"/>
+          <a:chOff x="0" y="0"/>
+          <a:chExt cx="0" cy="0"/>
+        </a:xfrm>
+      </p:grpSpPr>
+      <p:sp>
+        <p:nvSpPr>
+          <p:cNvPr id="25" name="Content Placeholder 24"/>
+          <p:cNvSpPr>
+            <a:spLocks noGrp="1"/>
+          </p:cNvSpPr>
+          <p:nvPr>
+            <p:ph idx="1"/>
+          </p:nvPr>
+        </p:nvSpPr>
+        <p:spPr>
+          <a:xfrm>
+            <a:off x="457200" y="1104900"/>
+            <a:ext cx="8458200" cy="5486400"/>
+          </a:xfrm>
+        </p:spPr>
+        <p:txBody>
+          <a:bodyPr>
+            <a:normAutofit/>
+          </a:bodyPr>
+          <a:lstStyle/>
+          <a:p>
+            <a:pPr marL="0" indent="0">
+              <a:buNone/>
+            </a:pPr>
+            <a:r>
+              <a:rPr lang="en-US" sz="2800" dirty="0" smtClean="0"/>
+              <a:t>Evaluation of results</a:t>
+            </a:r>
+          </a:p>
+          <a:p>
+            <a:pPr marL="0" indent="0">
+              <a:buNone/>
+            </a:pPr>
+            <a:endParaRPr lang="en-US" sz="2400" dirty="0"/>
+          </a:p>
+          <a:p>
+            <a:pPr marL="0" indent="0">
+              <a:buNone/>
+            </a:pPr>
+            <a:endParaRPr lang="en-US" sz="2400" dirty="0" smtClean="0"/>
           </a:p>
         </p:txBody>
       </p:sp>
@@ -6095,52 +6086,14 @@
       </p:pic>
       <p:sp>
         <p:nvSpPr>
-          <p:cNvPr id="15" name="Right Bracket 14"/>
-          <p:cNvSpPr/>
-          <p:nvPr/>
-        </p:nvSpPr>
-        <p:spPr>
-          <a:xfrm>
-            <a:off x="3287950" y="4213578"/>
-            <a:ext cx="61913" cy="609601"/>
-          </a:xfrm>
-          <a:prstGeom prst="rightBracket">
-            <a:avLst/>
-          </a:prstGeom>
-        </p:spPr>
-        <p:style>
-          <a:lnRef idx="1">
-            <a:schemeClr val="accent1"/>
-          </a:lnRef>
-          <a:fillRef idx="0">
-            <a:schemeClr val="accent1"/>
-          </a:fillRef>
-          <a:effectRef idx="0">
-            <a:schemeClr val="accent1"/>
-          </a:effectRef>
-          <a:fontRef idx="minor">
-            <a:schemeClr val="tx1"/>
-          </a:fontRef>
-        </p:style>
-        <p:txBody>
-          <a:bodyPr rtlCol="0" anchor="ctr"/>
-          <a:lstStyle/>
-          <a:p>
-            <a:pPr algn="ctr"/>
-            <a:endParaRPr lang="en-US"/>
-          </a:p>
-        </p:txBody>
-      </p:sp>
-      <p:sp>
-        <p:nvSpPr>
           <p:cNvPr id="6" name="TextBox 5"/>
           <p:cNvSpPr txBox="1"/>
           <p:nvPr/>
         </p:nvSpPr>
         <p:spPr>
           <a:xfrm>
-            <a:off x="358588" y="5221843"/>
-            <a:ext cx="8631209" cy="1200329"/>
+            <a:off x="457200" y="5098345"/>
+            <a:ext cx="8153400" cy="1261884"/>
           </a:xfrm>
           <a:prstGeom prst="rect">
             <a:avLst/>
@@ -6148,31 +6101,42 @@
           <a:noFill/>
         </p:spPr>
         <p:txBody>
-          <a:bodyPr wrap="none" rtlCol="0">
+          <a:bodyPr wrap="square" rtlCol="0">
             <a:spAutoFit/>
           </a:bodyPr>
           <a:lstStyle/>
           <a:p>
             <a:r>
-              <a:rPr lang="en-US" dirty="0" smtClean="0"/>
-              <a:t>Is multicollinearity present?</a:t>
-            </a:r>
-          </a:p>
-          <a:p>
-            <a:endParaRPr lang="en-US" dirty="0"/>
-          </a:p>
-          <a:p>
-            <a:r>
-              <a:rPr lang="en-US" dirty="0" smtClean="0"/>
-              <a:t>The Standard Errors should be less than 2. This does not pertain to the intercept/constant.</a:t>
-            </a:r>
-          </a:p>
-          <a:p>
-            <a:r>
-              <a:rPr lang="en-US" dirty="0" smtClean="0"/>
-              <a:t>What if Standard Error is &gt; 2?</a:t>
-            </a:r>
-            <a:endParaRPr lang="en-US" dirty="0"/>
+              <a:rPr lang="en-US" sz="2000" dirty="0" smtClean="0"/>
+              <a:t>Relationship of individual IVs to DV</a:t>
+            </a:r>
+          </a:p>
+          <a:p>
+            <a:endParaRPr lang="en-US" sz="800" dirty="0"/>
+          </a:p>
+          <a:p>
+            <a:r>
+              <a:rPr lang="en-US" sz="2000" dirty="0" smtClean="0"/>
+              <a:t>Small “P” values indicate the IV is a </a:t>
+            </a:r>
+            <a:r>
+              <a:rPr lang="en-US" sz="2000" dirty="0"/>
+              <a:t>meaningful </a:t>
+            </a:r>
+            <a:r>
+              <a:rPr lang="en-US" sz="2000" dirty="0" smtClean="0"/>
+              <a:t>predictor</a:t>
+            </a:r>
+          </a:p>
+          <a:p>
+            <a:endParaRPr lang="en-US" sz="800" dirty="0"/>
+          </a:p>
+          <a:p>
+            <a:r>
+              <a:rPr lang="en-US" sz="2000" dirty="0" smtClean="0"/>
+              <a:t>What to do with IVs that have a large “P”?</a:t>
+            </a:r>
+            <a:endParaRPr lang="en-US" sz="2000" dirty="0"/>
           </a:p>
         </p:txBody>
       </p:sp>
@@ -6184,8 +6148,8 @@
         </p:nvSpPr>
         <p:spPr>
           <a:xfrm>
-            <a:off x="1752600" y="4114800"/>
-            <a:ext cx="685800" cy="708379"/>
+            <a:off x="2743200" y="3962400"/>
+            <a:ext cx="838200" cy="904875"/>
           </a:xfrm>
           <a:prstGeom prst="ellipse">
             <a:avLst/>
@@ -6222,99 +6186,18 @@
           </a:p>
         </p:txBody>
       </p:sp>
-    </p:spTree>
-    <p:extLst>
-      <p:ext uri="{BB962C8B-B14F-4D97-AF65-F5344CB8AC3E}">
-        <p14:creationId xmlns:p14="http://schemas.microsoft.com/office/powerpoint/2010/main" val="2523907805"/>
-      </p:ext>
-    </p:extLst>
-  </p:cSld>
-  <p:clrMapOvr>
-    <a:masterClrMapping/>
-  </p:clrMapOvr>
-  <p:timing>
-    <p:tnLst>
-      <p:par>
-        <p:cTn id="1" dur="indefinite" restart="never" nodeType="tmRoot"/>
-      </p:par>
-    </p:tnLst>
-  </p:timing>
-</p:sld>
-</file>
-
-<file path=ppt/slides/slide12.xml><?xml version="1.0" encoding="utf-8"?>
-<p:sld xmlns:a="http://schemas.openxmlformats.org/drawingml/2006/main" xmlns:r="http://schemas.openxmlformats.org/officeDocument/2006/relationships" xmlns:p="http://schemas.openxmlformats.org/presentationml/2006/main">
-  <p:cSld>
-    <p:spTree>
-      <p:nvGrpSpPr>
-        <p:cNvPr id="1" name=""/>
-        <p:cNvGrpSpPr/>
-        <p:nvPr/>
-      </p:nvGrpSpPr>
-      <p:grpSpPr>
-        <a:xfrm>
-          <a:off x="0" y="0"/>
-          <a:ext cx="0" cy="0"/>
-          <a:chOff x="0" y="0"/>
-          <a:chExt cx="0" cy="0"/>
-        </a:xfrm>
-      </p:grpSpPr>
-      <p:sp>
-        <p:nvSpPr>
-          <p:cNvPr id="25" name="Content Placeholder 24"/>
-          <p:cNvSpPr>
-            <a:spLocks noGrp="1"/>
-          </p:cNvSpPr>
-          <p:nvPr>
-            <p:ph idx="1"/>
-          </p:nvPr>
+      <p:sp>
+        <p:nvSpPr>
+          <p:cNvPr id="8" name="Title 22"/>
+          <p:cNvSpPr txBox="1">
+            <a:spLocks/>
+          </p:cNvSpPr>
+          <p:nvPr/>
         </p:nvSpPr>
         <p:spPr>
           <a:xfrm>
-            <a:off x="76200" y="1104900"/>
-            <a:ext cx="8839200" cy="5486400"/>
-          </a:xfrm>
-        </p:spPr>
-        <p:txBody>
-          <a:bodyPr>
-            <a:normAutofit/>
-          </a:bodyPr>
-          <a:lstStyle/>
-          <a:p>
-            <a:pPr marL="0" indent="0">
-              <a:buNone/>
-            </a:pPr>
-            <a:r>
-              <a:rPr lang="en-US" sz="2400" dirty="0" smtClean="0"/>
-              <a:t>Evaluation of results</a:t>
-            </a:r>
-          </a:p>
-          <a:p>
-            <a:pPr marL="0" indent="0">
-              <a:buNone/>
-            </a:pPr>
-            <a:endParaRPr lang="en-US" sz="2400" dirty="0"/>
-          </a:p>
-          <a:p>
-            <a:pPr marL="0" indent="0">
-              <a:buNone/>
-            </a:pPr>
-            <a:endParaRPr lang="en-US" sz="2400" dirty="0" smtClean="0"/>
-          </a:p>
-        </p:txBody>
-      </p:sp>
-      <p:sp>
-        <p:nvSpPr>
-          <p:cNvPr id="4" name="Title 23"/>
-          <p:cNvSpPr txBox="1">
-            <a:spLocks/>
-          </p:cNvSpPr>
-          <p:nvPr/>
-        </p:nvSpPr>
-        <p:spPr>
-          <a:xfrm>
-            <a:off x="381000" y="152400"/>
-            <a:ext cx="8229600" cy="914400"/>
+            <a:off x="533400" y="-4292"/>
+            <a:ext cx="7772400" cy="1470025"/>
           </a:xfrm>
           <a:prstGeom prst="rect">
             <a:avLst/>
@@ -6322,7 +6205,7 @@
         </p:spPr>
         <p:txBody>
           <a:bodyPr vert="horz" lIns="91440" tIns="45720" rIns="91440" bIns="45720" rtlCol="0" anchor="ctr">
-            <a:normAutofit fontScale="75000" lnSpcReduction="20000"/>
+            <a:normAutofit/>
           </a:bodyPr>
           <a:lstStyle>
             <a:lvl1pPr algn="ctr" defTabSz="914400" rtl="0" eaLnBrk="1" latinLnBrk="0" hangingPunct="1">
@@ -6349,17 +6232,396 @@
           </a:lstStyle>
           <a:p>
             <a:r>
-              <a:rPr lang="en-US" dirty="0" smtClean="0"/>
-              <a:t>Logistic regression</a:t>
-            </a:r>
-            <a:br>
-              <a:rPr lang="en-US" dirty="0" smtClean="0"/>
-            </a:br>
-            <a:r>
-              <a:rPr lang="en-US" dirty="0" smtClean="0"/>
-              <a:t>example</a:t>
-            </a:r>
-            <a:endParaRPr lang="en-US" dirty="0"/>
+              <a:rPr lang="en-US" sz="3600" dirty="0" smtClean="0"/>
+              <a:t>Logistic Regression Example</a:t>
+            </a:r>
+            <a:endParaRPr lang="en-US" sz="3600" dirty="0"/>
+          </a:p>
+        </p:txBody>
+      </p:sp>
+    </p:spTree>
+    <p:extLst>
+      <p:ext uri="{BB962C8B-B14F-4D97-AF65-F5344CB8AC3E}">
+        <p14:creationId xmlns:p14="http://schemas.microsoft.com/office/powerpoint/2010/main" val="2088385510"/>
+      </p:ext>
+    </p:extLst>
+  </p:cSld>
+  <p:clrMapOvr>
+    <a:masterClrMapping/>
+  </p:clrMapOvr>
+  <p:timing>
+    <p:tnLst>
+      <p:par>
+        <p:cTn id="1" dur="indefinite" restart="never" nodeType="tmRoot"/>
+      </p:par>
+    </p:tnLst>
+  </p:timing>
+</p:sld>
+</file>
+
+<file path=ppt/slides/slide13.xml><?xml version="1.0" encoding="utf-8"?>
+<p:sld xmlns:a="http://schemas.openxmlformats.org/drawingml/2006/main" xmlns:r="http://schemas.openxmlformats.org/officeDocument/2006/relationships" xmlns:p="http://schemas.openxmlformats.org/presentationml/2006/main">
+  <p:cSld>
+    <p:spTree>
+      <p:nvGrpSpPr>
+        <p:cNvPr id="1" name=""/>
+        <p:cNvGrpSpPr/>
+        <p:nvPr/>
+      </p:nvGrpSpPr>
+      <p:grpSpPr>
+        <a:xfrm>
+          <a:off x="0" y="0"/>
+          <a:ext cx="0" cy="0"/>
+          <a:chOff x="0" y="0"/>
+          <a:chExt cx="0" cy="0"/>
+        </a:xfrm>
+      </p:grpSpPr>
+      <p:sp>
+        <p:nvSpPr>
+          <p:cNvPr id="25" name="Content Placeholder 24"/>
+          <p:cNvSpPr>
+            <a:spLocks noGrp="1"/>
+          </p:cNvSpPr>
+          <p:nvPr>
+            <p:ph idx="1"/>
+          </p:nvPr>
+        </p:nvSpPr>
+        <p:spPr>
+          <a:xfrm>
+            <a:off x="381000" y="1039906"/>
+            <a:ext cx="8534400" cy="5486400"/>
+          </a:xfrm>
+        </p:spPr>
+        <p:txBody>
+          <a:bodyPr>
+            <a:normAutofit/>
+          </a:bodyPr>
+          <a:lstStyle/>
+          <a:p>
+            <a:pPr marL="0" indent="0">
+              <a:buNone/>
+            </a:pPr>
+            <a:r>
+              <a:rPr lang="en-US" sz="2800" dirty="0" smtClean="0"/>
+              <a:t>Evaluation of results</a:t>
+            </a:r>
+          </a:p>
+          <a:p>
+            <a:pPr marL="0" indent="0">
+              <a:buNone/>
+            </a:pPr>
+            <a:endParaRPr lang="en-US" sz="2400" dirty="0"/>
+          </a:p>
+          <a:p>
+            <a:pPr marL="0" indent="0">
+              <a:buNone/>
+            </a:pPr>
+            <a:endParaRPr lang="en-US" sz="2400" dirty="0" smtClean="0"/>
+          </a:p>
+        </p:txBody>
+      </p:sp>
+      <p:pic>
+        <p:nvPicPr>
+          <p:cNvPr id="1026" name="Picture 2"/>
+          <p:cNvPicPr>
+            <a:picLocks noChangeAspect="1" noChangeArrowheads="1"/>
+          </p:cNvPicPr>
+          <p:nvPr/>
+        </p:nvPicPr>
+        <p:blipFill>
+          <a:blip r:embed="rId3">
+            <a:extLst>
+              <a:ext uri="{28A0092B-C50C-407E-A947-70E740481C1C}">
+                <a14:useLocalDpi xmlns:a14="http://schemas.microsoft.com/office/drawing/2010/main" val="0"/>
+              </a:ext>
+            </a:extLst>
+          </a:blip>
+          <a:srcRect/>
+          <a:stretch>
+            <a:fillRect/>
+          </a:stretch>
+        </p:blipFill>
+        <p:spPr bwMode="auto">
+          <a:xfrm>
+            <a:off x="381000" y="1524000"/>
+            <a:ext cx="5152212" cy="2621301"/>
+          </a:xfrm>
+          <a:prstGeom prst="rect">
+            <a:avLst/>
+          </a:prstGeom>
+          <a:noFill/>
+          <a:ln>
+            <a:noFill/>
+          </a:ln>
+          <a:extLst>
+            <a:ext uri="{909E8E84-426E-40DD-AFC4-6F175D3DCCD1}">
+              <a14:hiddenFill xmlns:a14="http://schemas.microsoft.com/office/drawing/2010/main">
+                <a:solidFill>
+                  <a:schemeClr val="accent1"/>
+                </a:solidFill>
+              </a14:hiddenFill>
+            </a:ext>
+            <a:ext uri="{91240B29-F687-4F45-9708-019B960494DF}">
+              <a14:hiddenLine xmlns:a14="http://schemas.microsoft.com/office/drawing/2010/main" w="9525">
+                <a:solidFill>
+                  <a:schemeClr val="tx1"/>
+                </a:solidFill>
+                <a:miter lim="800000"/>
+                <a:headEnd/>
+                <a:tailEnd/>
+              </a14:hiddenLine>
+            </a:ext>
+          </a:extLst>
+        </p:spPr>
+      </p:pic>
+      <p:sp>
+        <p:nvSpPr>
+          <p:cNvPr id="6" name="TextBox 5"/>
+          <p:cNvSpPr txBox="1"/>
+          <p:nvPr/>
+        </p:nvSpPr>
+        <p:spPr>
+          <a:xfrm>
+            <a:off x="304800" y="4214693"/>
+            <a:ext cx="8686800" cy="2369880"/>
+          </a:xfrm>
+          <a:prstGeom prst="rect">
+            <a:avLst/>
+          </a:prstGeom>
+          <a:noFill/>
+        </p:spPr>
+        <p:txBody>
+          <a:bodyPr wrap="square" rtlCol="0">
+            <a:spAutoFit/>
+          </a:bodyPr>
+          <a:lstStyle/>
+          <a:p>
+            <a:r>
+              <a:rPr lang="en-US" sz="2000" dirty="0" smtClean="0"/>
+              <a:t>Does the model perform better than random chance?</a:t>
+            </a:r>
+          </a:p>
+          <a:p>
+            <a:endParaRPr lang="en-US" sz="800" dirty="0"/>
+          </a:p>
+          <a:p>
+            <a:r>
+              <a:rPr lang="en-US" sz="2000" dirty="0" smtClean="0"/>
+              <a:t>“C” refers to the concordance aka c-index or AUC, with the following suggested scale (Hosmer &amp; </a:t>
+            </a:r>
+            <a:r>
+              <a:rPr lang="en-US" sz="2000" dirty="0" err="1" smtClean="0"/>
+              <a:t>Lemeshow</a:t>
+            </a:r>
+            <a:r>
+              <a:rPr lang="en-US" sz="2000" dirty="0" smtClean="0"/>
+              <a:t>, 2013)</a:t>
+            </a:r>
+          </a:p>
+          <a:p>
+            <a:r>
+              <a:rPr lang="en-US" sz="2000" dirty="0" smtClean="0"/>
+              <a:t>0.5 = no discrimination</a:t>
+            </a:r>
+          </a:p>
+          <a:p>
+            <a:r>
+              <a:rPr lang="en-US" sz="2000" dirty="0" smtClean="0"/>
+              <a:t>0.7 – 0.8 acceptable discrimination</a:t>
+            </a:r>
+          </a:p>
+          <a:p>
+            <a:r>
+              <a:rPr lang="en-US" sz="2000" dirty="0" smtClean="0"/>
+              <a:t>0.8 – 0.9 excellent discrimination</a:t>
+            </a:r>
+          </a:p>
+          <a:p>
+            <a:r>
+              <a:rPr lang="en-US" sz="2000" dirty="0" smtClean="0"/>
+              <a:t>&gt;0.9 outstanding discrimination</a:t>
+            </a:r>
+            <a:endParaRPr lang="en-US" sz="2000" dirty="0"/>
+          </a:p>
+        </p:txBody>
+      </p:sp>
+      <p:sp>
+        <p:nvSpPr>
+          <p:cNvPr id="7" name="Oval 6"/>
+          <p:cNvSpPr/>
+          <p:nvPr/>
+        </p:nvSpPr>
+        <p:spPr>
+          <a:xfrm>
+            <a:off x="4791634" y="2417956"/>
+            <a:ext cx="638987" cy="192989"/>
+          </a:xfrm>
+          <a:prstGeom prst="ellipse">
+            <a:avLst/>
+          </a:prstGeom>
+          <a:noFill/>
+          <a:ln>
+            <a:solidFill>
+              <a:srgbClr val="C00000"/>
+            </a:solidFill>
+          </a:ln>
+        </p:spPr>
+        <p:style>
+          <a:lnRef idx="2">
+            <a:schemeClr val="accent1">
+              <a:shade val="50000"/>
+            </a:schemeClr>
+          </a:lnRef>
+          <a:fillRef idx="1">
+            <a:schemeClr val="accent1"/>
+          </a:fillRef>
+          <a:effectRef idx="0">
+            <a:schemeClr val="accent1"/>
+          </a:effectRef>
+          <a:fontRef idx="minor">
+            <a:schemeClr val="lt1"/>
+          </a:fontRef>
+        </p:style>
+        <p:txBody>
+          <a:bodyPr rtlCol="0" anchor="ctr"/>
+          <a:lstStyle/>
+          <a:p>
+            <a:pPr algn="ctr"/>
+            <a:endParaRPr lang="en-US"/>
+          </a:p>
+        </p:txBody>
+      </p:sp>
+      <p:sp>
+        <p:nvSpPr>
+          <p:cNvPr id="8" name="Title 22"/>
+          <p:cNvSpPr txBox="1">
+            <a:spLocks/>
+          </p:cNvSpPr>
+          <p:nvPr/>
+        </p:nvSpPr>
+        <p:spPr>
+          <a:xfrm>
+            <a:off x="533400" y="-4292"/>
+            <a:ext cx="7772400" cy="1470025"/>
+          </a:xfrm>
+          <a:prstGeom prst="rect">
+            <a:avLst/>
+          </a:prstGeom>
+        </p:spPr>
+        <p:txBody>
+          <a:bodyPr vert="horz" lIns="91440" tIns="45720" rIns="91440" bIns="45720" rtlCol="0" anchor="ctr">
+            <a:normAutofit/>
+          </a:bodyPr>
+          <a:lstStyle>
+            <a:lvl1pPr algn="ctr" defTabSz="914400" rtl="0" eaLnBrk="1" latinLnBrk="0" hangingPunct="1">
+              <a:spcBef>
+                <a:spcPct val="0"/>
+              </a:spcBef>
+              <a:buNone/>
+              <a:defRPr sz="4400" b="1" kern="1200">
+                <a:solidFill>
+                  <a:srgbClr val="FFC000"/>
+                </a:solidFill>
+                <a:effectLst>
+                  <a:outerShdw blurRad="38100" dist="38100" dir="2700000" algn="tl">
+                    <a:srgbClr val="000000">
+                      <a:alpha val="43137"/>
+                    </a:srgbClr>
+                  </a:outerShdw>
+                </a:effectLst>
+                <a:latin typeface="+mj-lt"/>
+                <a:ea typeface="+mj-ea"/>
+                <a:cs typeface="+mj-cs"/>
+              </a:defRPr>
+            </a:lvl1pPr>
+          </a:lstStyle>
+          <a:p>
+            <a:r>
+              <a:rPr lang="en-US" sz="3600" dirty="0" smtClean="0"/>
+              <a:t>Logistic Regression Example</a:t>
+            </a:r>
+            <a:endParaRPr lang="en-US" sz="3600" dirty="0"/>
+          </a:p>
+        </p:txBody>
+      </p:sp>
+    </p:spTree>
+    <p:extLst>
+      <p:ext uri="{BB962C8B-B14F-4D97-AF65-F5344CB8AC3E}">
+        <p14:creationId xmlns:p14="http://schemas.microsoft.com/office/powerpoint/2010/main" val="3024241856"/>
+      </p:ext>
+    </p:extLst>
+  </p:cSld>
+  <p:clrMapOvr>
+    <a:masterClrMapping/>
+  </p:clrMapOvr>
+  <p:timing>
+    <p:tnLst>
+      <p:par>
+        <p:cTn id="1" dur="indefinite" restart="never" nodeType="tmRoot"/>
+      </p:par>
+    </p:tnLst>
+  </p:timing>
+</p:sld>
+</file>
+
+<file path=ppt/slides/slide14.xml><?xml version="1.0" encoding="utf-8"?>
+<p:sld xmlns:a="http://schemas.openxmlformats.org/drawingml/2006/main" xmlns:r="http://schemas.openxmlformats.org/officeDocument/2006/relationships" xmlns:p="http://schemas.openxmlformats.org/presentationml/2006/main">
+  <p:cSld>
+    <p:spTree>
+      <p:nvGrpSpPr>
+        <p:cNvPr id="1" name=""/>
+        <p:cNvGrpSpPr/>
+        <p:nvPr/>
+      </p:nvGrpSpPr>
+      <p:grpSpPr>
+        <a:xfrm>
+          <a:off x="0" y="0"/>
+          <a:ext cx="0" cy="0"/>
+          <a:chOff x="0" y="0"/>
+          <a:chExt cx="0" cy="0"/>
+        </a:xfrm>
+      </p:grpSpPr>
+      <p:sp>
+        <p:nvSpPr>
+          <p:cNvPr id="25" name="Content Placeholder 24"/>
+          <p:cNvSpPr>
+            <a:spLocks noGrp="1"/>
+          </p:cNvSpPr>
+          <p:nvPr>
+            <p:ph idx="1"/>
+          </p:nvPr>
+        </p:nvSpPr>
+        <p:spPr>
+          <a:xfrm>
+            <a:off x="457200" y="1104900"/>
+            <a:ext cx="8458200" cy="5486400"/>
+          </a:xfrm>
+        </p:spPr>
+        <p:txBody>
+          <a:bodyPr>
+            <a:normAutofit/>
+          </a:bodyPr>
+          <a:lstStyle/>
+          <a:p>
+            <a:pPr marL="0" indent="0">
+              <a:buNone/>
+            </a:pPr>
+            <a:r>
+              <a:rPr lang="en-US" sz="2800" dirty="0" smtClean="0"/>
+              <a:t>Evaluation of results</a:t>
+            </a:r>
+          </a:p>
+          <a:p>
+            <a:pPr marL="0" indent="0">
+              <a:buNone/>
+            </a:pPr>
+            <a:endParaRPr lang="en-US" sz="2400" dirty="0"/>
+          </a:p>
+          <a:p>
+            <a:pPr marL="0" indent="0">
+              <a:buNone/>
+            </a:pPr>
+            <a:endParaRPr lang="en-US" sz="2400" dirty="0" smtClean="0"/>
           </a:p>
         </p:txBody>
       </p:sp>
@@ -6419,615 +6681,6 @@
       </p:pic>
       <p:sp>
         <p:nvSpPr>
-          <p:cNvPr id="6" name="TextBox 5"/>
-          <p:cNvSpPr txBox="1"/>
-          <p:nvPr/>
-        </p:nvSpPr>
-        <p:spPr>
-          <a:xfrm>
-            <a:off x="152400" y="5129510"/>
-            <a:ext cx="8153400" cy="1477328"/>
-          </a:xfrm>
-          <a:prstGeom prst="rect">
-            <a:avLst/>
-          </a:prstGeom>
-          <a:noFill/>
-        </p:spPr>
-        <p:txBody>
-          <a:bodyPr wrap="square" rtlCol="0">
-            <a:spAutoFit/>
-          </a:bodyPr>
-          <a:lstStyle/>
-          <a:p>
-            <a:r>
-              <a:rPr lang="en-US" dirty="0" smtClean="0"/>
-              <a:t>Relationship of individual IVs to DV</a:t>
-            </a:r>
-          </a:p>
-          <a:p>
-            <a:endParaRPr lang="en-US" dirty="0"/>
-          </a:p>
-          <a:p>
-            <a:r>
-              <a:rPr lang="en-US" dirty="0" smtClean="0"/>
-              <a:t>Small “P” values indicate the IV is a </a:t>
-            </a:r>
-            <a:r>
-              <a:rPr lang="en-US" dirty="0"/>
-              <a:t>meaningful </a:t>
-            </a:r>
-            <a:r>
-              <a:rPr lang="en-US" dirty="0" smtClean="0"/>
-              <a:t>predictor</a:t>
-            </a:r>
-          </a:p>
-          <a:p>
-            <a:endParaRPr lang="en-US" dirty="0"/>
-          </a:p>
-          <a:p>
-            <a:r>
-              <a:rPr lang="en-US" dirty="0" smtClean="0"/>
-              <a:t>What to do with IVs that have a large “P”?</a:t>
-            </a:r>
-            <a:endParaRPr lang="en-US" dirty="0"/>
-          </a:p>
-        </p:txBody>
-      </p:sp>
-      <p:sp>
-        <p:nvSpPr>
-          <p:cNvPr id="7" name="Oval 6"/>
-          <p:cNvSpPr/>
-          <p:nvPr/>
-        </p:nvSpPr>
-        <p:spPr>
-          <a:xfrm>
-            <a:off x="2743200" y="3962400"/>
-            <a:ext cx="838200" cy="904875"/>
-          </a:xfrm>
-          <a:prstGeom prst="ellipse">
-            <a:avLst/>
-          </a:prstGeom>
-          <a:noFill/>
-          <a:ln>
-            <a:solidFill>
-              <a:srgbClr val="C00000"/>
-            </a:solidFill>
-          </a:ln>
-        </p:spPr>
-        <p:style>
-          <a:lnRef idx="2">
-            <a:schemeClr val="accent1">
-              <a:shade val="50000"/>
-            </a:schemeClr>
-          </a:lnRef>
-          <a:fillRef idx="1">
-            <a:schemeClr val="accent1"/>
-          </a:fillRef>
-          <a:effectRef idx="0">
-            <a:schemeClr val="accent1"/>
-          </a:effectRef>
-          <a:fontRef idx="minor">
-            <a:schemeClr val="lt1"/>
-          </a:fontRef>
-        </p:style>
-        <p:txBody>
-          <a:bodyPr rtlCol="0" anchor="ctr"/>
-          <a:lstStyle/>
-          <a:p>
-            <a:pPr algn="ctr"/>
-            <a:endParaRPr lang="en-US"/>
-          </a:p>
-        </p:txBody>
-      </p:sp>
-    </p:spTree>
-    <p:extLst>
-      <p:ext uri="{BB962C8B-B14F-4D97-AF65-F5344CB8AC3E}">
-        <p14:creationId xmlns:p14="http://schemas.microsoft.com/office/powerpoint/2010/main" val="2088385510"/>
-      </p:ext>
-    </p:extLst>
-  </p:cSld>
-  <p:clrMapOvr>
-    <a:masterClrMapping/>
-  </p:clrMapOvr>
-  <p:timing>
-    <p:tnLst>
-      <p:par>
-        <p:cTn id="1" dur="indefinite" restart="never" nodeType="tmRoot"/>
-      </p:par>
-    </p:tnLst>
-  </p:timing>
-</p:sld>
-</file>
-
-<file path=ppt/slides/slide13.xml><?xml version="1.0" encoding="utf-8"?>
-<p:sld xmlns:a="http://schemas.openxmlformats.org/drawingml/2006/main" xmlns:r="http://schemas.openxmlformats.org/officeDocument/2006/relationships" xmlns:p="http://schemas.openxmlformats.org/presentationml/2006/main">
-  <p:cSld>
-    <p:spTree>
-      <p:nvGrpSpPr>
-        <p:cNvPr id="1" name=""/>
-        <p:cNvGrpSpPr/>
-        <p:nvPr/>
-      </p:nvGrpSpPr>
-      <p:grpSpPr>
-        <a:xfrm>
-          <a:off x="0" y="0"/>
-          <a:ext cx="0" cy="0"/>
-          <a:chOff x="0" y="0"/>
-          <a:chExt cx="0" cy="0"/>
-        </a:xfrm>
-      </p:grpSpPr>
-      <p:sp>
-        <p:nvSpPr>
-          <p:cNvPr id="25" name="Content Placeholder 24"/>
-          <p:cNvSpPr>
-            <a:spLocks noGrp="1"/>
-          </p:cNvSpPr>
-          <p:nvPr>
-            <p:ph idx="1"/>
-          </p:nvPr>
-        </p:nvSpPr>
-        <p:spPr>
-          <a:xfrm>
-            <a:off x="76200" y="1039906"/>
-            <a:ext cx="8839200" cy="5486400"/>
-          </a:xfrm>
-        </p:spPr>
-        <p:txBody>
-          <a:bodyPr>
-            <a:normAutofit/>
-          </a:bodyPr>
-          <a:lstStyle/>
-          <a:p>
-            <a:pPr marL="0" indent="0">
-              <a:buNone/>
-            </a:pPr>
-            <a:r>
-              <a:rPr lang="en-US" sz="2400" dirty="0" smtClean="0"/>
-              <a:t>Evaluation of results</a:t>
-            </a:r>
-          </a:p>
-          <a:p>
-            <a:pPr marL="0" indent="0">
-              <a:buNone/>
-            </a:pPr>
-            <a:endParaRPr lang="en-US" sz="2400" dirty="0"/>
-          </a:p>
-          <a:p>
-            <a:pPr marL="0" indent="0">
-              <a:buNone/>
-            </a:pPr>
-            <a:endParaRPr lang="en-US" sz="2400" dirty="0" smtClean="0"/>
-          </a:p>
-        </p:txBody>
-      </p:sp>
-      <p:sp>
-        <p:nvSpPr>
-          <p:cNvPr id="4" name="Title 23"/>
-          <p:cNvSpPr txBox="1">
-            <a:spLocks/>
-          </p:cNvSpPr>
-          <p:nvPr/>
-        </p:nvSpPr>
-        <p:spPr>
-          <a:xfrm>
-            <a:off x="381000" y="152400"/>
-            <a:ext cx="8229600" cy="914400"/>
-          </a:xfrm>
-          <a:prstGeom prst="rect">
-            <a:avLst/>
-          </a:prstGeom>
-        </p:spPr>
-        <p:txBody>
-          <a:bodyPr vert="horz" lIns="91440" tIns="45720" rIns="91440" bIns="45720" rtlCol="0" anchor="ctr">
-            <a:normAutofit fontScale="75000" lnSpcReduction="20000"/>
-          </a:bodyPr>
-          <a:lstStyle>
-            <a:lvl1pPr algn="ctr" defTabSz="914400" rtl="0" eaLnBrk="1" latinLnBrk="0" hangingPunct="1">
-              <a:spcBef>
-                <a:spcPct val="0"/>
-              </a:spcBef>
-              <a:buNone/>
-              <a:defRPr sz="4400" b="1" kern="1200">
-                <a:solidFill>
-                  <a:srgbClr val="FFC000"/>
-                </a:solidFill>
-                <a:effectLst>
-                  <a:outerShdw blurRad="38100" dist="38100" dir="2700000" algn="tl">
-                    <a:srgbClr val="000000">
-                      <a:alpha val="43137"/>
-                    </a:srgbClr>
-                  </a:outerShdw>
-                </a:effectLst>
-                <a:latin typeface="+mj-lt"/>
-                <a:ea typeface="+mj-ea"/>
-                <a:cs typeface="+mj-cs"/>
-              </a:defRPr>
-            </a:lvl1pPr>
-          </a:lstStyle>
-          <a:p>
-            <a:r>
-              <a:rPr lang="en-US" dirty="0" smtClean="0"/>
-              <a:t>Logistic regression</a:t>
-            </a:r>
-            <a:br>
-              <a:rPr lang="en-US" dirty="0" smtClean="0"/>
-            </a:br>
-            <a:r>
-              <a:rPr lang="en-US" dirty="0" smtClean="0"/>
-              <a:t>example</a:t>
-            </a:r>
-            <a:endParaRPr lang="en-US" dirty="0"/>
-          </a:p>
-        </p:txBody>
-      </p:sp>
-      <p:pic>
-        <p:nvPicPr>
-          <p:cNvPr id="1026" name="Picture 2"/>
-          <p:cNvPicPr>
-            <a:picLocks noChangeAspect="1" noChangeArrowheads="1"/>
-          </p:cNvPicPr>
-          <p:nvPr/>
-        </p:nvPicPr>
-        <p:blipFill>
-          <a:blip r:embed="rId3">
-            <a:extLst>
-              <a:ext uri="{28A0092B-C50C-407E-A947-70E740481C1C}">
-                <a14:useLocalDpi xmlns:a14="http://schemas.microsoft.com/office/drawing/2010/main" val="0"/>
-              </a:ext>
-            </a:extLst>
-          </a:blip>
-          <a:srcRect/>
-          <a:stretch>
-            <a:fillRect/>
-          </a:stretch>
-        </p:blipFill>
-        <p:spPr bwMode="auto">
-          <a:xfrm>
-            <a:off x="381000" y="1524000"/>
-            <a:ext cx="5152212" cy="2621301"/>
-          </a:xfrm>
-          <a:prstGeom prst="rect">
-            <a:avLst/>
-          </a:prstGeom>
-          <a:noFill/>
-          <a:ln>
-            <a:noFill/>
-          </a:ln>
-          <a:extLst>
-            <a:ext uri="{909E8E84-426E-40DD-AFC4-6F175D3DCCD1}">
-              <a14:hiddenFill xmlns:a14="http://schemas.microsoft.com/office/drawing/2010/main">
-                <a:solidFill>
-                  <a:schemeClr val="accent1"/>
-                </a:solidFill>
-              </a14:hiddenFill>
-            </a:ext>
-            <a:ext uri="{91240B29-F687-4F45-9708-019B960494DF}">
-              <a14:hiddenLine xmlns:a14="http://schemas.microsoft.com/office/drawing/2010/main" w="9525">
-                <a:solidFill>
-                  <a:schemeClr val="tx1"/>
-                </a:solidFill>
-                <a:miter lim="800000"/>
-                <a:headEnd/>
-                <a:tailEnd/>
-              </a14:hiddenLine>
-            </a:ext>
-          </a:extLst>
-        </p:spPr>
-      </p:pic>
-      <p:sp>
-        <p:nvSpPr>
-          <p:cNvPr id="6" name="TextBox 5"/>
-          <p:cNvSpPr txBox="1"/>
-          <p:nvPr/>
-        </p:nvSpPr>
-        <p:spPr>
-          <a:xfrm>
-            <a:off x="192741" y="4254322"/>
-            <a:ext cx="8686800" cy="2308324"/>
-          </a:xfrm>
-          <a:prstGeom prst="rect">
-            <a:avLst/>
-          </a:prstGeom>
-          <a:noFill/>
-        </p:spPr>
-        <p:txBody>
-          <a:bodyPr wrap="square" rtlCol="0">
-            <a:spAutoFit/>
-          </a:bodyPr>
-          <a:lstStyle/>
-          <a:p>
-            <a:r>
-              <a:rPr lang="en-US" dirty="0" smtClean="0"/>
-              <a:t>Does the model perform better than random chance?</a:t>
-            </a:r>
-          </a:p>
-          <a:p>
-            <a:endParaRPr lang="en-US" dirty="0"/>
-          </a:p>
-          <a:p>
-            <a:r>
-              <a:rPr lang="en-US" dirty="0" smtClean="0"/>
-              <a:t>“C” refers to the concordance aka c-index or AUC, with the following suggested scale (Hosmer &amp; </a:t>
-            </a:r>
-            <a:r>
-              <a:rPr lang="en-US" dirty="0" err="1" smtClean="0"/>
-              <a:t>Lemeshow</a:t>
-            </a:r>
-            <a:r>
-              <a:rPr lang="en-US" dirty="0" smtClean="0"/>
-              <a:t>, 2013)</a:t>
-            </a:r>
-          </a:p>
-          <a:p>
-            <a:r>
-              <a:rPr lang="en-US" dirty="0" smtClean="0"/>
-              <a:t>0.5 = no discrimination</a:t>
-            </a:r>
-          </a:p>
-          <a:p>
-            <a:r>
-              <a:rPr lang="en-US" dirty="0" smtClean="0"/>
-              <a:t>0.7 – 0.8 acceptable discrimination</a:t>
-            </a:r>
-          </a:p>
-          <a:p>
-            <a:r>
-              <a:rPr lang="en-US" dirty="0" smtClean="0"/>
-              <a:t>0.8 – 0.9 excellent discrimination</a:t>
-            </a:r>
-          </a:p>
-          <a:p>
-            <a:r>
-              <a:rPr lang="en-US" dirty="0" smtClean="0"/>
-              <a:t>&gt;0.9 outstanding discrimination</a:t>
-            </a:r>
-            <a:endParaRPr lang="en-US" dirty="0"/>
-          </a:p>
-        </p:txBody>
-      </p:sp>
-      <p:sp>
-        <p:nvSpPr>
-          <p:cNvPr id="7" name="Oval 6"/>
-          <p:cNvSpPr/>
-          <p:nvPr/>
-        </p:nvSpPr>
-        <p:spPr>
-          <a:xfrm>
-            <a:off x="4791634" y="2417956"/>
-            <a:ext cx="638987" cy="192989"/>
-          </a:xfrm>
-          <a:prstGeom prst="ellipse">
-            <a:avLst/>
-          </a:prstGeom>
-          <a:noFill/>
-          <a:ln>
-            <a:solidFill>
-              <a:srgbClr val="C00000"/>
-            </a:solidFill>
-          </a:ln>
-        </p:spPr>
-        <p:style>
-          <a:lnRef idx="2">
-            <a:schemeClr val="accent1">
-              <a:shade val="50000"/>
-            </a:schemeClr>
-          </a:lnRef>
-          <a:fillRef idx="1">
-            <a:schemeClr val="accent1"/>
-          </a:fillRef>
-          <a:effectRef idx="0">
-            <a:schemeClr val="accent1"/>
-          </a:effectRef>
-          <a:fontRef idx="minor">
-            <a:schemeClr val="lt1"/>
-          </a:fontRef>
-        </p:style>
-        <p:txBody>
-          <a:bodyPr rtlCol="0" anchor="ctr"/>
-          <a:lstStyle/>
-          <a:p>
-            <a:pPr algn="ctr"/>
-            <a:endParaRPr lang="en-US"/>
-          </a:p>
-        </p:txBody>
-      </p:sp>
-    </p:spTree>
-    <p:extLst>
-      <p:ext uri="{BB962C8B-B14F-4D97-AF65-F5344CB8AC3E}">
-        <p14:creationId xmlns:p14="http://schemas.microsoft.com/office/powerpoint/2010/main" val="3024241856"/>
-      </p:ext>
-    </p:extLst>
-  </p:cSld>
-  <p:clrMapOvr>
-    <a:masterClrMapping/>
-  </p:clrMapOvr>
-  <p:timing>
-    <p:tnLst>
-      <p:par>
-        <p:cTn id="1" dur="indefinite" restart="never" nodeType="tmRoot"/>
-      </p:par>
-    </p:tnLst>
-  </p:timing>
-</p:sld>
-</file>
-
-<file path=ppt/slides/slide14.xml><?xml version="1.0" encoding="utf-8"?>
-<p:sld xmlns:a="http://schemas.openxmlformats.org/drawingml/2006/main" xmlns:r="http://schemas.openxmlformats.org/officeDocument/2006/relationships" xmlns:p="http://schemas.openxmlformats.org/presentationml/2006/main">
-  <p:cSld>
-    <p:spTree>
-      <p:nvGrpSpPr>
-        <p:cNvPr id="1" name=""/>
-        <p:cNvGrpSpPr/>
-        <p:nvPr/>
-      </p:nvGrpSpPr>
-      <p:grpSpPr>
-        <a:xfrm>
-          <a:off x="0" y="0"/>
-          <a:ext cx="0" cy="0"/>
-          <a:chOff x="0" y="0"/>
-          <a:chExt cx="0" cy="0"/>
-        </a:xfrm>
-      </p:grpSpPr>
-      <p:sp>
-        <p:nvSpPr>
-          <p:cNvPr id="25" name="Content Placeholder 24"/>
-          <p:cNvSpPr>
-            <a:spLocks noGrp="1"/>
-          </p:cNvSpPr>
-          <p:nvPr>
-            <p:ph idx="1"/>
-          </p:nvPr>
-        </p:nvSpPr>
-        <p:spPr>
-          <a:xfrm>
-            <a:off x="76200" y="1104900"/>
-            <a:ext cx="8839200" cy="5486400"/>
-          </a:xfrm>
-        </p:spPr>
-        <p:txBody>
-          <a:bodyPr>
-            <a:normAutofit/>
-          </a:bodyPr>
-          <a:lstStyle/>
-          <a:p>
-            <a:pPr marL="0" indent="0">
-              <a:buNone/>
-            </a:pPr>
-            <a:r>
-              <a:rPr lang="en-US" sz="2400" dirty="0" smtClean="0"/>
-              <a:t>Evaluation of results</a:t>
-            </a:r>
-          </a:p>
-          <a:p>
-            <a:pPr marL="0" indent="0">
-              <a:buNone/>
-            </a:pPr>
-            <a:endParaRPr lang="en-US" sz="2400" dirty="0"/>
-          </a:p>
-          <a:p>
-            <a:pPr marL="0" indent="0">
-              <a:buNone/>
-            </a:pPr>
-            <a:endParaRPr lang="en-US" sz="2400" dirty="0" smtClean="0"/>
-          </a:p>
-        </p:txBody>
-      </p:sp>
-      <p:sp>
-        <p:nvSpPr>
-          <p:cNvPr id="4" name="Title 23"/>
-          <p:cNvSpPr txBox="1">
-            <a:spLocks/>
-          </p:cNvSpPr>
-          <p:nvPr/>
-        </p:nvSpPr>
-        <p:spPr>
-          <a:xfrm>
-            <a:off x="381000" y="152400"/>
-            <a:ext cx="8229600" cy="914400"/>
-          </a:xfrm>
-          <a:prstGeom prst="rect">
-            <a:avLst/>
-          </a:prstGeom>
-        </p:spPr>
-        <p:txBody>
-          <a:bodyPr vert="horz" lIns="91440" tIns="45720" rIns="91440" bIns="45720" rtlCol="0" anchor="ctr">
-            <a:normAutofit fontScale="75000" lnSpcReduction="20000"/>
-          </a:bodyPr>
-          <a:lstStyle>
-            <a:lvl1pPr algn="ctr" defTabSz="914400" rtl="0" eaLnBrk="1" latinLnBrk="0" hangingPunct="1">
-              <a:spcBef>
-                <a:spcPct val="0"/>
-              </a:spcBef>
-              <a:buNone/>
-              <a:defRPr sz="4400" b="1" kern="1200">
-                <a:solidFill>
-                  <a:srgbClr val="FFC000"/>
-                </a:solidFill>
-                <a:effectLst>
-                  <a:outerShdw blurRad="38100" dist="38100" dir="2700000" algn="tl">
-                    <a:srgbClr val="000000">
-                      <a:alpha val="43137"/>
-                    </a:srgbClr>
-                  </a:outerShdw>
-                </a:effectLst>
-                <a:latin typeface="+mj-lt"/>
-                <a:ea typeface="+mj-ea"/>
-                <a:cs typeface="+mj-cs"/>
-              </a:defRPr>
-            </a:lvl1pPr>
-          </a:lstStyle>
-          <a:p>
-            <a:r>
-              <a:rPr lang="en-US" dirty="0" smtClean="0"/>
-              <a:t>Logistic regression</a:t>
-            </a:r>
-            <a:br>
-              <a:rPr lang="en-US" dirty="0" smtClean="0"/>
-            </a:br>
-            <a:r>
-              <a:rPr lang="en-US" dirty="0" smtClean="0"/>
-              <a:t>example</a:t>
-            </a:r>
-            <a:endParaRPr lang="en-US" dirty="0"/>
-          </a:p>
-        </p:txBody>
-      </p:sp>
-      <p:pic>
-        <p:nvPicPr>
-          <p:cNvPr id="1026" name="Picture 2"/>
-          <p:cNvPicPr>
-            <a:picLocks noChangeAspect="1" noChangeArrowheads="1"/>
-          </p:cNvPicPr>
-          <p:nvPr/>
-        </p:nvPicPr>
-        <p:blipFill>
-          <a:blip r:embed="rId3">
-            <a:extLst>
-              <a:ext uri="{28A0092B-C50C-407E-A947-70E740481C1C}">
-                <a14:useLocalDpi xmlns:a14="http://schemas.microsoft.com/office/drawing/2010/main" val="0"/>
-              </a:ext>
-            </a:extLst>
-          </a:blip>
-          <a:srcRect/>
-          <a:stretch>
-            <a:fillRect/>
-          </a:stretch>
-        </p:blipFill>
-        <p:spPr bwMode="auto">
-          <a:xfrm>
-            <a:off x="457200" y="1828800"/>
-            <a:ext cx="5972175" cy="3038475"/>
-          </a:xfrm>
-          <a:prstGeom prst="rect">
-            <a:avLst/>
-          </a:prstGeom>
-          <a:noFill/>
-          <a:ln>
-            <a:noFill/>
-          </a:ln>
-          <a:extLst>
-            <a:ext uri="{909E8E84-426E-40DD-AFC4-6F175D3DCCD1}">
-              <a14:hiddenFill xmlns:a14="http://schemas.microsoft.com/office/drawing/2010/main">
-                <a:solidFill>
-                  <a:schemeClr val="accent1"/>
-                </a:solidFill>
-              </a14:hiddenFill>
-            </a:ext>
-            <a:ext uri="{91240B29-F687-4F45-9708-019B960494DF}">
-              <a14:hiddenLine xmlns:a14="http://schemas.microsoft.com/office/drawing/2010/main" w="9525">
-                <a:solidFill>
-                  <a:schemeClr val="tx1"/>
-                </a:solidFill>
-                <a:miter lim="800000"/>
-                <a:headEnd/>
-                <a:tailEnd/>
-              </a14:hiddenLine>
-            </a:ext>
-          </a:extLst>
-        </p:spPr>
-      </p:pic>
-      <p:sp>
-        <p:nvSpPr>
           <p:cNvPr id="15" name="Right Bracket 14"/>
           <p:cNvSpPr/>
           <p:nvPr/>
@@ -7072,8 +6725,8 @@
         </p:nvSpPr>
         <p:spPr>
           <a:xfrm>
-            <a:off x="158609" y="4905375"/>
-            <a:ext cx="8756791" cy="1754326"/>
+            <a:off x="457200" y="4905375"/>
+            <a:ext cx="8458200" cy="1754326"/>
           </a:xfrm>
           <a:prstGeom prst="rect">
             <a:avLst/>
@@ -7087,27 +6740,27 @@
           <a:lstStyle/>
           <a:p>
             <a:r>
-              <a:rPr lang="en-US" dirty="0" smtClean="0"/>
+              <a:rPr lang="en-US" sz="2000" dirty="0" smtClean="0"/>
               <a:t>What is the “Goodness of fit” for the model?</a:t>
             </a:r>
           </a:p>
           <a:p>
-            <a:endParaRPr lang="en-US" dirty="0"/>
-          </a:p>
-          <a:p>
-            <a:r>
-              <a:rPr lang="en-US" dirty="0" smtClean="0"/>
+            <a:endParaRPr lang="en-US" sz="800" dirty="0"/>
+          </a:p>
+          <a:p>
+            <a:r>
+              <a:rPr lang="en-US" sz="2000" dirty="0" smtClean="0"/>
               <a:t>The R</a:t>
             </a:r>
             <a:r>
-              <a:rPr lang="en-US" baseline="30000" dirty="0" smtClean="0"/>
+              <a:rPr lang="en-US" sz="2000" baseline="30000" dirty="0" smtClean="0"/>
               <a:t>2  </a:t>
             </a:r>
             <a:r>
-              <a:rPr lang="en-US" dirty="0" smtClean="0"/>
+              <a:rPr lang="en-US" sz="2000" dirty="0" smtClean="0"/>
               <a:t>of linear regression does not exist for Logistic regression. A measure called the pseudo R squared is only roughly analogous. There are several methods for calculating the pseudo R squared. In general, the higher the value the greater the variability that is explained by the IVs. </a:t>
             </a:r>
-            <a:endParaRPr lang="en-US" baseline="30000" dirty="0"/>
+            <a:endParaRPr lang="en-US" sz="2000" baseline="30000" dirty="0"/>
           </a:p>
         </p:txBody>
       </p:sp>
@@ -7154,6 +6807,59 @@
           <a:p>
             <a:pPr algn="ctr"/>
             <a:endParaRPr lang="en-US"/>
+          </a:p>
+        </p:txBody>
+      </p:sp>
+      <p:sp>
+        <p:nvSpPr>
+          <p:cNvPr id="8" name="Title 22"/>
+          <p:cNvSpPr txBox="1">
+            <a:spLocks/>
+          </p:cNvSpPr>
+          <p:nvPr/>
+        </p:nvSpPr>
+        <p:spPr>
+          <a:xfrm>
+            <a:off x="533400" y="-4292"/>
+            <a:ext cx="7772400" cy="1470025"/>
+          </a:xfrm>
+          <a:prstGeom prst="rect">
+            <a:avLst/>
+          </a:prstGeom>
+        </p:spPr>
+        <p:txBody>
+          <a:bodyPr vert="horz" lIns="91440" tIns="45720" rIns="91440" bIns="45720" rtlCol="0" anchor="ctr">
+            <a:normAutofit/>
+          </a:bodyPr>
+          <a:lstStyle>
+            <a:lvl1pPr algn="ctr" defTabSz="914400" rtl="0" eaLnBrk="1" latinLnBrk="0" hangingPunct="1">
+              <a:spcBef>
+                <a:spcPct val="0"/>
+              </a:spcBef>
+              <a:buNone/>
+              <a:defRPr sz="4400" b="1" kern="1200">
+                <a:solidFill>
+                  <a:srgbClr val="FFC000"/>
+                </a:solidFill>
+                <a:effectLst>
+                  <a:outerShdw blurRad="38100" dist="38100" dir="2700000" algn="tl">
+                    <a:srgbClr val="000000">
+                      <a:alpha val="43137"/>
+                    </a:srgbClr>
+                  </a:outerShdw>
+                </a:effectLst>
+                <a:latin typeface="+mj-lt"/>
+                <a:ea typeface="+mj-ea"/>
+                <a:cs typeface="+mj-cs"/>
+              </a:defRPr>
+            </a:lvl1pPr>
+          </a:lstStyle>
+          <a:p>
+            <a:r>
+              <a:rPr lang="en-US" sz="3600" dirty="0" smtClean="0"/>
+              <a:t>Logistic Regression Example</a:t>
+            </a:r>
+            <a:endParaRPr lang="en-US" sz="3600" dirty="0"/>
           </a:p>
         </p:txBody>
       </p:sp>
@@ -7196,123 +6902,84 @@
       </p:grpSpPr>
       <p:sp>
         <p:nvSpPr>
-          <p:cNvPr id="24" name="Title 23"/>
-          <p:cNvSpPr>
-            <a:spLocks noGrp="1"/>
-          </p:cNvSpPr>
-          <p:nvPr>
-            <p:ph type="title"/>
+          <p:cNvPr id="25" name="Content Placeholder 24"/>
+          <p:cNvSpPr>
+            <a:spLocks noGrp="1"/>
+          </p:cNvSpPr>
+          <p:nvPr>
+            <p:ph idx="1"/>
           </p:nvPr>
         </p:nvSpPr>
         <p:spPr>
           <a:xfrm>
-            <a:off x="457200" y="76200"/>
-            <a:ext cx="8229600" cy="914400"/>
+            <a:off x="457200" y="1371600"/>
+            <a:ext cx="8001000" cy="5044440"/>
           </a:xfrm>
         </p:spPr>
         <p:txBody>
           <a:bodyPr>
-            <a:normAutofit fontScale="90000"/>
+            <a:normAutofit lnSpcReduction="10000"/>
           </a:bodyPr>
           <a:lstStyle/>
           <a:p>
-            <a:r>
-              <a:rPr lang="en-US" dirty="0" smtClean="0"/>
-              <a:t>Logistic regression</a:t>
-            </a:r>
-            <a:br>
-              <a:rPr lang="en-US" dirty="0" smtClean="0"/>
-            </a:br>
-            <a:r>
-              <a:rPr lang="en-US" dirty="0" smtClean="0"/>
-              <a:t>References</a:t>
-            </a:r>
-            <a:endParaRPr lang="en-US" dirty="0"/>
-          </a:p>
-        </p:txBody>
-      </p:sp>
-      <p:sp>
-        <p:nvSpPr>
-          <p:cNvPr id="25" name="Content Placeholder 24"/>
-          <p:cNvSpPr>
-            <a:spLocks noGrp="1"/>
-          </p:cNvSpPr>
-          <p:nvPr>
-            <p:ph idx="1"/>
-          </p:nvPr>
-        </p:nvSpPr>
-        <p:spPr>
-          <a:xfrm>
-            <a:off x="228600" y="1295400"/>
-            <a:ext cx="8229600" cy="5120640"/>
-          </a:xfrm>
-        </p:spPr>
-        <p:txBody>
-          <a:bodyPr>
-            <a:normAutofit/>
-          </a:bodyPr>
-          <a:lstStyle/>
-          <a:p>
             <a:pPr marL="0" indent="0">
               <a:buNone/>
             </a:pPr>
-            <a:endParaRPr lang="en-US" sz="1400" dirty="0" smtClean="0">
-              <a:effectLst/>
-            </a:endParaRPr>
-          </a:p>
-          <a:p>
-            <a:pPr marL="0" indent="0">
-              <a:buNone/>
-            </a:pPr>
-            <a:r>
-              <a:rPr lang="en-US" sz="1400" dirty="0">
+            <a:r>
+              <a:rPr lang="en-US" sz="1600" dirty="0" smtClean="0">
                 <a:effectLst/>
               </a:rPr>
-              <a:t>Beaudette, D. E., &amp; </a:t>
-            </a:r>
-            <a:r>
-              <a:rPr lang="en-US" sz="1400" dirty="0" err="1">
+              <a:t>Beaudette</a:t>
+            </a:r>
+            <a:r>
+              <a:rPr lang="en-US" sz="1600" dirty="0">
+                <a:effectLst/>
+              </a:rPr>
+              <a:t>, D. E., &amp; </a:t>
+            </a:r>
+            <a:r>
+              <a:rPr lang="en-US" sz="1600" dirty="0" err="1">
                 <a:effectLst/>
               </a:rPr>
               <a:t>O'Geen</a:t>
             </a:r>
             <a:r>
-              <a:rPr lang="en-US" sz="1400" dirty="0">
+              <a:rPr lang="en-US" sz="1600" dirty="0">
                 <a:effectLst/>
               </a:rPr>
               <a:t>, A. T. (2009). Quantifying the aspect effect: an application of solar radiation modeling for soil survey. </a:t>
             </a:r>
             <a:r>
-              <a:rPr lang="en-US" sz="1400" i="1" dirty="0">
+              <a:rPr lang="en-US" sz="1600" i="1" dirty="0">
                 <a:effectLst/>
               </a:rPr>
               <a:t>Soil Science Society of America Journal</a:t>
             </a:r>
             <a:r>
-              <a:rPr lang="en-US" sz="1400" dirty="0">
+              <a:rPr lang="en-US" sz="1600" dirty="0">
                 <a:effectLst/>
               </a:rPr>
               <a:t>, </a:t>
             </a:r>
             <a:r>
-              <a:rPr lang="en-US" sz="1400" i="1" dirty="0">
+              <a:rPr lang="en-US" sz="1600" i="1" dirty="0">
                 <a:effectLst/>
               </a:rPr>
               <a:t>73</a:t>
             </a:r>
             <a:r>
-              <a:rPr lang="en-US" sz="1400" dirty="0">
+              <a:rPr lang="en-US" sz="1600" dirty="0">
                 <a:effectLst/>
               </a:rPr>
               <a:t>(4), 1345-1352</a:t>
             </a:r>
             <a:r>
-              <a:rPr lang="en-US" sz="1400" dirty="0" smtClean="0">
+              <a:rPr lang="en-US" sz="1600" dirty="0" smtClean="0">
                 <a:effectLst/>
               </a:rPr>
               <a:t>.</a:t>
             </a:r>
-            <a:endParaRPr lang="en-US" sz="1400" dirty="0">
+            <a:endParaRPr lang="en-US" sz="1600" dirty="0">
               <a:effectLst/>
             </a:endParaRPr>
           </a:p>
@@ -7320,7 +6987,7 @@
             <a:pPr marL="0" indent="0">
               <a:buNone/>
             </a:pPr>
-            <a:endParaRPr lang="en-US" sz="1400" dirty="0" smtClean="0">
+            <a:endParaRPr lang="en-US" sz="1600" dirty="0" smtClean="0">
               <a:effectLst/>
             </a:endParaRPr>
           </a:p>
@@ -7329,46 +6996,284 @@
               <a:buNone/>
             </a:pPr>
             <a:r>
-              <a:rPr lang="en-US" sz="1400" dirty="0" smtClean="0">
+              <a:rPr lang="en-US" sz="1600" dirty="0" smtClean="0">
                 <a:effectLst/>
               </a:rPr>
               <a:t>Gessler</a:t>
             </a:r>
             <a:r>
-              <a:rPr lang="en-US" sz="1400" dirty="0">
+              <a:rPr lang="en-US" sz="1600" dirty="0">
                 <a:effectLst/>
               </a:rPr>
               <a:t>, P. E., Moore, I. D., McKenzie, N. J., &amp; Ryan, P. J. (1995). Soil-landscape modelling and spatial prediction of soil attributes. </a:t>
             </a:r>
             <a:r>
-              <a:rPr lang="en-US" sz="1400" i="1" dirty="0">
+              <a:rPr lang="en-US" sz="1600" i="1" dirty="0">
                 <a:effectLst/>
               </a:rPr>
               <a:t>International Journal of Geographical Information Systems</a:t>
             </a:r>
             <a:r>
-              <a:rPr lang="en-US" sz="1400" dirty="0">
+              <a:rPr lang="en-US" sz="1600" dirty="0">
                 <a:effectLst/>
               </a:rPr>
               <a:t>, </a:t>
             </a:r>
             <a:r>
-              <a:rPr lang="en-US" sz="1400" i="1" dirty="0">
+              <a:rPr lang="en-US" sz="1600" i="1" dirty="0">
                 <a:effectLst/>
               </a:rPr>
               <a:t>9</a:t>
             </a:r>
             <a:r>
-              <a:rPr lang="en-US" sz="1400" dirty="0">
+              <a:rPr lang="en-US" sz="1600" dirty="0">
                 <a:effectLst/>
               </a:rPr>
               <a:t>(4), 421-432</a:t>
             </a:r>
             <a:r>
-              <a:rPr lang="en-US" sz="1400" dirty="0" smtClean="0">
+              <a:rPr lang="en-US" sz="1600" dirty="0" smtClean="0">
                 <a:effectLst/>
               </a:rPr>
               <a:t>.</a:t>
+            </a:r>
+          </a:p>
+          <a:p>
+            <a:pPr marL="0" indent="0">
+              <a:buNone/>
+            </a:pPr>
+            <a:endParaRPr lang="en-US" sz="1600" dirty="0">
+              <a:effectLst/>
+            </a:endParaRPr>
+          </a:p>
+          <a:p>
+            <a:pPr marL="0" indent="0">
+              <a:buNone/>
+            </a:pPr>
+            <a:r>
+              <a:rPr lang="en-US" sz="1600" dirty="0" err="1">
+                <a:effectLst/>
+              </a:rPr>
+              <a:t>Gorsevski</a:t>
+            </a:r>
+            <a:r>
+              <a:rPr lang="en-US" sz="1600" dirty="0">
+                <a:effectLst/>
+              </a:rPr>
+              <a:t>, P. V., Gessler, P. E., Foltz, R. B., &amp; Elliot, W. J. (2006). Spatial prediction of landslide hazard using logistic regression and ROC analysis. </a:t>
+            </a:r>
+            <a:r>
+              <a:rPr lang="en-US" sz="1600" i="1" dirty="0">
+                <a:effectLst/>
+              </a:rPr>
+              <a:t>Transactions in GIS</a:t>
+            </a:r>
+            <a:r>
+              <a:rPr lang="en-US" sz="1600" dirty="0">
+                <a:effectLst/>
+              </a:rPr>
+              <a:t>, </a:t>
+            </a:r>
+            <a:r>
+              <a:rPr lang="en-US" sz="1600" i="1" dirty="0">
+                <a:effectLst/>
+              </a:rPr>
+              <a:t>10</a:t>
+            </a:r>
+            <a:r>
+              <a:rPr lang="en-US" sz="1600" dirty="0">
+                <a:effectLst/>
+              </a:rPr>
+              <a:t>(3), 395-415</a:t>
+            </a:r>
+            <a:r>
+              <a:rPr lang="en-US" sz="1600" dirty="0" smtClean="0">
+                <a:effectLst/>
+              </a:rPr>
+              <a:t>.</a:t>
+            </a:r>
+          </a:p>
+          <a:p>
+            <a:pPr marL="0" indent="0">
+              <a:buNone/>
+            </a:pPr>
+            <a:endParaRPr lang="en-US" sz="1600" dirty="0">
+              <a:effectLst/>
+            </a:endParaRPr>
+          </a:p>
+          <a:p>
+            <a:pPr marL="0" indent="0">
+              <a:buNone/>
+            </a:pPr>
+            <a:r>
+              <a:rPr lang="en-US" sz="1600" dirty="0">
+                <a:effectLst/>
+              </a:rPr>
+              <a:t>Evans, D.M. and </a:t>
+            </a:r>
+            <a:r>
+              <a:rPr lang="en-US" sz="1600" dirty="0" err="1">
+                <a:effectLst/>
+              </a:rPr>
+              <a:t>Hartemink</a:t>
+            </a:r>
+            <a:r>
+              <a:rPr lang="en-US" sz="1600" dirty="0">
+                <a:effectLst/>
+              </a:rPr>
+              <a:t>, A.E., 2014. Digital soil mapping of a red clay subsoil covered by loess. </a:t>
+            </a:r>
+            <a:r>
+              <a:rPr lang="en-US" sz="1600" i="1" dirty="0" err="1">
+                <a:effectLst/>
+              </a:rPr>
+              <a:t>Geoderma</a:t>
+            </a:r>
+            <a:r>
+              <a:rPr lang="en-US" sz="1600" dirty="0">
+                <a:effectLst/>
+              </a:rPr>
+              <a:t>, </a:t>
+            </a:r>
+            <a:r>
+              <a:rPr lang="en-US" sz="1600" i="1" dirty="0">
+                <a:effectLst/>
+              </a:rPr>
+              <a:t>230</a:t>
+            </a:r>
+            <a:r>
+              <a:rPr lang="en-US" sz="1600" dirty="0">
+                <a:effectLst/>
+              </a:rPr>
+              <a:t>, pp.296-304.</a:t>
+            </a:r>
+          </a:p>
+          <a:p>
+            <a:pPr marL="0" indent="0">
+              <a:buNone/>
+            </a:pPr>
+            <a:endParaRPr lang="en-US" sz="1600" dirty="0">
+              <a:effectLst/>
+            </a:endParaRPr>
+          </a:p>
+          <a:p>
+            <a:pPr marL="0" indent="0">
+              <a:buNone/>
+            </a:pPr>
+            <a:r>
+              <a:rPr lang="en-US" sz="1600" dirty="0">
+                <a:effectLst/>
+              </a:rPr>
+              <a:t>Hosmer Jr, D.W., </a:t>
+            </a:r>
+            <a:r>
+              <a:rPr lang="en-US" sz="1600" dirty="0" err="1">
+                <a:effectLst/>
+              </a:rPr>
+              <a:t>Lemeshow</a:t>
+            </a:r>
+            <a:r>
+              <a:rPr lang="en-US" sz="1600" dirty="0">
+                <a:effectLst/>
+              </a:rPr>
+              <a:t>, S. and Sturdivant, R.X., 2013. </a:t>
+            </a:r>
+            <a:r>
+              <a:rPr lang="en-US" sz="1600" i="1" dirty="0">
+                <a:effectLst/>
+              </a:rPr>
+              <a:t>Applied logistic regression</a:t>
+            </a:r>
+            <a:r>
+              <a:rPr lang="en-US" sz="1600" dirty="0">
+                <a:effectLst/>
+              </a:rPr>
+              <a:t> (Vol. 398). John Wiley &amp; Sons.</a:t>
+            </a:r>
+          </a:p>
+          <a:p>
+            <a:pPr marL="0" indent="0">
+              <a:buNone/>
+            </a:pPr>
+            <a:endParaRPr lang="en-US" sz="1600" dirty="0">
+              <a:effectLst/>
+            </a:endParaRPr>
+          </a:p>
+          <a:p>
+            <a:pPr marL="0" indent="0">
+              <a:buNone/>
+            </a:pPr>
+            <a:r>
+              <a:rPr lang="en-US" sz="1600" dirty="0" err="1">
+                <a:effectLst/>
+              </a:rPr>
+              <a:t>Kempen</a:t>
+            </a:r>
+            <a:r>
+              <a:rPr lang="en-US" sz="1600" dirty="0">
+                <a:effectLst/>
+              </a:rPr>
+              <a:t>, B., </a:t>
+            </a:r>
+            <a:r>
+              <a:rPr lang="en-US" sz="1600" dirty="0" err="1">
+                <a:effectLst/>
+              </a:rPr>
+              <a:t>Brus</a:t>
+            </a:r>
+            <a:r>
+              <a:rPr lang="en-US" sz="1600" dirty="0">
+                <a:effectLst/>
+              </a:rPr>
+              <a:t>, D. J., </a:t>
+            </a:r>
+            <a:r>
+              <a:rPr lang="en-US" sz="1600" dirty="0" err="1">
+                <a:effectLst/>
+              </a:rPr>
+              <a:t>Heuvelink</a:t>
+            </a:r>
+            <a:r>
+              <a:rPr lang="en-US" sz="1600" dirty="0">
+                <a:effectLst/>
+              </a:rPr>
+              <a:t>, G., &amp; </a:t>
+            </a:r>
+            <a:r>
+              <a:rPr lang="en-US" sz="1600" dirty="0" err="1">
+                <a:effectLst/>
+              </a:rPr>
+              <a:t>Stoorvogel</a:t>
+            </a:r>
+            <a:r>
+              <a:rPr lang="en-US" sz="1600" dirty="0">
+                <a:effectLst/>
+              </a:rPr>
+              <a:t>, J. J. (2009). Updating the 1: 50,000 Dutch soil map using legacy soil data: A multinomial logistic regression approach. </a:t>
+            </a:r>
+            <a:r>
+              <a:rPr lang="en-US" sz="1600" i="1" dirty="0" err="1">
+                <a:effectLst/>
+              </a:rPr>
+              <a:t>Geoderma</a:t>
+            </a:r>
+            <a:r>
+              <a:rPr lang="en-US" sz="1600" dirty="0">
+                <a:effectLst/>
+              </a:rPr>
+              <a:t>, </a:t>
+            </a:r>
+            <a:r>
+              <a:rPr lang="en-US" sz="1600" i="1" dirty="0">
+                <a:effectLst/>
+              </a:rPr>
+              <a:t>151</a:t>
+            </a:r>
+            <a:r>
+              <a:rPr lang="en-US" sz="1600" dirty="0">
+                <a:effectLst/>
+              </a:rPr>
+              <a:t>(3), 311-326.</a:t>
             </a:r>
           </a:p>
           <a:p>
@@ -7383,245 +7288,60 @@
             <a:pPr marL="0" indent="0">
               <a:buNone/>
             </a:pPr>
-            <a:r>
-              <a:rPr lang="en-US" sz="1400" dirty="0" err="1">
-                <a:effectLst/>
-              </a:rPr>
-              <a:t>Gorsevski</a:t>
-            </a:r>
-            <a:r>
-              <a:rPr lang="en-US" sz="1400" dirty="0">
-                <a:effectLst/>
-              </a:rPr>
-              <a:t>, P. V., Gessler, P. E., Foltz, R. B., &amp; Elliot, W. J. (2006). Spatial prediction of landslide hazard using logistic regression and ROC analysis. </a:t>
-            </a:r>
-            <a:r>
-              <a:rPr lang="en-US" sz="1400" i="1" dirty="0">
-                <a:effectLst/>
-              </a:rPr>
-              <a:t>Transactions in GIS</a:t>
-            </a:r>
-            <a:r>
-              <a:rPr lang="en-US" sz="1400" dirty="0">
-                <a:effectLst/>
-              </a:rPr>
-              <a:t>, </a:t>
-            </a:r>
-            <a:r>
-              <a:rPr lang="en-US" sz="1400" i="1" dirty="0">
-                <a:effectLst/>
-              </a:rPr>
-              <a:t>10</a:t>
-            </a:r>
-            <a:r>
-              <a:rPr lang="en-US" sz="1400" dirty="0">
-                <a:effectLst/>
-              </a:rPr>
-              <a:t>(3), 395-415</a:t>
-            </a:r>
-            <a:r>
-              <a:rPr lang="en-US" sz="1400" dirty="0" smtClean="0">
-                <a:effectLst/>
-              </a:rPr>
-              <a:t>.</a:t>
-            </a:r>
-          </a:p>
-          <a:p>
-            <a:pPr marL="0" indent="0">
-              <a:buNone/>
-            </a:pPr>
-            <a:endParaRPr lang="en-US" sz="1400" dirty="0">
-              <a:effectLst/>
-            </a:endParaRPr>
-          </a:p>
-          <a:p>
-            <a:pPr marL="0" indent="0">
-              <a:buNone/>
-            </a:pPr>
-            <a:r>
-              <a:rPr lang="en-US" sz="1400" dirty="0">
-                <a:effectLst/>
-              </a:rPr>
-              <a:t>Evans, D.M. and </a:t>
-            </a:r>
-            <a:r>
-              <a:rPr lang="en-US" sz="1400" dirty="0" err="1">
-                <a:effectLst/>
-              </a:rPr>
-              <a:t>Hartemink</a:t>
-            </a:r>
-            <a:r>
-              <a:rPr lang="en-US" sz="1400" dirty="0">
-                <a:effectLst/>
-              </a:rPr>
-              <a:t>, A.E., 2014. Digital soil mapping of a red clay subsoil covered by loess. </a:t>
-            </a:r>
-            <a:r>
-              <a:rPr lang="en-US" sz="1400" i="1" dirty="0" err="1">
-                <a:effectLst/>
-              </a:rPr>
-              <a:t>Geoderma</a:t>
-            </a:r>
-            <a:r>
-              <a:rPr lang="en-US" sz="1400" dirty="0">
-                <a:effectLst/>
-              </a:rPr>
-              <a:t>, </a:t>
-            </a:r>
-            <a:r>
-              <a:rPr lang="en-US" sz="1400" i="1" dirty="0">
-                <a:effectLst/>
-              </a:rPr>
-              <a:t>230</a:t>
-            </a:r>
-            <a:r>
-              <a:rPr lang="en-US" sz="1400" dirty="0">
-                <a:effectLst/>
-              </a:rPr>
-              <a:t>, pp.296-304.</a:t>
-            </a:r>
-          </a:p>
-          <a:p>
-            <a:pPr marL="0" indent="0">
-              <a:buNone/>
-            </a:pPr>
-            <a:endParaRPr lang="en-US" sz="1400" dirty="0">
-              <a:effectLst/>
-            </a:endParaRPr>
-          </a:p>
-          <a:p>
-            <a:pPr marL="0" indent="0">
-              <a:buNone/>
-            </a:pPr>
-            <a:r>
-              <a:rPr lang="en-US" sz="1400" dirty="0">
-                <a:effectLst/>
-              </a:rPr>
-              <a:t>Hosmer Jr, D.W., </a:t>
-            </a:r>
-            <a:r>
-              <a:rPr lang="en-US" sz="1400" dirty="0" err="1">
-                <a:effectLst/>
-              </a:rPr>
-              <a:t>Lemeshow</a:t>
-            </a:r>
-            <a:r>
-              <a:rPr lang="en-US" sz="1400" dirty="0">
-                <a:effectLst/>
-              </a:rPr>
-              <a:t>, S. and Sturdivant, R.X., 2013. </a:t>
-            </a:r>
-            <a:r>
-              <a:rPr lang="en-US" sz="1400" i="1" dirty="0">
-                <a:effectLst/>
-              </a:rPr>
-              <a:t>Applied logistic regression</a:t>
-            </a:r>
-            <a:r>
-              <a:rPr lang="en-US" sz="1400" dirty="0">
-                <a:effectLst/>
-              </a:rPr>
-              <a:t> (Vol. 398). John Wiley &amp; Sons.</a:t>
-            </a:r>
-          </a:p>
-          <a:p>
-            <a:pPr marL="0" indent="0">
-              <a:buNone/>
-            </a:pPr>
-            <a:endParaRPr lang="en-US" sz="1400" dirty="0">
-              <a:effectLst/>
-            </a:endParaRPr>
-          </a:p>
-          <a:p>
-            <a:pPr marL="0" indent="0">
-              <a:buNone/>
-            </a:pPr>
-            <a:r>
-              <a:rPr lang="en-US" sz="1400" dirty="0" err="1">
-                <a:effectLst/>
-              </a:rPr>
-              <a:t>Kempen</a:t>
-            </a:r>
-            <a:r>
-              <a:rPr lang="en-US" sz="1400" dirty="0">
-                <a:effectLst/>
-              </a:rPr>
-              <a:t>, B., </a:t>
-            </a:r>
-            <a:r>
-              <a:rPr lang="en-US" sz="1400" dirty="0" err="1">
-                <a:effectLst/>
-              </a:rPr>
-              <a:t>Brus</a:t>
-            </a:r>
-            <a:r>
-              <a:rPr lang="en-US" sz="1400" dirty="0">
-                <a:effectLst/>
-              </a:rPr>
-              <a:t>, D. J., </a:t>
-            </a:r>
-            <a:r>
-              <a:rPr lang="en-US" sz="1400" dirty="0" err="1">
-                <a:effectLst/>
-              </a:rPr>
-              <a:t>Heuvelink</a:t>
-            </a:r>
-            <a:r>
-              <a:rPr lang="en-US" sz="1400" dirty="0">
-                <a:effectLst/>
-              </a:rPr>
-              <a:t>, G., &amp; </a:t>
-            </a:r>
-            <a:r>
-              <a:rPr lang="en-US" sz="1400" dirty="0" err="1">
-                <a:effectLst/>
-              </a:rPr>
-              <a:t>Stoorvogel</a:t>
-            </a:r>
-            <a:r>
-              <a:rPr lang="en-US" sz="1400" dirty="0">
-                <a:effectLst/>
-              </a:rPr>
-              <a:t>, J. J. (2009). Updating the 1: 50,000 Dutch soil map using legacy soil data: A multinomial logistic regression approach. </a:t>
-            </a:r>
-            <a:r>
-              <a:rPr lang="en-US" sz="1400" i="1" dirty="0" err="1">
-                <a:effectLst/>
-              </a:rPr>
-              <a:t>Geoderma</a:t>
-            </a:r>
-            <a:r>
-              <a:rPr lang="en-US" sz="1400" dirty="0">
-                <a:effectLst/>
-              </a:rPr>
-              <a:t>, </a:t>
-            </a:r>
-            <a:r>
-              <a:rPr lang="en-US" sz="1400" i="1" dirty="0">
-                <a:effectLst/>
-              </a:rPr>
-              <a:t>151</a:t>
-            </a:r>
-            <a:r>
-              <a:rPr lang="en-US" sz="1400" dirty="0">
-                <a:effectLst/>
-              </a:rPr>
-              <a:t>(3), 311-326.</a:t>
-            </a:r>
-          </a:p>
-          <a:p>
-            <a:pPr marL="0" indent="0">
-              <a:buNone/>
-            </a:pPr>
-            <a:endParaRPr lang="en-US" sz="1400" dirty="0">
-              <a:effectLst/>
-            </a:endParaRPr>
-          </a:p>
-          <a:p>
-            <a:pPr marL="0" indent="0">
-              <a:buNone/>
-            </a:pPr>
             <a:endParaRPr lang="en-US" sz="1400" dirty="0"/>
+          </a:p>
+        </p:txBody>
+      </p:sp>
+      <p:sp>
+        <p:nvSpPr>
+          <p:cNvPr id="4" name="Title 22"/>
+          <p:cNvSpPr txBox="1">
+            <a:spLocks/>
+          </p:cNvSpPr>
+          <p:nvPr/>
+        </p:nvSpPr>
+        <p:spPr>
+          <a:xfrm>
+            <a:off x="533400" y="-4292"/>
+            <a:ext cx="7772400" cy="1470025"/>
+          </a:xfrm>
+          <a:prstGeom prst="rect">
+            <a:avLst/>
+          </a:prstGeom>
+        </p:spPr>
+        <p:txBody>
+          <a:bodyPr vert="horz" lIns="91440" tIns="45720" rIns="91440" bIns="45720" rtlCol="0" anchor="ctr">
+            <a:normAutofit/>
+          </a:bodyPr>
+          <a:lstStyle>
+            <a:lvl1pPr algn="ctr" defTabSz="914400" rtl="0" eaLnBrk="1" latinLnBrk="0" hangingPunct="1">
+              <a:spcBef>
+                <a:spcPct val="0"/>
+              </a:spcBef>
+              <a:buNone/>
+              <a:defRPr sz="4400" b="1" kern="1200">
+                <a:solidFill>
+                  <a:srgbClr val="FFC000"/>
+                </a:solidFill>
+                <a:effectLst>
+                  <a:outerShdw blurRad="38100" dist="38100" dir="2700000" algn="tl">
+                    <a:srgbClr val="000000">
+                      <a:alpha val="43137"/>
+                    </a:srgbClr>
+                  </a:outerShdw>
+                </a:effectLst>
+                <a:latin typeface="+mj-lt"/>
+                <a:ea typeface="+mj-ea"/>
+                <a:cs typeface="+mj-cs"/>
+              </a:defRPr>
+            </a:lvl1pPr>
+          </a:lstStyle>
+          <a:p>
+            <a:r>
+              <a:rPr lang="en-US" sz="3600" dirty="0" smtClean="0"/>
+              <a:t>References</a:t>
+            </a:r>
+            <a:endParaRPr lang="en-US" sz="3600" dirty="0"/>
           </a:p>
         </p:txBody>
       </p:sp>
@@ -7651,10 +7371,7 @@
     <p:bg>
       <p:bgPr>
         <a:solidFill>
-          <a:schemeClr val="bg2">
-            <a:lumMod val="40000"/>
-            <a:lumOff val="60000"/>
-          </a:schemeClr>
+          <a:schemeClr val="bg2"/>
         </a:solidFill>
         <a:effectLst/>
       </p:bgPr>
@@ -7685,66 +7402,202 @@
         </p:nvSpPr>
         <p:spPr>
           <a:xfrm>
-            <a:off x="152400" y="1381125"/>
-            <a:ext cx="8839200" cy="5486400"/>
+            <a:off x="381000" y="1371600"/>
+            <a:ext cx="8323729" cy="5105400"/>
           </a:xfrm>
         </p:spPr>
         <p:txBody>
-          <a:bodyPr/>
-          <a:lstStyle/>
-          <a:p>
-            <a:r>
-              <a:rPr lang="en-US" dirty="0" smtClean="0"/>
-              <a:t>Go to </a:t>
-            </a:r>
-            <a:r>
-              <a:rPr lang="en-US" dirty="0" err="1" smtClean="0"/>
-              <a:t>wv_DSM</a:t>
-            </a:r>
-            <a:r>
-              <a:rPr lang="en-US" dirty="0" smtClean="0"/>
-              <a:t>\</a:t>
-            </a:r>
-            <a:r>
-              <a:rPr lang="en-US" dirty="0" err="1" smtClean="0"/>
-              <a:t>class_data</a:t>
-            </a:r>
-            <a:r>
-              <a:rPr lang="en-US" dirty="0" smtClean="0"/>
-              <a:t> folder</a:t>
-            </a:r>
-          </a:p>
-          <a:p>
-            <a:r>
-              <a:rPr lang="en-US" dirty="0" smtClean="0"/>
-              <a:t>Make a copy of your “csv” file that contains samples with associated values from covariates</a:t>
-            </a:r>
-          </a:p>
-          <a:p>
-            <a:r>
-              <a:rPr lang="en-US" dirty="0" smtClean="0"/>
-              <a:t>Rename to “test_logistic_pts.csv”</a:t>
-            </a:r>
-          </a:p>
-          <a:p>
-            <a:r>
-              <a:rPr lang="en-US" dirty="0" smtClean="0"/>
-              <a:t>Open Excel and the </a:t>
-            </a:r>
-            <a:r>
-              <a:rPr lang="en-US" dirty="0" err="1" smtClean="0"/>
-              <a:t>file“test_logistic_pts.csv</a:t>
-            </a:r>
-            <a:r>
-              <a:rPr lang="en-US" dirty="0" smtClean="0"/>
-              <a:t>”</a:t>
-            </a:r>
-          </a:p>
-        </p:txBody>
-      </p:sp>
-      <p:sp>
-        <p:nvSpPr>
-          <p:cNvPr id="4" name="Title 23"/>
+          <a:bodyPr>
+            <a:normAutofit lnSpcReduction="10000"/>
+          </a:bodyPr>
+          <a:lstStyle/>
+          <a:p>
+            <a:r>
+              <a:rPr lang="en-US" sz="3000" dirty="0" smtClean="0">
+                <a:effectLst/>
+              </a:rPr>
+              <a:t>Open </a:t>
+            </a:r>
+            <a:r>
+              <a:rPr lang="en-US" sz="3000" b="1" dirty="0" smtClean="0">
+                <a:effectLst/>
+              </a:rPr>
+              <a:t>R </a:t>
+            </a:r>
+            <a:r>
+              <a:rPr lang="en-US" sz="3000" dirty="0" smtClean="0">
+                <a:effectLst/>
+              </a:rPr>
+              <a:t>and enter the following</a:t>
+            </a:r>
+            <a:r>
+              <a:rPr lang="en-US" sz="3000" dirty="0" smtClean="0">
+                <a:effectLst/>
+              </a:rPr>
+              <a:t>:</a:t>
+            </a:r>
+          </a:p>
+          <a:p>
+            <a:pPr marL="0" indent="0">
+              <a:buNone/>
+            </a:pPr>
+            <a:r>
+              <a:rPr lang="en-US" sz="2400" dirty="0" smtClean="0"/>
+              <a:t>require(</a:t>
+            </a:r>
+            <a:r>
+              <a:rPr lang="en-US" sz="2400" dirty="0" err="1" smtClean="0"/>
+              <a:t>sp</a:t>
+            </a:r>
+            <a:r>
+              <a:rPr lang="en-US" sz="2400" dirty="0" smtClean="0"/>
+              <a:t>)</a:t>
+            </a:r>
+          </a:p>
+          <a:p>
+            <a:pPr marL="0" indent="0">
+              <a:buNone/>
+            </a:pPr>
+            <a:r>
+              <a:rPr lang="en-US" sz="2400" dirty="0" smtClean="0"/>
+              <a:t>require(raster</a:t>
+            </a:r>
+            <a:r>
+              <a:rPr lang="en-US" sz="2400" dirty="0"/>
+              <a:t>)</a:t>
+            </a:r>
+          </a:p>
+          <a:p>
+            <a:pPr marL="0" indent="0">
+              <a:buNone/>
+            </a:pPr>
+            <a:r>
+              <a:rPr lang="en-US" sz="2400" dirty="0"/>
+              <a:t>require(</a:t>
+            </a:r>
+            <a:r>
+              <a:rPr lang="en-US" sz="2400" dirty="0" err="1"/>
+              <a:t>rgdal</a:t>
+            </a:r>
+            <a:r>
+              <a:rPr lang="en-US" sz="2400" dirty="0" smtClean="0"/>
+              <a:t>)</a:t>
+            </a:r>
+            <a:endParaRPr lang="en-US" sz="2400" dirty="0"/>
+          </a:p>
+          <a:p>
+            <a:pPr marL="0" indent="0">
+              <a:buNone/>
+            </a:pPr>
+            <a:r>
+              <a:rPr lang="en-US" sz="2400" dirty="0"/>
+              <a:t>require(</a:t>
+            </a:r>
+            <a:r>
+              <a:rPr lang="en-US" sz="2400" dirty="0" err="1"/>
+              <a:t>rms</a:t>
+            </a:r>
+            <a:r>
+              <a:rPr lang="en-US" sz="2400" dirty="0" smtClean="0"/>
+              <a:t>)</a:t>
+            </a:r>
+          </a:p>
+          <a:p>
+            <a:pPr marL="0" indent="0">
+              <a:buNone/>
+            </a:pPr>
+            <a:r>
+              <a:rPr lang="en-US" sz="2400" dirty="0" err="1"/>
+              <a:t>setwd</a:t>
+            </a:r>
+            <a:r>
+              <a:rPr lang="en-US" sz="2400" dirty="0"/>
+              <a:t>("C:/workspace")</a:t>
+            </a:r>
+          </a:p>
+          <a:p>
+            <a:pPr marL="0" indent="0">
+              <a:buNone/>
+            </a:pPr>
+            <a:r>
+              <a:rPr lang="en-US" sz="2400" dirty="0"/>
+              <a:t>file &lt;-'https://raw.githubusercontent.com/</a:t>
+            </a:r>
+            <a:r>
+              <a:rPr lang="en-US" sz="2400" dirty="0" err="1"/>
+              <a:t>ncss</a:t>
+            </a:r>
+            <a:r>
+              <a:rPr lang="en-US" sz="2400" dirty="0"/>
+              <a:t>-tech/</a:t>
+            </a:r>
+            <a:r>
+              <a:rPr lang="en-US" sz="2400" dirty="0" err="1"/>
+              <a:t>stats_for_soil_survey</a:t>
+            </a:r>
+            <a:r>
+              <a:rPr lang="en-US" sz="2400" dirty="0"/>
+              <a:t>/master/data/logistic/wv_transect_editedforR.csv'</a:t>
+            </a:r>
+          </a:p>
+          <a:p>
+            <a:pPr marL="0" indent="0">
+              <a:buNone/>
+            </a:pPr>
+            <a:r>
+              <a:rPr lang="en-US" sz="2400" dirty="0" err="1"/>
+              <a:t>download.file</a:t>
+            </a:r>
+            <a:r>
+              <a:rPr lang="en-US" sz="2400" dirty="0"/>
+              <a:t>(file, </a:t>
+            </a:r>
+            <a:r>
+              <a:rPr lang="en-US" sz="2400" dirty="0" err="1"/>
+              <a:t>destfile</a:t>
+            </a:r>
+            <a:r>
+              <a:rPr lang="en-US" sz="2400" dirty="0"/>
+              <a:t> = "pts.csv")</a:t>
+            </a:r>
+          </a:p>
+          <a:p>
+            <a:pPr marL="0" indent="0">
+              <a:buNone/>
+            </a:pPr>
+            <a:r>
+              <a:rPr lang="en-US" sz="2400" dirty="0"/>
+              <a:t>pts &lt;- read.csv("pts.csv", header=TRUE, </a:t>
+            </a:r>
+            <a:r>
+              <a:rPr lang="en-US" sz="2400" dirty="0" err="1"/>
+              <a:t>sep</a:t>
+            </a:r>
+            <a:r>
+              <a:rPr lang="en-US" sz="2400" dirty="0"/>
+              <a:t>=",")</a:t>
+            </a:r>
+          </a:p>
+          <a:p>
+            <a:pPr marL="0" indent="0">
+              <a:buNone/>
+            </a:pPr>
+            <a:r>
+              <a:rPr lang="en-US" sz="2400" dirty="0"/>
+              <a:t>head(pts, 1) </a:t>
+            </a:r>
+          </a:p>
+          <a:p>
+            <a:pPr marL="0" indent="0">
+              <a:buNone/>
+            </a:pPr>
+            <a:endParaRPr lang="en-US" sz="2400" dirty="0"/>
+          </a:p>
+        </p:txBody>
+      </p:sp>
+      <p:sp>
+        <p:nvSpPr>
+          <p:cNvPr id="4" name="Title 22"/>
           <p:cNvSpPr txBox="1">
             <a:spLocks/>
           </p:cNvSpPr>
@@ -7752,8 +7605,8 @@
         </p:nvSpPr>
         <p:spPr>
           <a:xfrm>
-            <a:off x="381000" y="152400"/>
-            <a:ext cx="8229600" cy="914400"/>
+            <a:off x="533400" y="-4292"/>
+            <a:ext cx="7772400" cy="1470025"/>
           </a:xfrm>
           <a:prstGeom prst="rect">
             <a:avLst/>
@@ -7761,7 +7614,7 @@
         </p:spPr>
         <p:txBody>
           <a:bodyPr vert="horz" lIns="91440" tIns="45720" rIns="91440" bIns="45720" rtlCol="0" anchor="ctr">
-            <a:normAutofit fontScale="75000" lnSpcReduction="20000"/>
+            <a:normAutofit/>
           </a:bodyPr>
           <a:lstStyle>
             <a:lvl1pPr algn="ctr" defTabSz="914400" rtl="0" eaLnBrk="1" latinLnBrk="0" hangingPunct="1">
@@ -7788,17 +7641,20 @@
           </a:lstStyle>
           <a:p>
             <a:r>
-              <a:rPr lang="en-US" dirty="0" smtClean="0"/>
-              <a:t>Logistic regression</a:t>
-            </a:r>
-            <a:br>
-              <a:rPr lang="en-US" dirty="0" smtClean="0"/>
-            </a:br>
-            <a:r>
-              <a:rPr lang="en-US" dirty="0" smtClean="0"/>
-              <a:t>example</a:t>
-            </a:r>
-            <a:endParaRPr lang="en-US" dirty="0"/>
+              <a:rPr lang="en-US" sz="3600" dirty="0" smtClean="0"/>
+              <a:t>Logistic Regression Exercise:</a:t>
+            </a:r>
+          </a:p>
+          <a:p>
+            <a:r>
+              <a:rPr lang="en-US" sz="3600" dirty="0" err="1" smtClean="0"/>
+              <a:t>Spodic</a:t>
+            </a:r>
+            <a:r>
+              <a:rPr lang="en-US" sz="3600" dirty="0" smtClean="0"/>
+              <a:t> Presence</a:t>
+            </a:r>
+            <a:endParaRPr lang="en-US" sz="3600" dirty="0"/>
           </a:p>
         </p:txBody>
       </p:sp>
@@ -7828,10 +7684,7 @@
     <p:bg>
       <p:bgPr>
         <a:solidFill>
-          <a:schemeClr val="bg2">
-            <a:lumMod val="40000"/>
-            <a:lumOff val="60000"/>
-          </a:schemeClr>
+          <a:schemeClr val="bg2"/>
         </a:solidFill>
         <a:effectLst/>
       </p:bgPr>
@@ -7862,8 +7715,8 @@
         </p:nvSpPr>
         <p:spPr>
           <a:xfrm>
-            <a:off x="152400" y="1219200"/>
-            <a:ext cx="8839200" cy="5486400"/>
+            <a:off x="381000" y="1219200"/>
+            <a:ext cx="8534400" cy="5372100"/>
           </a:xfrm>
         </p:spPr>
         <p:txBody>
@@ -7872,90 +7725,290 @@
           </a:bodyPr>
           <a:lstStyle/>
           <a:p>
-            <a:r>
-              <a:rPr lang="en-US" dirty="0"/>
-              <a:t>Add a column named “</a:t>
-            </a:r>
-            <a:r>
-              <a:rPr lang="en-US" dirty="0" err="1" smtClean="0"/>
-              <a:t>spod_pres</a:t>
-            </a:r>
-            <a:r>
-              <a:rPr lang="en-US" dirty="0" smtClean="0"/>
-              <a:t>”</a:t>
-            </a:r>
+            <a:endParaRPr lang="en-US" sz="800" dirty="0" smtClean="0">
+              <a:effectLst/>
+            </a:endParaRPr>
+          </a:p>
+          <a:p>
+            <a:r>
+              <a:rPr lang="en-US" sz="3000" dirty="0" smtClean="0">
+                <a:effectLst/>
+              </a:rPr>
+              <a:t>Add a column </a:t>
+            </a:r>
+            <a:r>
+              <a:rPr lang="en-US" sz="3000" dirty="0" smtClean="0">
+                <a:effectLst/>
+              </a:rPr>
+              <a:t>called </a:t>
+            </a:r>
+            <a:r>
+              <a:rPr lang="en-US" sz="3000" dirty="0" err="1" smtClean="0">
+                <a:effectLst/>
+              </a:rPr>
+              <a:t>spod_pres_cons</a:t>
+            </a:r>
+            <a:r>
+              <a:rPr lang="en-US" sz="3000" dirty="0" smtClean="0">
+                <a:effectLst/>
+              </a:rPr>
+              <a:t> to the pts object that converts </a:t>
+            </a:r>
+            <a:r>
+              <a:rPr lang="en-US" sz="3000" dirty="0" err="1" smtClean="0">
+                <a:effectLst/>
+              </a:rPr>
+              <a:t>spodint</a:t>
+            </a:r>
+            <a:r>
+              <a:rPr lang="en-US" sz="3000" dirty="0" smtClean="0">
+                <a:effectLst/>
+              </a:rPr>
+              <a:t> to a binary variable:</a:t>
+            </a:r>
+          </a:p>
+          <a:p>
+            <a:pPr lvl="1"/>
+            <a:r>
+              <a:rPr lang="en-US" sz="2200" dirty="0" err="1">
+                <a:effectLst/>
+              </a:rPr>
+              <a:t>s</a:t>
+            </a:r>
+            <a:r>
+              <a:rPr lang="en-US" sz="2200" dirty="0" err="1" smtClean="0">
+                <a:effectLst/>
+              </a:rPr>
+              <a:t>podint</a:t>
+            </a:r>
+            <a:r>
+              <a:rPr lang="en-US" sz="2200" dirty="0" smtClean="0">
+                <a:effectLst/>
+              </a:rPr>
+              <a:t> &gt; 1 will be reclassified as </a:t>
+            </a:r>
+            <a:r>
+              <a:rPr lang="en-US" sz="2200" dirty="0" err="1" smtClean="0">
+                <a:effectLst/>
+              </a:rPr>
+              <a:t>spodic</a:t>
+            </a:r>
+            <a:r>
+              <a:rPr lang="en-US" sz="2200" dirty="0" smtClean="0">
+                <a:effectLst/>
+              </a:rPr>
+              <a:t> (1)</a:t>
+            </a:r>
+          </a:p>
+          <a:p>
+            <a:pPr lvl="1"/>
+            <a:r>
+              <a:rPr lang="en-US" sz="2200" dirty="0" err="1">
+                <a:effectLst/>
+              </a:rPr>
+              <a:t>s</a:t>
+            </a:r>
+            <a:r>
+              <a:rPr lang="en-US" sz="2200" dirty="0" err="1" smtClean="0">
+                <a:effectLst/>
+              </a:rPr>
+              <a:t>podint</a:t>
+            </a:r>
+            <a:r>
+              <a:rPr lang="en-US" sz="2200" dirty="0" smtClean="0">
+                <a:effectLst/>
+              </a:rPr>
+              <a:t> &lt;=1 will be reclassified as </a:t>
+            </a:r>
+            <a:r>
+              <a:rPr lang="en-US" sz="2200" dirty="0" err="1" smtClean="0">
+                <a:effectLst/>
+              </a:rPr>
+              <a:t>nonspodic</a:t>
+            </a:r>
+            <a:r>
+              <a:rPr lang="en-US" sz="2200" dirty="0" smtClean="0">
+                <a:effectLst/>
+              </a:rPr>
+              <a:t> (0)</a:t>
+            </a:r>
+          </a:p>
+          <a:p>
+            <a:pPr marL="457200" lvl="1" indent="0">
+              <a:buNone/>
+            </a:pPr>
+            <a:endParaRPr lang="en-US" sz="1100" dirty="0" smtClean="0"/>
           </a:p>
           <a:p>
             <a:pPr marL="0" indent="0">
               <a:buNone/>
             </a:pPr>
-            <a:endParaRPr lang="en-US" dirty="0"/>
-          </a:p>
-          <a:p>
-            <a:r>
-              <a:rPr lang="en-US" dirty="0"/>
-              <a:t>Populate this column using “</a:t>
-            </a:r>
-            <a:r>
-              <a:rPr lang="en-US" dirty="0" err="1"/>
-              <a:t>spodic_inten</a:t>
-            </a:r>
-            <a:r>
-              <a:rPr lang="en-US" dirty="0"/>
-              <a:t>” values</a:t>
-            </a:r>
+            <a:r>
+              <a:rPr lang="en-US" sz="2400" dirty="0" smtClean="0"/>
+              <a:t>pts$spod_pres_cons &lt;- </a:t>
+            </a:r>
+            <a:r>
+              <a:rPr lang="en-US" sz="2400" dirty="0" err="1" smtClean="0"/>
+              <a:t>ifelse</a:t>
+            </a:r>
+            <a:r>
+              <a:rPr lang="en-US" sz="2400" dirty="0" smtClean="0"/>
+              <a:t>(</a:t>
+            </a:r>
+            <a:r>
+              <a:rPr lang="en-US" sz="2400" dirty="0" err="1" smtClean="0"/>
+              <a:t>pts$spodint</a:t>
+            </a:r>
+            <a:r>
+              <a:rPr lang="en-US" sz="2400" dirty="0" smtClean="0"/>
+              <a:t> </a:t>
+            </a:r>
+            <a:r>
+              <a:rPr lang="en-US" sz="2400" dirty="0"/>
+              <a:t>&lt;= 1, 0, 1) </a:t>
+            </a:r>
+            <a:endParaRPr lang="en-US" sz="2400" dirty="0" smtClean="0"/>
           </a:p>
           <a:p>
             <a:pPr marL="0" indent="0">
               <a:buNone/>
             </a:pPr>
-            <a:r>
-              <a:rPr lang="en-US" dirty="0"/>
-              <a:t>    as a </a:t>
-            </a:r>
-            <a:r>
-              <a:rPr lang="en-US" dirty="0" smtClean="0"/>
-              <a:t>reference</a:t>
-            </a:r>
-          </a:p>
-          <a:p>
-            <a:endParaRPr lang="en-US" dirty="0"/>
-          </a:p>
-          <a:p>
-            <a:r>
-              <a:rPr lang="en-US" dirty="0" smtClean="0"/>
-              <a:t>Values for </a:t>
-            </a:r>
-            <a:r>
-              <a:rPr lang="en-US" dirty="0"/>
-              <a:t>the “</a:t>
-            </a:r>
-            <a:r>
-              <a:rPr lang="en-US" dirty="0" err="1" smtClean="0"/>
-              <a:t>spod_pres</a:t>
-            </a:r>
-            <a:r>
-              <a:rPr lang="en-US" dirty="0" smtClean="0"/>
-              <a:t>” column should be?</a:t>
-            </a:r>
+            <a:endParaRPr lang="en-US" sz="2400" dirty="0">
+              <a:effectLst/>
+            </a:endParaRPr>
+          </a:p>
+          <a:p>
+            <a:r>
+              <a:rPr lang="en-US" sz="3000" dirty="0" smtClean="0">
+                <a:effectLst/>
+              </a:rPr>
+              <a:t>Create a GLM using dem10m, </a:t>
+            </a:r>
+            <a:r>
+              <a:rPr lang="en-US" sz="3000" dirty="0" err="1" smtClean="0">
+                <a:effectLst/>
+              </a:rPr>
+              <a:t>eastness</a:t>
+            </a:r>
+            <a:r>
+              <a:rPr lang="en-US" sz="3000" dirty="0" smtClean="0">
+                <a:effectLst/>
+              </a:rPr>
+              <a:t>, </a:t>
+            </a:r>
+            <a:r>
+              <a:rPr lang="en-US" sz="3000" dirty="0" err="1" smtClean="0">
+                <a:effectLst/>
+              </a:rPr>
+              <a:t>northness</a:t>
+            </a:r>
+            <a:r>
+              <a:rPr lang="en-US" sz="3000" dirty="0" smtClean="0">
+                <a:effectLst/>
+              </a:rPr>
+              <a:t>, and </a:t>
+            </a:r>
+            <a:r>
+              <a:rPr lang="en-US" sz="3000" dirty="0" err="1" smtClean="0">
+                <a:effectLst/>
+              </a:rPr>
+              <a:t>maxent</a:t>
+            </a:r>
+            <a:r>
+              <a:rPr lang="en-US" sz="3000" dirty="0" smtClean="0">
+                <a:effectLst/>
+              </a:rPr>
+              <a:t> to predict </a:t>
+            </a:r>
+            <a:r>
+              <a:rPr lang="en-US" sz="3000" dirty="0" err="1" smtClean="0">
+                <a:effectLst/>
+              </a:rPr>
+              <a:t>spod_pres_con</a:t>
+            </a:r>
+            <a:r>
+              <a:rPr lang="en-US" sz="3000" dirty="0" smtClean="0">
+                <a:effectLst/>
+              </a:rPr>
+              <a:t>:</a:t>
+            </a:r>
+            <a:endParaRPr lang="en-US" sz="3000" dirty="0">
+              <a:effectLst/>
+            </a:endParaRPr>
           </a:p>
           <a:p>
             <a:pPr marL="0" indent="0">
               <a:buNone/>
             </a:pPr>
-            <a:endParaRPr lang="en-US" dirty="0"/>
+            <a:endParaRPr lang="en-US" sz="1100" dirty="0" smtClean="0"/>
           </a:p>
           <a:p>
             <a:pPr marL="0" indent="0">
               <a:buNone/>
             </a:pPr>
-            <a:endParaRPr lang="en-US" dirty="0"/>
-          </a:p>
-        </p:txBody>
-      </p:sp>
-      <p:sp>
-        <p:nvSpPr>
-          <p:cNvPr id="4" name="Title 23"/>
+            <a:r>
+              <a:rPr lang="en-US" sz="2400" dirty="0" smtClean="0"/>
+              <a:t>GLM.1 &lt;- </a:t>
+            </a:r>
+            <a:r>
+              <a:rPr lang="en-US" sz="2400" dirty="0" err="1" smtClean="0"/>
+              <a:t>lrm</a:t>
+            </a:r>
+            <a:r>
+              <a:rPr lang="en-US" sz="2400" dirty="0" smtClean="0"/>
+              <a:t>(</a:t>
+            </a:r>
+            <a:r>
+              <a:rPr lang="en-US" sz="2400" dirty="0" err="1" smtClean="0"/>
+              <a:t>spod_pres_cons</a:t>
+            </a:r>
+            <a:r>
+              <a:rPr lang="en-US" sz="2400" dirty="0" smtClean="0"/>
+              <a:t> ~ dem10m + </a:t>
+            </a:r>
+            <a:r>
+              <a:rPr lang="en-US" sz="2400" dirty="0" err="1" smtClean="0"/>
+              <a:t>eastness</a:t>
+            </a:r>
+            <a:r>
+              <a:rPr lang="en-US" sz="2400" dirty="0" smtClean="0"/>
+              <a:t> + </a:t>
+            </a:r>
+            <a:r>
+              <a:rPr lang="en-US" sz="2400" dirty="0" err="1" smtClean="0"/>
+              <a:t>northness</a:t>
+            </a:r>
+            <a:r>
+              <a:rPr lang="en-US" sz="2400" dirty="0" smtClean="0"/>
+              <a:t> + </a:t>
+            </a:r>
+            <a:r>
+              <a:rPr lang="en-US" sz="2400" dirty="0" err="1" smtClean="0"/>
+              <a:t>maxent</a:t>
+            </a:r>
+            <a:r>
+              <a:rPr lang="en-US" sz="2400" dirty="0" smtClean="0"/>
+              <a:t>, data=pts)</a:t>
+            </a:r>
+            <a:endParaRPr lang="en-US" sz="2400" dirty="0" smtClean="0"/>
+          </a:p>
+          <a:p>
+            <a:pPr marL="0" indent="0">
+              <a:buNone/>
+            </a:pPr>
+            <a:endParaRPr lang="en-US" sz="2400" dirty="0"/>
+          </a:p>
+          <a:p>
+            <a:pPr marL="0" indent="0">
+              <a:buNone/>
+            </a:pPr>
+            <a:endParaRPr lang="en-US" sz="2400" dirty="0" smtClean="0"/>
+          </a:p>
+        </p:txBody>
+      </p:sp>
+      <p:sp>
+        <p:nvSpPr>
+          <p:cNvPr id="5" name="Title 22"/>
           <p:cNvSpPr txBox="1">
             <a:spLocks/>
           </p:cNvSpPr>
@@ -7963,8 +8016,8 @@
         </p:nvSpPr>
         <p:spPr>
           <a:xfrm>
-            <a:off x="381000" y="152400"/>
-            <a:ext cx="8229600" cy="914400"/>
+            <a:off x="533400" y="-4292"/>
+            <a:ext cx="7772400" cy="1470025"/>
           </a:xfrm>
           <a:prstGeom prst="rect">
             <a:avLst/>
@@ -7972,7 +8025,7 @@
         </p:spPr>
         <p:txBody>
           <a:bodyPr vert="horz" lIns="91440" tIns="45720" rIns="91440" bIns="45720" rtlCol="0" anchor="ctr">
-            <a:normAutofit fontScale="75000" lnSpcReduction="20000"/>
+            <a:normAutofit/>
           </a:bodyPr>
           <a:lstStyle>
             <a:lvl1pPr algn="ctr" defTabSz="914400" rtl="0" eaLnBrk="1" latinLnBrk="0" hangingPunct="1">
@@ -7999,24 +8052,27 @@
           </a:lstStyle>
           <a:p>
             <a:r>
-              <a:rPr lang="en-US" dirty="0" smtClean="0"/>
-              <a:t>Logistic regression</a:t>
-            </a:r>
-            <a:br>
-              <a:rPr lang="en-US" dirty="0" smtClean="0"/>
-            </a:br>
-            <a:r>
-              <a:rPr lang="en-US" dirty="0" smtClean="0"/>
-              <a:t>example</a:t>
-            </a:r>
-            <a:endParaRPr lang="en-US" dirty="0"/>
+              <a:rPr lang="en-US" sz="3600" dirty="0" smtClean="0"/>
+              <a:t>Logistic Regression Exercise:</a:t>
+            </a:r>
+          </a:p>
+          <a:p>
+            <a:r>
+              <a:rPr lang="en-US" sz="3600" dirty="0" err="1" smtClean="0"/>
+              <a:t>Spodic</a:t>
+            </a:r>
+            <a:r>
+              <a:rPr lang="en-US" sz="3600" dirty="0" smtClean="0"/>
+              <a:t> Presence</a:t>
+            </a:r>
+            <a:endParaRPr lang="en-US" sz="3600" dirty="0"/>
           </a:p>
         </p:txBody>
       </p:sp>
     </p:spTree>
     <p:extLst>
       <p:ext uri="{BB962C8B-B14F-4D97-AF65-F5344CB8AC3E}">
-        <p14:creationId xmlns:p14="http://schemas.microsoft.com/office/powerpoint/2010/main" val="2152173656"/>
+        <p14:creationId xmlns:p14="http://schemas.microsoft.com/office/powerpoint/2010/main" val="2237869391"/>
       </p:ext>
     </p:extLst>
   </p:cSld>
@@ -8039,10 +8095,7 @@
     <p:bg>
       <p:bgPr>
         <a:solidFill>
-          <a:schemeClr val="bg2">
-            <a:lumMod val="40000"/>
-            <a:lumOff val="60000"/>
-          </a:schemeClr>
+          <a:schemeClr val="bg2"/>
         </a:solidFill>
         <a:effectLst/>
       </p:bgPr>
@@ -8073,38 +8126,174 @@
         </p:nvSpPr>
         <p:spPr>
           <a:xfrm>
-            <a:off x="152400" y="1219200"/>
-            <a:ext cx="8839200" cy="5486400"/>
+            <a:off x="381000" y="1104900"/>
+            <a:ext cx="8534400" cy="5486400"/>
           </a:xfrm>
         </p:spPr>
         <p:txBody>
-          <a:bodyPr/>
-          <a:lstStyle/>
-          <a:p>
-            <a:r>
-              <a:rPr lang="en-US" dirty="0" smtClean="0"/>
-              <a:t>You now have a column representing </a:t>
-            </a:r>
-            <a:r>
-              <a:rPr lang="en-US" dirty="0" err="1" smtClean="0"/>
-              <a:t>spodic</a:t>
-            </a:r>
-            <a:r>
-              <a:rPr lang="en-US" dirty="0" smtClean="0"/>
-              <a:t> presence</a:t>
-            </a:r>
-          </a:p>
+          <a:bodyPr>
+            <a:normAutofit/>
+          </a:bodyPr>
+          <a:lstStyle/>
           <a:p>
             <a:pPr marL="0" indent="0">
               <a:buNone/>
             </a:pPr>
-            <a:endParaRPr lang="en-US" dirty="0" smtClean="0"/>
-          </a:p>
-        </p:txBody>
-      </p:sp>
-      <p:sp>
-        <p:nvSpPr>
-          <p:cNvPr id="4" name="Title 23"/>
+            <a:endParaRPr lang="en-US" sz="900" dirty="0" smtClean="0"/>
+          </a:p>
+          <a:p>
+            <a:pPr marL="0" indent="0">
+              <a:buNone/>
+            </a:pPr>
+            <a:r>
+              <a:rPr lang="en-US" sz="2400" dirty="0" smtClean="0"/>
+              <a:t>GLM.1 </a:t>
+            </a:r>
+            <a:r>
+              <a:rPr lang="en-US" sz="2400" dirty="0"/>
+              <a:t>&lt;- </a:t>
+            </a:r>
+            <a:r>
+              <a:rPr lang="en-US" sz="2400" dirty="0" err="1" smtClean="0"/>
+              <a:t>lrm</a:t>
+            </a:r>
+            <a:r>
+              <a:rPr lang="en-US" sz="2400" dirty="0" smtClean="0"/>
+              <a:t>(</a:t>
+            </a:r>
+            <a:r>
+              <a:rPr lang="en-US" sz="2400" dirty="0" err="1" smtClean="0"/>
+              <a:t>spod_pres_cons</a:t>
+            </a:r>
+            <a:r>
+              <a:rPr lang="en-US" sz="2400" dirty="0" smtClean="0"/>
+              <a:t> </a:t>
+            </a:r>
+            <a:r>
+              <a:rPr lang="en-US" sz="2400" dirty="0"/>
+              <a:t>~ dem10m + </a:t>
+            </a:r>
+            <a:r>
+              <a:rPr lang="en-US" sz="2400" dirty="0" err="1" smtClean="0"/>
+              <a:t>eastness</a:t>
+            </a:r>
+            <a:r>
+              <a:rPr lang="en-US" sz="2400" dirty="0" smtClean="0"/>
+              <a:t> </a:t>
+            </a:r>
+            <a:r>
+              <a:rPr lang="en-US" sz="2400" dirty="0"/>
+              <a:t>+ </a:t>
+            </a:r>
+            <a:r>
+              <a:rPr lang="en-US" sz="2400" dirty="0" err="1" smtClean="0"/>
+              <a:t>northness</a:t>
+            </a:r>
+            <a:r>
+              <a:rPr lang="en-US" sz="2400" dirty="0" smtClean="0"/>
+              <a:t> + </a:t>
+            </a:r>
+            <a:r>
+              <a:rPr lang="en-US" sz="2400" dirty="0" err="1" smtClean="0"/>
+              <a:t>maxent</a:t>
+            </a:r>
+            <a:r>
+              <a:rPr lang="en-US" sz="2400" dirty="0" smtClean="0"/>
+              <a:t>, data=pts)</a:t>
+            </a:r>
+          </a:p>
+          <a:p>
+            <a:pPr marL="0" indent="0">
+              <a:buNone/>
+            </a:pPr>
+            <a:endParaRPr lang="en-US" sz="1100" dirty="0"/>
+          </a:p>
+          <a:p>
+            <a:pPr marL="0" indent="0">
+              <a:buNone/>
+            </a:pPr>
+            <a:r>
+              <a:rPr lang="en-US" sz="2400" dirty="0" smtClean="0"/>
+              <a:t>print(GLM.1)</a:t>
+            </a:r>
+          </a:p>
+          <a:p>
+            <a:pPr marL="0" indent="0">
+              <a:buNone/>
+            </a:pPr>
+            <a:endParaRPr lang="en-US" sz="2400" dirty="0" smtClean="0"/>
+          </a:p>
+          <a:p>
+            <a:pPr marL="0" indent="0">
+              <a:buNone/>
+            </a:pPr>
+            <a:endParaRPr lang="en-US" sz="2400" dirty="0"/>
+          </a:p>
+          <a:p>
+            <a:pPr marL="0" indent="0">
+              <a:buNone/>
+            </a:pPr>
+            <a:endParaRPr lang="en-US" sz="2400" dirty="0" smtClean="0"/>
+          </a:p>
+        </p:txBody>
+      </p:sp>
+      <p:pic>
+        <p:nvPicPr>
+          <p:cNvPr id="1026" name="Picture 2"/>
+          <p:cNvPicPr>
+            <a:picLocks noChangeAspect="1" noChangeArrowheads="1"/>
+          </p:cNvPicPr>
+          <p:nvPr/>
+        </p:nvPicPr>
+        <p:blipFill>
+          <a:blip r:embed="rId3">
+            <a:extLst>
+              <a:ext uri="{28A0092B-C50C-407E-A947-70E740481C1C}">
+                <a14:useLocalDpi xmlns:a14="http://schemas.microsoft.com/office/drawing/2010/main" val="0"/>
+              </a:ext>
+            </a:extLst>
+          </a:blip>
+          <a:srcRect/>
+          <a:stretch>
+            <a:fillRect/>
+          </a:stretch>
+        </p:blipFill>
+        <p:spPr bwMode="auto">
+          <a:xfrm>
+            <a:off x="457200" y="3048000"/>
+            <a:ext cx="6421492" cy="3267075"/>
+          </a:xfrm>
+          <a:prstGeom prst="rect">
+            <a:avLst/>
+          </a:prstGeom>
+          <a:noFill/>
+          <a:ln>
+            <a:noFill/>
+          </a:ln>
+          <a:extLst>
+            <a:ext uri="{909E8E84-426E-40DD-AFC4-6F175D3DCCD1}">
+              <a14:hiddenFill xmlns:a14="http://schemas.microsoft.com/office/drawing/2010/main">
+                <a:solidFill>
+                  <a:schemeClr val="accent1"/>
+                </a:solidFill>
+              </a14:hiddenFill>
+            </a:ext>
+            <a:ext uri="{91240B29-F687-4F45-9708-019B960494DF}">
+              <a14:hiddenLine xmlns:a14="http://schemas.microsoft.com/office/drawing/2010/main" w="9525">
+                <a:solidFill>
+                  <a:schemeClr val="tx1"/>
+                </a:solidFill>
+                <a:miter lim="800000"/>
+                <a:headEnd/>
+                <a:tailEnd/>
+              </a14:hiddenLine>
+            </a:ext>
+          </a:extLst>
+        </p:spPr>
+      </p:pic>
+      <p:sp>
+        <p:nvSpPr>
+          <p:cNvPr id="5" name="Title 22"/>
           <p:cNvSpPr txBox="1">
             <a:spLocks/>
           </p:cNvSpPr>
@@ -8112,8 +8301,8 @@
         </p:nvSpPr>
         <p:spPr>
           <a:xfrm>
-            <a:off x="381000" y="152400"/>
-            <a:ext cx="8229600" cy="914400"/>
+            <a:off x="533400" y="-4292"/>
+            <a:ext cx="7772400" cy="1470025"/>
           </a:xfrm>
           <a:prstGeom prst="rect">
             <a:avLst/>
@@ -8121,7 +8310,7 @@
         </p:spPr>
         <p:txBody>
           <a:bodyPr vert="horz" lIns="91440" tIns="45720" rIns="91440" bIns="45720" rtlCol="0" anchor="ctr">
-            <a:normAutofit fontScale="75000" lnSpcReduction="20000"/>
+            <a:normAutofit/>
           </a:bodyPr>
           <a:lstStyle>
             <a:lvl1pPr algn="ctr" defTabSz="914400" rtl="0" eaLnBrk="1" latinLnBrk="0" hangingPunct="1">
@@ -8148,24 +8337,27 @@
           </a:lstStyle>
           <a:p>
             <a:r>
-              <a:rPr lang="en-US" dirty="0" smtClean="0"/>
-              <a:t>Logistic regression</a:t>
-            </a:r>
-            <a:br>
-              <a:rPr lang="en-US" dirty="0" smtClean="0"/>
-            </a:br>
-            <a:r>
-              <a:rPr lang="en-US" dirty="0" smtClean="0"/>
-              <a:t>example</a:t>
-            </a:r>
-            <a:endParaRPr lang="en-US" dirty="0"/>
+              <a:rPr lang="en-US" sz="3600" dirty="0" smtClean="0"/>
+              <a:t>Logistic Regression Exercise:</a:t>
+            </a:r>
+          </a:p>
+          <a:p>
+            <a:r>
+              <a:rPr lang="en-US" sz="3600" dirty="0" err="1" smtClean="0"/>
+              <a:t>Spodic</a:t>
+            </a:r>
+            <a:r>
+              <a:rPr lang="en-US" sz="3600" dirty="0" smtClean="0"/>
+              <a:t> Presence</a:t>
+            </a:r>
+            <a:endParaRPr lang="en-US" sz="3600" dirty="0"/>
           </a:p>
         </p:txBody>
       </p:sp>
     </p:spTree>
     <p:extLst>
       <p:ext uri="{BB962C8B-B14F-4D97-AF65-F5344CB8AC3E}">
-        <p14:creationId xmlns:p14="http://schemas.microsoft.com/office/powerpoint/2010/main" val="1508044819"/>
+        <p14:creationId xmlns:p14="http://schemas.microsoft.com/office/powerpoint/2010/main" val="3514818109"/>
       </p:ext>
     </p:extLst>
   </p:cSld>
@@ -8188,10 +8380,7 @@
     <p:bg>
       <p:bgPr>
         <a:solidFill>
-          <a:schemeClr val="bg2">
-            <a:lumMod val="40000"/>
-            <a:lumOff val="60000"/>
-          </a:schemeClr>
+          <a:schemeClr val="bg2"/>
         </a:solidFill>
         <a:effectLst/>
       </p:bgPr>
@@ -8212,55 +8401,18 @@
       </p:grpSpPr>
       <p:sp>
         <p:nvSpPr>
-          <p:cNvPr id="24" name="Title 23"/>
-          <p:cNvSpPr>
-            <a:spLocks noGrp="1"/>
-          </p:cNvSpPr>
-          <p:nvPr>
-            <p:ph type="title"/>
+          <p:cNvPr id="25" name="Content Placeholder 24"/>
+          <p:cNvSpPr>
+            <a:spLocks noGrp="1"/>
+          </p:cNvSpPr>
+          <p:nvPr>
+            <p:ph idx="1"/>
           </p:nvPr>
         </p:nvSpPr>
         <p:spPr>
           <a:xfrm>
-            <a:off x="381000" y="152400"/>
-            <a:ext cx="8229600" cy="914400"/>
-          </a:xfrm>
-        </p:spPr>
-        <p:txBody>
-          <a:bodyPr>
-            <a:normAutofit fontScale="90000"/>
-          </a:bodyPr>
-          <a:lstStyle/>
-          <a:p>
-            <a:r>
-              <a:rPr lang="en-US" dirty="0" smtClean="0"/>
-              <a:t>Logistic regression</a:t>
-            </a:r>
-            <a:br>
-              <a:rPr lang="en-US" dirty="0" smtClean="0"/>
-            </a:br>
-            <a:r>
-              <a:rPr lang="en-US" dirty="0" smtClean="0"/>
-              <a:t>example</a:t>
-            </a:r>
-            <a:endParaRPr lang="en-US" dirty="0"/>
-          </a:p>
-        </p:txBody>
-      </p:sp>
-      <p:sp>
-        <p:nvSpPr>
-          <p:cNvPr id="25" name="Content Placeholder 24"/>
-          <p:cNvSpPr>
-            <a:spLocks noGrp="1"/>
-          </p:cNvSpPr>
-          <p:nvPr>
-            <p:ph idx="1"/>
-          </p:nvPr>
-        </p:nvSpPr>
-        <p:spPr>
-          <a:xfrm>
-            <a:off x="286870" y="1371600"/>
-            <a:ext cx="8417859" cy="5105400"/>
+            <a:off x="533400" y="1219200"/>
+            <a:ext cx="8077200" cy="5486400"/>
           </a:xfrm>
         </p:spPr>
         <p:txBody>
@@ -8270,154 +8422,255 @@
           <a:lstStyle/>
           <a:p>
             <a:r>
-              <a:rPr lang="en-US" dirty="0" smtClean="0"/>
-              <a:t>Open </a:t>
-            </a:r>
-            <a:r>
-              <a:rPr lang="en-US" b="1" dirty="0" smtClean="0"/>
-              <a:t>R </a:t>
-            </a:r>
-            <a:r>
-              <a:rPr lang="en-US" dirty="0" smtClean="0"/>
-              <a:t>and enter the following:</a:t>
+              <a:rPr lang="en-US" sz="2800" dirty="0" smtClean="0">
+                <a:effectLst/>
+              </a:rPr>
+              <a:t>Use the following R code to spatially interpolate the GLM using environmental covariate </a:t>
+            </a:r>
+            <a:r>
+              <a:rPr lang="en-US" sz="2800" dirty="0" err="1" smtClean="0">
+                <a:effectLst/>
+              </a:rPr>
+              <a:t>rasters</a:t>
+            </a:r>
+            <a:r>
+              <a:rPr lang="en-US" sz="2800" dirty="0" smtClean="0">
+                <a:effectLst/>
+              </a:rPr>
+              <a:t>:</a:t>
+            </a:r>
+          </a:p>
+          <a:p>
+            <a:pPr lvl="1"/>
+            <a:r>
+              <a:rPr lang="en-US" sz="2000" dirty="0" smtClean="0"/>
+              <a:t>Note: the following code only works if all </a:t>
+            </a:r>
+            <a:r>
+              <a:rPr lang="en-US" sz="2000" dirty="0" err="1" smtClean="0"/>
+              <a:t>rasters</a:t>
+            </a:r>
+            <a:r>
+              <a:rPr lang="en-US" sz="2000" dirty="0" smtClean="0"/>
+              <a:t> are co-registered, .</a:t>
+            </a:r>
+            <a:r>
+              <a:rPr lang="en-US" sz="2000" dirty="0" err="1" smtClean="0"/>
+              <a:t>img</a:t>
+            </a:r>
+            <a:r>
+              <a:rPr lang="en-US" sz="2000" dirty="0" smtClean="0"/>
+              <a:t> files, have the same projection and spatial extent, and are stored in your working directory. </a:t>
             </a:r>
           </a:p>
           <a:p>
             <a:pPr marL="0" indent="0">
+              <a:spcBef>
+                <a:spcPts val="0"/>
+              </a:spcBef>
               <a:buNone/>
             </a:pPr>
             <a:r>
+              <a:rPr lang="en-US" sz="900" dirty="0" smtClean="0"/>
+              <a:t>	 </a:t>
+            </a:r>
+            <a:endParaRPr lang="en-US" sz="900" dirty="0" smtClean="0">
+              <a:effectLst/>
+            </a:endParaRPr>
+          </a:p>
+          <a:p>
+            <a:pPr marL="0" indent="0">
+              <a:spcBef>
+                <a:spcPts val="0"/>
+              </a:spcBef>
+              <a:buNone/>
+            </a:pPr>
+            <a:r>
+              <a:rPr lang="en-US" sz="2400" dirty="0" err="1"/>
+              <a:t>rasters</a:t>
+            </a:r>
+            <a:r>
               <a:rPr lang="en-US" sz="2400" dirty="0"/>
-              <a:t>require(</a:t>
+              <a:t> = stack(</a:t>
             </a:r>
             <a:r>
               <a:rPr lang="en-US" sz="2400" dirty="0" err="1"/>
-              <a:t>sp</a:t>
+              <a:t>list.files</a:t>
             </a:r>
             <a:r>
               <a:rPr lang="en-US" sz="2400" dirty="0"/>
-              <a:t>)</a:t>
+              <a:t>(</a:t>
+            </a:r>
+            <a:r>
+              <a:rPr lang="en-US" sz="2400" dirty="0" err="1"/>
+              <a:t>getwd</a:t>
+            </a:r>
+            <a:r>
+              <a:rPr lang="en-US" sz="2400" dirty="0"/>
+              <a:t>(), pattern="</a:t>
+            </a:r>
+            <a:r>
+              <a:rPr lang="en-US" sz="2400" dirty="0" err="1"/>
+              <a:t>img</a:t>
+            </a:r>
+            <a:r>
+              <a:rPr lang="en-US" sz="2400" dirty="0"/>
+              <a:t>$", </a:t>
+            </a:r>
+            <a:r>
+              <a:rPr lang="en-US" sz="2400" dirty="0" err="1"/>
+              <a:t>full.names</a:t>
+            </a:r>
+            <a:r>
+              <a:rPr lang="en-US" sz="2400" dirty="0"/>
+              <a:t> = FALSE</a:t>
+            </a:r>
+            <a:r>
+              <a:rPr lang="en-US" sz="2400" dirty="0" smtClean="0"/>
+              <a:t>))</a:t>
             </a:r>
           </a:p>
           <a:p>
             <a:pPr marL="0" indent="0">
+              <a:spcBef>
+                <a:spcPts val="0"/>
+              </a:spcBef>
               <a:buNone/>
             </a:pPr>
+            <a:endParaRPr lang="en-US" sz="900" dirty="0"/>
+          </a:p>
+          <a:p>
+            <a:pPr marL="0" indent="0">
+              <a:buNone/>
+            </a:pPr>
             <a:r>
               <a:rPr lang="en-US" sz="2400" dirty="0"/>
-              <a:t>require(raster)</a:t>
+              <a:t>predict(</a:t>
+            </a:r>
+            <a:r>
+              <a:rPr lang="en-US" sz="2400" dirty="0" err="1"/>
+              <a:t>rasters</a:t>
+            </a:r>
+            <a:r>
+              <a:rPr lang="en-US" sz="2400" dirty="0"/>
+              <a:t>, GLM.1, type= "fitted", progress = "window", overwrite = TRUE, filename = "spodic_pres_GLM1.img")</a:t>
             </a:r>
           </a:p>
           <a:p>
             <a:pPr marL="0" indent="0">
               <a:buNone/>
             </a:pPr>
-            <a:r>
-              <a:rPr lang="en-US" sz="2400" dirty="0"/>
-              <a:t>require(</a:t>
-            </a:r>
-            <a:r>
-              <a:rPr lang="en-US" sz="2400" dirty="0" err="1"/>
-              <a:t>rgdal</a:t>
-            </a:r>
-            <a:r>
-              <a:rPr lang="en-US" sz="2400" dirty="0" smtClean="0"/>
-              <a:t>)</a:t>
-            </a:r>
-            <a:endParaRPr lang="en-US" sz="2400" dirty="0"/>
-          </a:p>
-          <a:p>
-            <a:pPr marL="0" indent="0">
-              <a:buNone/>
-            </a:pPr>
-            <a:r>
-              <a:rPr lang="en-US" sz="2400" dirty="0"/>
-              <a:t>require(</a:t>
-            </a:r>
-            <a:r>
-              <a:rPr lang="en-US" sz="2400" dirty="0" err="1"/>
-              <a:t>rms</a:t>
-            </a:r>
-            <a:r>
-              <a:rPr lang="en-US" sz="2400" dirty="0"/>
-              <a:t>)</a:t>
-            </a:r>
-          </a:p>
-          <a:p>
-            <a:pPr marL="0" indent="0">
-              <a:buNone/>
-            </a:pPr>
-            <a:r>
-              <a:rPr lang="en-US" sz="2400" dirty="0" err="1"/>
-              <a:t>setwd</a:t>
-            </a:r>
-            <a:r>
-              <a:rPr lang="en-US" sz="2400" dirty="0"/>
-              <a:t>("C</a:t>
-            </a:r>
-            <a:r>
-              <a:rPr lang="en-US" sz="2400" dirty="0" smtClean="0"/>
-              <a:t>:/</a:t>
-            </a:r>
-            <a:r>
-              <a:rPr lang="en-US" sz="2400" dirty="0" err="1" smtClean="0"/>
-              <a:t>wv_DSM</a:t>
-            </a:r>
-            <a:r>
-              <a:rPr lang="en-US" sz="2400" dirty="0" smtClean="0"/>
-              <a:t>/</a:t>
-            </a:r>
-            <a:r>
-              <a:rPr lang="en-US" sz="2400" dirty="0" err="1" smtClean="0"/>
-              <a:t>class_data</a:t>
-            </a:r>
-            <a:r>
-              <a:rPr lang="en-US" sz="2400" dirty="0" smtClean="0"/>
-              <a:t>")</a:t>
-            </a:r>
-            <a:endParaRPr lang="en-US" sz="2400" dirty="0"/>
-          </a:p>
-          <a:p>
-            <a:pPr marL="0" indent="0">
-              <a:buNone/>
-            </a:pPr>
-            <a:r>
-              <a:rPr lang="en-US" sz="2400" dirty="0"/>
-              <a:t>pts = read.csv</a:t>
-            </a:r>
-            <a:r>
-              <a:rPr lang="en-US" sz="2400" dirty="0" smtClean="0"/>
-              <a:t>(“test_logistic_pts.csv</a:t>
-            </a:r>
-            <a:r>
-              <a:rPr lang="en-US" sz="2400" dirty="0"/>
-              <a:t>") </a:t>
-            </a:r>
-          </a:p>
-          <a:p>
-            <a:pPr marL="0" indent="0">
-              <a:buNone/>
-            </a:pPr>
-            <a:r>
-              <a:rPr lang="en-US" sz="2400" dirty="0"/>
-              <a:t>head(pts, 1) </a:t>
-            </a:r>
-          </a:p>
-          <a:p>
-            <a:pPr marL="0" indent="0">
-              <a:buNone/>
-            </a:pPr>
-            <a:r>
-              <a:rPr lang="en-US" sz="2400" dirty="0"/>
-              <a:t>attach(pts)</a:t>
-            </a:r>
+            <a:endParaRPr lang="en-US" sz="800" dirty="0"/>
+          </a:p>
+          <a:p>
+            <a:r>
+              <a:rPr lang="en-US" sz="2800" dirty="0" smtClean="0">
+                <a:effectLst/>
+              </a:rPr>
+              <a:t>Add the raster </a:t>
+            </a:r>
+            <a:r>
+              <a:rPr lang="en-US" sz="2800" dirty="0" smtClean="0">
+                <a:effectLst/>
+              </a:rPr>
+              <a:t>"</a:t>
+            </a:r>
+            <a:r>
+              <a:rPr lang="en-US" sz="2800" b="1" dirty="0" smtClean="0">
+                <a:effectLst/>
+              </a:rPr>
+              <a:t>spodic_con_GLM1.img</a:t>
+            </a:r>
+            <a:r>
+              <a:rPr lang="en-US" sz="2800" dirty="0" smtClean="0">
+                <a:effectLst/>
+              </a:rPr>
+              <a:t>“ to ArcGIS</a:t>
+            </a:r>
+          </a:p>
+          <a:p>
+            <a:r>
+              <a:rPr lang="en-US" sz="2800" dirty="0" smtClean="0">
+                <a:effectLst/>
+              </a:rPr>
+              <a:t>Does </a:t>
+            </a:r>
+            <a:r>
+              <a:rPr lang="en-US" sz="2800" dirty="0" smtClean="0">
+                <a:effectLst/>
+              </a:rPr>
+              <a:t>it look reasonable?</a:t>
+            </a:r>
+          </a:p>
+        </p:txBody>
+      </p:sp>
+      <p:sp>
+        <p:nvSpPr>
+          <p:cNvPr id="5" name="Title 22"/>
+          <p:cNvSpPr txBox="1">
+            <a:spLocks/>
+          </p:cNvSpPr>
+          <p:nvPr/>
+        </p:nvSpPr>
+        <p:spPr>
+          <a:xfrm>
+            <a:off x="533400" y="-4292"/>
+            <a:ext cx="7772400" cy="1470025"/>
+          </a:xfrm>
+          <a:prstGeom prst="rect">
+            <a:avLst/>
+          </a:prstGeom>
+        </p:spPr>
+        <p:txBody>
+          <a:bodyPr vert="horz" lIns="91440" tIns="45720" rIns="91440" bIns="45720" rtlCol="0" anchor="ctr">
+            <a:normAutofit/>
+          </a:bodyPr>
+          <a:lstStyle>
+            <a:lvl1pPr algn="ctr" defTabSz="914400" rtl="0" eaLnBrk="1" latinLnBrk="0" hangingPunct="1">
+              <a:spcBef>
+                <a:spcPct val="0"/>
+              </a:spcBef>
+              <a:buNone/>
+              <a:defRPr sz="4400" b="1" kern="1200">
+                <a:solidFill>
+                  <a:srgbClr val="FFC000"/>
+                </a:solidFill>
+                <a:effectLst>
+                  <a:outerShdw blurRad="38100" dist="38100" dir="2700000" algn="tl">
+                    <a:srgbClr val="000000">
+                      <a:alpha val="43137"/>
+                    </a:srgbClr>
+                  </a:outerShdw>
+                </a:effectLst>
+                <a:latin typeface="+mj-lt"/>
+                <a:ea typeface="+mj-ea"/>
+                <a:cs typeface="+mj-cs"/>
+              </a:defRPr>
+            </a:lvl1pPr>
+          </a:lstStyle>
+          <a:p>
+            <a:r>
+              <a:rPr lang="en-US" sz="3600" dirty="0" smtClean="0"/>
+              <a:t>Logistic Regression Exercise:</a:t>
+            </a:r>
+          </a:p>
+          <a:p>
+            <a:r>
+              <a:rPr lang="en-US" sz="3600" dirty="0" err="1" smtClean="0"/>
+              <a:t>Spodic</a:t>
+            </a:r>
+            <a:r>
+              <a:rPr lang="en-US" sz="3600" dirty="0" smtClean="0"/>
+              <a:t> Presence</a:t>
+            </a:r>
+            <a:endParaRPr lang="en-US" sz="3600" dirty="0"/>
           </a:p>
         </p:txBody>
       </p:sp>
     </p:spTree>
     <p:extLst>
       <p:ext uri="{BB962C8B-B14F-4D97-AF65-F5344CB8AC3E}">
-        <p14:creationId xmlns:p14="http://schemas.microsoft.com/office/powerpoint/2010/main" val="1035014143"/>
+        <p14:creationId xmlns:p14="http://schemas.microsoft.com/office/powerpoint/2010/main" val="213924372"/>
       </p:ext>
     </p:extLst>
   </p:cSld>
@@ -8453,34 +8706,6 @@
       </p:grpSpPr>
       <p:sp>
         <p:nvSpPr>
-          <p:cNvPr id="24" name="Title 23"/>
-          <p:cNvSpPr>
-            <a:spLocks noGrp="1"/>
-          </p:cNvSpPr>
-          <p:nvPr>
-            <p:ph type="title"/>
-          </p:nvPr>
-        </p:nvSpPr>
-        <p:spPr>
-          <a:xfrm>
-            <a:off x="457200" y="19050"/>
-            <a:ext cx="8229600" cy="914400"/>
-          </a:xfrm>
-        </p:spPr>
-        <p:txBody>
-          <a:bodyPr/>
-          <a:lstStyle/>
-          <a:p>
-            <a:r>
-              <a:rPr lang="en-US" dirty="0" smtClean="0"/>
-              <a:t>Logistic regression</a:t>
-            </a:r>
-            <a:endParaRPr lang="en-US" dirty="0"/>
-          </a:p>
-        </p:txBody>
-      </p:sp>
-      <p:sp>
-        <p:nvSpPr>
           <p:cNvPr id="25" name="Content Placeholder 24"/>
           <p:cNvSpPr>
             <a:spLocks noGrp="1"/>
@@ -8567,6 +8792,59 @@
               <a:buNone/>
             </a:pPr>
             <a:endParaRPr lang="en-US" sz="1800" dirty="0"/>
+          </a:p>
+        </p:txBody>
+      </p:sp>
+      <p:sp>
+        <p:nvSpPr>
+          <p:cNvPr id="4" name="Title 22"/>
+          <p:cNvSpPr txBox="1">
+            <a:spLocks/>
+          </p:cNvSpPr>
+          <p:nvPr/>
+        </p:nvSpPr>
+        <p:spPr>
+          <a:xfrm>
+            <a:off x="533400" y="-4292"/>
+            <a:ext cx="7772400" cy="1470025"/>
+          </a:xfrm>
+          <a:prstGeom prst="rect">
+            <a:avLst/>
+          </a:prstGeom>
+        </p:spPr>
+        <p:txBody>
+          <a:bodyPr vert="horz" lIns="91440" tIns="45720" rIns="91440" bIns="45720" rtlCol="0" anchor="ctr">
+            <a:normAutofit/>
+          </a:bodyPr>
+          <a:lstStyle>
+            <a:lvl1pPr algn="ctr" defTabSz="914400" rtl="0" eaLnBrk="1" latinLnBrk="0" hangingPunct="1">
+              <a:spcBef>
+                <a:spcPct val="0"/>
+              </a:spcBef>
+              <a:buNone/>
+              <a:defRPr sz="4400" b="1" kern="1200">
+                <a:solidFill>
+                  <a:srgbClr val="FFC000"/>
+                </a:solidFill>
+                <a:effectLst>
+                  <a:outerShdw blurRad="38100" dist="38100" dir="2700000" algn="tl">
+                    <a:srgbClr val="000000">
+                      <a:alpha val="43137"/>
+                    </a:srgbClr>
+                  </a:outerShdw>
+                </a:effectLst>
+                <a:latin typeface="+mj-lt"/>
+                <a:ea typeface="+mj-ea"/>
+                <a:cs typeface="+mj-cs"/>
+              </a:defRPr>
+            </a:lvl1pPr>
+          </a:lstStyle>
+          <a:p>
+            <a:r>
+              <a:rPr lang="en-US" sz="3600" dirty="0" smtClean="0"/>
+              <a:t>Logistic Regression</a:t>
+            </a:r>
+            <a:endParaRPr lang="en-US" sz="3600" dirty="0"/>
           </a:p>
         </p:txBody>
       </p:sp>
@@ -8596,10 +8874,7 @@
     <p:bg>
       <p:bgPr>
         <a:solidFill>
-          <a:schemeClr val="bg2">
-            <a:lumMod val="40000"/>
-            <a:lumOff val="60000"/>
-          </a:schemeClr>
+          <a:schemeClr val="bg2"/>
         </a:solidFill>
         <a:effectLst/>
       </p:bgPr>
@@ -8630,8 +8905,8 @@
         </p:nvSpPr>
         <p:spPr>
           <a:xfrm>
-            <a:off x="76200" y="1104900"/>
-            <a:ext cx="8839200" cy="5486400"/>
+            <a:off x="533400" y="1371600"/>
+            <a:ext cx="8153400" cy="5257800"/>
           </a:xfrm>
         </p:spPr>
         <p:txBody>
@@ -8640,165 +8915,86 @@
           </a:bodyPr>
           <a:lstStyle/>
           <a:p>
-            <a:pPr marL="0" indent="0">
-              <a:buNone/>
-            </a:pPr>
-            <a:r>
-              <a:rPr lang="en-US" sz="2400" dirty="0" smtClean="0"/>
-              <a:t>GLM.1 </a:t>
-            </a:r>
-            <a:r>
-              <a:rPr lang="en-US" sz="2400" dirty="0"/>
-              <a:t>&lt;- </a:t>
-            </a:r>
-            <a:r>
-              <a:rPr lang="en-US" sz="2400" dirty="0" err="1" smtClean="0"/>
-              <a:t>lrm</a:t>
-            </a:r>
-            <a:r>
-              <a:rPr lang="en-US" sz="2400" dirty="0" smtClean="0"/>
-              <a:t>(</a:t>
-            </a:r>
-            <a:r>
-              <a:rPr lang="en-US" sz="2400" dirty="0" err="1" smtClean="0"/>
-              <a:t>spod_pres</a:t>
-            </a:r>
-            <a:r>
-              <a:rPr lang="en-US" sz="2400" dirty="0" smtClean="0"/>
-              <a:t> </a:t>
-            </a:r>
-            <a:r>
-              <a:rPr lang="en-US" sz="2400" dirty="0"/>
-              <a:t>~ dem10m + </a:t>
-            </a:r>
-            <a:r>
-              <a:rPr lang="en-US" sz="2400" dirty="0" err="1" smtClean="0"/>
-              <a:t>eastness</a:t>
-            </a:r>
-            <a:r>
-              <a:rPr lang="en-US" sz="2400" dirty="0" smtClean="0"/>
-              <a:t> </a:t>
-            </a:r>
-            <a:r>
-              <a:rPr lang="en-US" sz="2400" dirty="0"/>
-              <a:t>+ </a:t>
-            </a:r>
-            <a:r>
-              <a:rPr lang="en-US" sz="2400" dirty="0" err="1" smtClean="0"/>
-              <a:t>northness</a:t>
-            </a:r>
-            <a:r>
-              <a:rPr lang="en-US" sz="2400" dirty="0" smtClean="0"/>
-              <a:t> + </a:t>
-            </a:r>
-            <a:r>
-              <a:rPr lang="en-US" sz="2400" dirty="0" err="1" smtClean="0"/>
-              <a:t>maxent</a:t>
-            </a:r>
-            <a:r>
-              <a:rPr lang="en-US" sz="2400" dirty="0" smtClean="0"/>
-              <a:t>, data=pts)</a:t>
-            </a:r>
-          </a:p>
-          <a:p>
-            <a:pPr marL="0" indent="0">
-              <a:buNone/>
-            </a:pPr>
-            <a:endParaRPr lang="en-US" sz="2400" dirty="0"/>
-          </a:p>
-          <a:p>
-            <a:pPr marL="0" indent="0">
-              <a:buNone/>
-            </a:pPr>
-            <a:r>
-              <a:rPr lang="en-US" sz="2400" dirty="0" err="1" smtClean="0"/>
-              <a:t>spod_pres</a:t>
-            </a:r>
-            <a:r>
-              <a:rPr lang="en-US" sz="2400" dirty="0" smtClean="0"/>
-              <a:t> = dependent variable</a:t>
-            </a:r>
-          </a:p>
-          <a:p>
-            <a:pPr marL="0" indent="0">
-              <a:buNone/>
-            </a:pPr>
-            <a:endParaRPr lang="en-US" sz="2400" dirty="0" smtClean="0"/>
-          </a:p>
-          <a:p>
-            <a:pPr marL="0" indent="0">
-              <a:buNone/>
-            </a:pPr>
-            <a:r>
-              <a:rPr lang="en-US" sz="2400" dirty="0" smtClean="0"/>
-              <a:t>dem10m, </a:t>
-            </a:r>
-            <a:r>
-              <a:rPr lang="en-US" sz="2400" dirty="0" err="1" smtClean="0"/>
-              <a:t>eastness</a:t>
-            </a:r>
-            <a:r>
-              <a:rPr lang="en-US" sz="2400" dirty="0" smtClean="0"/>
-              <a:t>, </a:t>
-            </a:r>
-            <a:r>
-              <a:rPr lang="en-US" sz="2400" dirty="0" err="1" smtClean="0"/>
-              <a:t>northness</a:t>
-            </a:r>
-            <a:r>
-              <a:rPr lang="en-US" sz="2400" dirty="0" smtClean="0"/>
-              <a:t>, </a:t>
-            </a:r>
-            <a:r>
-              <a:rPr lang="en-US" sz="2400" dirty="0" err="1" smtClean="0"/>
-              <a:t>maxent</a:t>
-            </a:r>
-            <a:r>
-              <a:rPr lang="en-US" sz="2400" dirty="0" smtClean="0"/>
-              <a:t> = independent variables aka</a:t>
-            </a:r>
-          </a:p>
-          <a:p>
-            <a:pPr marL="0" indent="0">
-              <a:buNone/>
-            </a:pPr>
-            <a:r>
-              <a:rPr lang="en-US" sz="2400" dirty="0" smtClean="0"/>
-              <a:t>predictors</a:t>
-            </a:r>
-          </a:p>
-          <a:p>
-            <a:pPr marL="0" indent="0">
-              <a:buNone/>
-            </a:pPr>
-            <a:endParaRPr lang="en-US" sz="2400" dirty="0"/>
-          </a:p>
-          <a:p>
-            <a:pPr marL="0" indent="0">
-              <a:buNone/>
-            </a:pPr>
-            <a:r>
-              <a:rPr lang="en-US" sz="2400" dirty="0" smtClean="0"/>
-              <a:t> </a:t>
-            </a:r>
-          </a:p>
-          <a:p>
-            <a:pPr marL="0" indent="0">
-              <a:buNone/>
-            </a:pPr>
-            <a:endParaRPr lang="en-US" sz="2400" dirty="0"/>
-          </a:p>
-          <a:p>
-            <a:pPr marL="0" indent="0">
-              <a:buNone/>
-            </a:pPr>
-            <a:endParaRPr lang="en-US" sz="2400" dirty="0" smtClean="0"/>
-          </a:p>
-        </p:txBody>
-      </p:sp>
-      <p:sp>
-        <p:nvSpPr>
-          <p:cNvPr id="4" name="Title 23"/>
+            <a:r>
+              <a:rPr lang="en-US" sz="3000" dirty="0" smtClean="0"/>
+              <a:t>Explore </a:t>
+            </a:r>
+            <a:r>
+              <a:rPr lang="en-US" sz="3000" dirty="0" err="1" smtClean="0"/>
+              <a:t>spodic</a:t>
+            </a:r>
+            <a:r>
+              <a:rPr lang="en-US" sz="3000" dirty="0" smtClean="0"/>
+              <a:t> presence using a new field with a different classification of presence as the </a:t>
+            </a:r>
+            <a:r>
+              <a:rPr lang="en-US" sz="3000" dirty="0" smtClean="0"/>
+              <a:t>dependent variable.</a:t>
+            </a:r>
+            <a:endParaRPr lang="en-US" sz="3000" dirty="0"/>
+          </a:p>
+          <a:p>
+            <a:r>
+              <a:rPr lang="en-US" sz="3000" dirty="0" smtClean="0"/>
+              <a:t>Reclassify </a:t>
+            </a:r>
+            <a:r>
+              <a:rPr lang="en-US" sz="3000" dirty="0" smtClean="0"/>
+              <a:t>other </a:t>
+            </a:r>
+            <a:r>
+              <a:rPr lang="en-US" sz="3000" dirty="0" smtClean="0"/>
+              <a:t>potential variables for </a:t>
+            </a:r>
+            <a:r>
+              <a:rPr lang="en-US" sz="3000" dirty="0" smtClean="0"/>
+              <a:t>presence (0 = absent, 1 = present), such as:</a:t>
+            </a:r>
+            <a:endParaRPr lang="en-US" sz="3000" dirty="0" smtClean="0"/>
+          </a:p>
+          <a:p>
+            <a:pPr lvl="1"/>
+            <a:r>
+              <a:rPr lang="en-US" sz="2600" dirty="0" err="1" smtClean="0"/>
+              <a:t>Folistic</a:t>
+            </a:r>
+            <a:r>
+              <a:rPr lang="en-US" sz="2600" dirty="0" smtClean="0"/>
+              <a:t> Epipedon  </a:t>
+            </a:r>
+            <a:endParaRPr lang="en-US" sz="2600" dirty="0" smtClean="0"/>
+          </a:p>
+          <a:p>
+            <a:pPr lvl="1"/>
+            <a:r>
+              <a:rPr lang="en-US" sz="2600" dirty="0" smtClean="0"/>
+              <a:t>“Off</a:t>
+            </a:r>
+            <a:r>
+              <a:rPr lang="en-US" sz="2600" dirty="0" smtClean="0"/>
+              <a:t>” drainage</a:t>
+            </a:r>
+          </a:p>
+          <a:p>
+            <a:pPr lvl="1"/>
+            <a:r>
+              <a:rPr lang="en-US" sz="2600" dirty="0" smtClean="0"/>
+              <a:t>Stoniness</a:t>
+            </a:r>
+          </a:p>
+          <a:p>
+            <a:pPr lvl="1"/>
+            <a:r>
+              <a:rPr lang="en-US" sz="2600" dirty="0" err="1" smtClean="0"/>
+              <a:t>Fragipan</a:t>
+            </a:r>
+            <a:endParaRPr lang="en-US" sz="2600" dirty="0" smtClean="0"/>
+          </a:p>
+        </p:txBody>
+      </p:sp>
+      <p:sp>
+        <p:nvSpPr>
+          <p:cNvPr id="5" name="Title 22"/>
           <p:cNvSpPr txBox="1">
             <a:spLocks/>
           </p:cNvSpPr>
@@ -8806,8 +9002,8 @@
         </p:nvSpPr>
         <p:spPr>
           <a:xfrm>
-            <a:off x="381000" y="152400"/>
-            <a:ext cx="8229600" cy="914400"/>
+            <a:off x="533400" y="-4292"/>
+            <a:ext cx="7772400" cy="1470025"/>
           </a:xfrm>
           <a:prstGeom prst="rect">
             <a:avLst/>
@@ -8815,7 +9011,7 @@
         </p:spPr>
         <p:txBody>
           <a:bodyPr vert="horz" lIns="91440" tIns="45720" rIns="91440" bIns="45720" rtlCol="0" anchor="ctr">
-            <a:normAutofit fontScale="75000" lnSpcReduction="20000"/>
+            <a:normAutofit/>
           </a:bodyPr>
           <a:lstStyle>
             <a:lvl1pPr algn="ctr" defTabSz="914400" rtl="0" eaLnBrk="1" latinLnBrk="0" hangingPunct="1">
@@ -8842,24 +9038,27 @@
           </a:lstStyle>
           <a:p>
             <a:r>
-              <a:rPr lang="en-US" dirty="0" smtClean="0"/>
-              <a:t>Logistic regression</a:t>
-            </a:r>
-            <a:br>
-              <a:rPr lang="en-US" dirty="0" smtClean="0"/>
-            </a:br>
-            <a:r>
-              <a:rPr lang="en-US" dirty="0" smtClean="0"/>
-              <a:t>example</a:t>
-            </a:r>
-            <a:endParaRPr lang="en-US" dirty="0"/>
+              <a:rPr lang="en-US" sz="3600" dirty="0" smtClean="0"/>
+              <a:t>Logistic Regression Exercise:</a:t>
+            </a:r>
+          </a:p>
+          <a:p>
+            <a:r>
+              <a:rPr lang="en-US" sz="3600" dirty="0" err="1" smtClean="0"/>
+              <a:t>Spodic</a:t>
+            </a:r>
+            <a:r>
+              <a:rPr lang="en-US" sz="3600" dirty="0" smtClean="0"/>
+              <a:t> Presence</a:t>
+            </a:r>
+            <a:endParaRPr lang="en-US" sz="3600" dirty="0"/>
           </a:p>
         </p:txBody>
       </p:sp>
     </p:spTree>
     <p:extLst>
       <p:ext uri="{BB962C8B-B14F-4D97-AF65-F5344CB8AC3E}">
-        <p14:creationId xmlns:p14="http://schemas.microsoft.com/office/powerpoint/2010/main" val="2237869391"/>
+        <p14:creationId xmlns:p14="http://schemas.microsoft.com/office/powerpoint/2010/main" val="213924372"/>
       </p:ext>
     </p:extLst>
   </p:cSld>
@@ -8882,10 +9081,7 @@
     <p:bg>
       <p:bgPr>
         <a:solidFill>
-          <a:schemeClr val="bg2">
-            <a:lumMod val="40000"/>
-            <a:lumOff val="60000"/>
-          </a:schemeClr>
+          <a:schemeClr val="bg2"/>
         </a:solidFill>
         <a:effectLst/>
       </p:bgPr>
@@ -8916,108 +9112,38 @@
         </p:nvSpPr>
         <p:spPr>
           <a:xfrm>
-            <a:off x="76200" y="1104900"/>
-            <a:ext cx="8839200" cy="5486400"/>
+            <a:off x="381000" y="1219200"/>
+            <a:ext cx="8610600" cy="5486400"/>
           </a:xfrm>
         </p:spPr>
         <p:txBody>
-          <a:bodyPr>
-            <a:normAutofit/>
-          </a:bodyPr>
-          <a:lstStyle/>
-          <a:p>
-            <a:pPr marL="0" indent="0">
-              <a:buNone/>
-            </a:pPr>
-            <a:r>
-              <a:rPr lang="en-US" sz="2400" dirty="0" smtClean="0"/>
-              <a:t>GLM.1 </a:t>
-            </a:r>
-            <a:r>
-              <a:rPr lang="en-US" sz="2400" dirty="0"/>
-              <a:t>&lt;- </a:t>
-            </a:r>
-            <a:r>
-              <a:rPr lang="en-US" sz="2400" dirty="0" err="1" smtClean="0"/>
-              <a:t>lrm</a:t>
-            </a:r>
-            <a:r>
-              <a:rPr lang="en-US" sz="2400" dirty="0" smtClean="0"/>
-              <a:t>(</a:t>
-            </a:r>
-            <a:r>
-              <a:rPr lang="en-US" sz="2400" dirty="0" err="1" smtClean="0"/>
-              <a:t>spod_pres</a:t>
-            </a:r>
-            <a:r>
-              <a:rPr lang="en-US" sz="2400" dirty="0" smtClean="0"/>
-              <a:t> </a:t>
-            </a:r>
-            <a:r>
-              <a:rPr lang="en-US" sz="2400" dirty="0"/>
-              <a:t>~ dem10m + </a:t>
-            </a:r>
-            <a:r>
-              <a:rPr lang="en-US" sz="2400" dirty="0" err="1" smtClean="0"/>
-              <a:t>eastness</a:t>
-            </a:r>
-            <a:r>
-              <a:rPr lang="en-US" sz="2400" dirty="0" smtClean="0"/>
-              <a:t> </a:t>
-            </a:r>
-            <a:r>
-              <a:rPr lang="en-US" sz="2400" dirty="0"/>
-              <a:t>+ </a:t>
-            </a:r>
-            <a:r>
-              <a:rPr lang="en-US" sz="2400" dirty="0" err="1" smtClean="0"/>
-              <a:t>northness</a:t>
-            </a:r>
-            <a:r>
-              <a:rPr lang="en-US" sz="2400" dirty="0" smtClean="0"/>
-              <a:t> + </a:t>
-            </a:r>
-            <a:r>
-              <a:rPr lang="en-US" sz="2400" dirty="0" err="1" smtClean="0"/>
-              <a:t>maxent</a:t>
-            </a:r>
-            <a:r>
-              <a:rPr lang="en-US" sz="2400" dirty="0" smtClean="0"/>
-              <a:t>, data=pts)</a:t>
-            </a:r>
-          </a:p>
-          <a:p>
-            <a:pPr marL="0" indent="0">
-              <a:buNone/>
-            </a:pPr>
-            <a:endParaRPr lang="en-US" sz="2400" dirty="0"/>
-          </a:p>
-          <a:p>
-            <a:pPr marL="0" indent="0">
-              <a:buNone/>
-            </a:pPr>
-            <a:r>
-              <a:rPr lang="en-US" sz="2400" dirty="0" smtClean="0"/>
-              <a:t>print(GLM.1)</a:t>
-            </a:r>
-          </a:p>
-          <a:p>
-            <a:pPr marL="0" indent="0">
-              <a:buNone/>
-            </a:pPr>
-            <a:endParaRPr lang="en-US" sz="2400" dirty="0" smtClean="0"/>
-          </a:p>
-          <a:p>
-            <a:pPr marL="0" indent="0">
-              <a:buNone/>
-            </a:pPr>
-            <a:endParaRPr lang="en-US" sz="2400" dirty="0"/>
-          </a:p>
-          <a:p>
-            <a:pPr marL="0" indent="0">
-              <a:buNone/>
-            </a:pPr>
-            <a:endParaRPr lang="en-US" sz="2400" dirty="0" smtClean="0"/>
+          <a:bodyPr/>
+          <a:lstStyle/>
+          <a:p>
+            <a:r>
+              <a:rPr lang="en-US" dirty="0" err="1" smtClean="0"/>
+              <a:t>Rcmdr</a:t>
+            </a:r>
+            <a:r>
+              <a:rPr lang="en-US" dirty="0" smtClean="0"/>
+              <a:t> has </a:t>
+            </a:r>
+            <a:r>
+              <a:rPr lang="en-US" dirty="0" smtClean="0"/>
+              <a:t>a logistic </a:t>
+            </a:r>
+            <a:r>
+              <a:rPr lang="en-US" dirty="0" smtClean="0"/>
+              <a:t>regression </a:t>
+            </a:r>
+            <a:r>
+              <a:rPr lang="en-US" dirty="0" smtClean="0"/>
+              <a:t>option</a:t>
+            </a:r>
+            <a:endParaRPr lang="en-US" dirty="0" smtClean="0"/>
+          </a:p>
+          <a:p>
+            <a:endParaRPr lang="en-US" dirty="0" smtClean="0"/>
           </a:p>
         </p:txBody>
       </p:sp>
@@ -9040,7 +9166,7 @@
         </p:spPr>
         <p:txBody>
           <a:bodyPr vert="horz" lIns="91440" tIns="45720" rIns="91440" bIns="45720" rtlCol="0" anchor="ctr">
-            <a:normAutofit fontScale="75000" lnSpcReduction="20000"/>
+            <a:noAutofit/>
           </a:bodyPr>
           <a:lstStyle>
             <a:lvl1pPr algn="ctr" defTabSz="914400" rtl="0" eaLnBrk="1" latinLnBrk="0" hangingPunct="1">
@@ -9067,733 +9193,33 @@
           </a:lstStyle>
           <a:p>
             <a:r>
-              <a:rPr lang="en-US" dirty="0" smtClean="0"/>
-              <a:t>Logistic regression</a:t>
+              <a:rPr lang="en-US" sz="3600" dirty="0" smtClean="0"/>
+              <a:t>Logistic </a:t>
+            </a:r>
+            <a:r>
+              <a:rPr lang="en-US" sz="3600" dirty="0" smtClean="0"/>
+              <a:t>Regression </a:t>
+            </a:r>
+            <a:r>
+              <a:rPr lang="en-US" sz="3600" dirty="0" smtClean="0"/>
+              <a:t>(Appendix)</a:t>
             </a:r>
             <a:br>
-              <a:rPr lang="en-US" dirty="0" smtClean="0"/>
+              <a:rPr lang="en-US" sz="3600" dirty="0" smtClean="0"/>
             </a:br>
             <a:r>
-              <a:rPr lang="en-US" dirty="0" smtClean="0"/>
-              <a:t>example</a:t>
-            </a:r>
-            <a:endParaRPr lang="en-US" dirty="0"/>
-          </a:p>
-        </p:txBody>
-      </p:sp>
-      <p:pic>
-        <p:nvPicPr>
-          <p:cNvPr id="1026" name="Picture 2"/>
-          <p:cNvPicPr>
-            <a:picLocks noChangeAspect="1" noChangeArrowheads="1"/>
-          </p:cNvPicPr>
-          <p:nvPr/>
-        </p:nvPicPr>
-        <p:blipFill>
-          <a:blip r:embed="rId3">
-            <a:extLst>
-              <a:ext uri="{28A0092B-C50C-407E-A947-70E740481C1C}">
-                <a14:useLocalDpi xmlns:a14="http://schemas.microsoft.com/office/drawing/2010/main" val="0"/>
-              </a:ext>
-            </a:extLst>
-          </a:blip>
-          <a:srcRect/>
-          <a:stretch>
-            <a:fillRect/>
-          </a:stretch>
-        </p:blipFill>
-        <p:spPr bwMode="auto">
-          <a:xfrm>
-            <a:off x="533400" y="3200400"/>
-            <a:ext cx="5972175" cy="3038475"/>
-          </a:xfrm>
-          <a:prstGeom prst="rect">
-            <a:avLst/>
-          </a:prstGeom>
-          <a:noFill/>
-          <a:ln>
-            <a:noFill/>
-          </a:ln>
-          <a:extLst>
-            <a:ext uri="{909E8E84-426E-40DD-AFC4-6F175D3DCCD1}">
-              <a14:hiddenFill xmlns:a14="http://schemas.microsoft.com/office/drawing/2010/main">
-                <a:solidFill>
-                  <a:schemeClr val="accent1"/>
-                </a:solidFill>
-              </a14:hiddenFill>
-            </a:ext>
-            <a:ext uri="{91240B29-F687-4F45-9708-019B960494DF}">
-              <a14:hiddenLine xmlns:a14="http://schemas.microsoft.com/office/drawing/2010/main" w="9525">
-                <a:solidFill>
-                  <a:schemeClr val="tx1"/>
-                </a:solidFill>
-                <a:miter lim="800000"/>
-                <a:headEnd/>
-                <a:tailEnd/>
-              </a14:hiddenLine>
-            </a:ext>
-          </a:extLst>
-        </p:spPr>
-      </p:pic>
-    </p:spTree>
-    <p:extLst>
-      <p:ext uri="{BB962C8B-B14F-4D97-AF65-F5344CB8AC3E}">
-        <p14:creationId xmlns:p14="http://schemas.microsoft.com/office/powerpoint/2010/main" val="3514818109"/>
-      </p:ext>
-    </p:extLst>
-  </p:cSld>
-  <p:clrMapOvr>
-    <a:masterClrMapping/>
-  </p:clrMapOvr>
-  <p:timing>
-    <p:tnLst>
-      <p:par>
-        <p:cTn id="1" dur="indefinite" restart="never" nodeType="tmRoot"/>
-      </p:par>
-    </p:tnLst>
-  </p:timing>
-</p:sld>
-</file>
-
-<file path=ppt/slides/slide22.xml><?xml version="1.0" encoding="utf-8"?>
-<p:sld xmlns:a="http://schemas.openxmlformats.org/drawingml/2006/main" xmlns:r="http://schemas.openxmlformats.org/officeDocument/2006/relationships" xmlns:p="http://schemas.openxmlformats.org/presentationml/2006/main">
-  <p:cSld>
-    <p:bg>
-      <p:bgPr>
-        <a:solidFill>
-          <a:schemeClr val="bg2">
-            <a:lumMod val="40000"/>
-            <a:lumOff val="60000"/>
-          </a:schemeClr>
-        </a:solidFill>
-        <a:effectLst/>
-      </p:bgPr>
-    </p:bg>
-    <p:spTree>
-      <p:nvGrpSpPr>
-        <p:cNvPr id="1" name=""/>
-        <p:cNvGrpSpPr/>
-        <p:nvPr/>
-      </p:nvGrpSpPr>
-      <p:grpSpPr>
-        <a:xfrm>
-          <a:off x="0" y="0"/>
-          <a:ext cx="0" cy="0"/>
-          <a:chOff x="0" y="0"/>
-          <a:chExt cx="0" cy="0"/>
-        </a:xfrm>
-      </p:grpSpPr>
-      <p:sp>
-        <p:nvSpPr>
-          <p:cNvPr id="25" name="Content Placeholder 24"/>
-          <p:cNvSpPr>
-            <a:spLocks noGrp="1"/>
-          </p:cNvSpPr>
-          <p:nvPr>
-            <p:ph idx="1"/>
-          </p:nvPr>
-        </p:nvSpPr>
-        <p:spPr>
-          <a:xfrm>
-            <a:off x="152400" y="1219200"/>
-            <a:ext cx="8915400" cy="5486400"/>
-          </a:xfrm>
-        </p:spPr>
-        <p:txBody>
-          <a:bodyPr/>
-          <a:lstStyle/>
-          <a:p>
-            <a:r>
-              <a:rPr lang="en-US" dirty="0" smtClean="0"/>
-              <a:t>For demonstration purposes use this to fit the model to your raster data</a:t>
-            </a:r>
-          </a:p>
-          <a:p>
-            <a:pPr marL="0" indent="0">
-              <a:buNone/>
-            </a:pPr>
-            <a:r>
-              <a:rPr lang="en-US" dirty="0" smtClean="0"/>
-              <a:t>Type the following in R:</a:t>
-            </a:r>
-          </a:p>
-          <a:p>
-            <a:pPr marL="0" indent="0">
-              <a:buNone/>
-            </a:pPr>
-            <a:endParaRPr lang="en-US" sz="2400" dirty="0" smtClean="0"/>
-          </a:p>
-          <a:p>
-            <a:pPr marL="0" indent="0">
-              <a:buNone/>
-            </a:pPr>
-            <a:r>
-              <a:rPr lang="en-US" sz="1400" dirty="0" smtClean="0"/>
-              <a:t>rasters=stack(</a:t>
-            </a:r>
-            <a:r>
-              <a:rPr lang="en-US" sz="1400" dirty="0" err="1" smtClean="0"/>
-              <a:t>list.files</a:t>
-            </a:r>
-            <a:r>
-              <a:rPr lang="en-US" sz="1400" dirty="0" smtClean="0"/>
-              <a:t>(</a:t>
-            </a:r>
-            <a:r>
-              <a:rPr lang="en-US" sz="1400" dirty="0" err="1" smtClean="0"/>
-              <a:t>getwd</a:t>
-            </a:r>
-            <a:r>
-              <a:rPr lang="en-US" sz="1400" dirty="0"/>
-              <a:t>(),pattern="</a:t>
-            </a:r>
-            <a:r>
-              <a:rPr lang="en-US" sz="1400" dirty="0" err="1"/>
-              <a:t>img</a:t>
-            </a:r>
-            <a:r>
-              <a:rPr lang="en-US" sz="1400" dirty="0"/>
-              <a:t>$",</a:t>
-            </a:r>
-            <a:r>
-              <a:rPr lang="en-US" sz="1400" dirty="0" err="1"/>
-              <a:t>full.names</a:t>
-            </a:r>
-            <a:r>
-              <a:rPr lang="en-US" sz="1400" dirty="0"/>
-              <a:t>=FALSE</a:t>
-            </a:r>
-            <a:r>
-              <a:rPr lang="en-US" sz="1400" dirty="0" smtClean="0"/>
-              <a:t>))</a:t>
-            </a:r>
-          </a:p>
-          <a:p>
-            <a:pPr marL="0" indent="0">
-              <a:buNone/>
-            </a:pPr>
-            <a:endParaRPr lang="en-US" sz="1400" dirty="0"/>
-          </a:p>
-          <a:p>
-            <a:pPr marL="0" indent="0">
-              <a:buNone/>
-            </a:pPr>
-            <a:r>
-              <a:rPr lang="en-US" sz="1400" dirty="0"/>
-              <a:t>rasters </a:t>
-            </a:r>
-            <a:endParaRPr lang="en-US" sz="1400" dirty="0" smtClean="0"/>
-          </a:p>
-          <a:p>
-            <a:pPr marL="0" indent="0">
-              <a:buNone/>
-            </a:pPr>
-            <a:endParaRPr lang="en-US" sz="1400" dirty="0"/>
-          </a:p>
-          <a:p>
-            <a:pPr marL="0" indent="0">
-              <a:buNone/>
-            </a:pPr>
-            <a:r>
-              <a:rPr lang="en-US" sz="1400" dirty="0" smtClean="0"/>
-              <a:t>predict(rasters,GLM.1, </a:t>
-            </a:r>
-            <a:r>
-              <a:rPr lang="en-US" sz="1400" dirty="0"/>
-              <a:t>type="</a:t>
-            </a:r>
-            <a:r>
-              <a:rPr lang="en-US" sz="1400" dirty="0" err="1"/>
-              <a:t>fitted",progress</a:t>
-            </a:r>
-            <a:r>
-              <a:rPr lang="en-US" sz="1400" dirty="0"/>
-              <a:t>="</a:t>
-            </a:r>
-            <a:r>
-              <a:rPr lang="en-US" sz="1400" dirty="0" err="1"/>
-              <a:t>window",overwrite</a:t>
-            </a:r>
-            <a:r>
-              <a:rPr lang="en-US" sz="1400" dirty="0"/>
-              <a:t>=</a:t>
-            </a:r>
-            <a:r>
-              <a:rPr lang="en-US" sz="1400" dirty="0" err="1"/>
-              <a:t>TRUE,filename</a:t>
-            </a:r>
-            <a:r>
-              <a:rPr lang="en-US" sz="1400" dirty="0"/>
-              <a:t>="</a:t>
-            </a:r>
-            <a:r>
-              <a:rPr lang="en-US" sz="1400" dirty="0" smtClean="0"/>
-              <a:t>spodic_con_GLM1.img")</a:t>
-            </a:r>
-          </a:p>
-          <a:p>
-            <a:pPr marL="0" indent="0">
-              <a:buNone/>
-            </a:pPr>
-            <a:endParaRPr lang="en-US" sz="1400" dirty="0"/>
-          </a:p>
-          <a:p>
-            <a:r>
-              <a:rPr lang="en-US" dirty="0" smtClean="0"/>
-              <a:t>Add the raster </a:t>
-            </a:r>
-            <a:r>
-              <a:rPr lang="en-US" dirty="0"/>
-              <a:t>="</a:t>
-            </a:r>
-            <a:r>
-              <a:rPr lang="en-US" sz="2800" b="1" dirty="0" smtClean="0"/>
-              <a:t>spodic_con_GLM1.img</a:t>
-            </a:r>
-            <a:r>
-              <a:rPr lang="en-US" dirty="0" smtClean="0"/>
-              <a:t>“ to ArcGIS</a:t>
-            </a:r>
-          </a:p>
-          <a:p>
-            <a:pPr marL="0" indent="0">
-              <a:buNone/>
-            </a:pPr>
-            <a:endParaRPr lang="en-US" dirty="0"/>
-          </a:p>
-          <a:p>
-            <a:r>
-              <a:rPr lang="en-US" dirty="0" smtClean="0"/>
-              <a:t>Does it look reasonable?</a:t>
-            </a:r>
-          </a:p>
-        </p:txBody>
-      </p:sp>
-      <p:sp>
-        <p:nvSpPr>
-          <p:cNvPr id="4" name="Title 23"/>
-          <p:cNvSpPr txBox="1">
-            <a:spLocks/>
-          </p:cNvSpPr>
-          <p:nvPr/>
-        </p:nvSpPr>
-        <p:spPr>
-          <a:xfrm>
-            <a:off x="381000" y="152400"/>
-            <a:ext cx="8229600" cy="914400"/>
-          </a:xfrm>
-          <a:prstGeom prst="rect">
-            <a:avLst/>
-          </a:prstGeom>
-        </p:spPr>
-        <p:txBody>
-          <a:bodyPr vert="horz" lIns="91440" tIns="45720" rIns="91440" bIns="45720" rtlCol="0" anchor="ctr">
-            <a:normAutofit fontScale="75000" lnSpcReduction="20000"/>
-          </a:bodyPr>
-          <a:lstStyle>
-            <a:lvl1pPr algn="ctr" defTabSz="914400" rtl="0" eaLnBrk="1" latinLnBrk="0" hangingPunct="1">
-              <a:spcBef>
-                <a:spcPct val="0"/>
-              </a:spcBef>
-              <a:buNone/>
-              <a:defRPr sz="4400" b="1" kern="1200">
-                <a:solidFill>
-                  <a:srgbClr val="FFC000"/>
-                </a:solidFill>
-                <a:effectLst>
-                  <a:outerShdw blurRad="38100" dist="38100" dir="2700000" algn="tl">
-                    <a:srgbClr val="000000">
-                      <a:alpha val="43137"/>
-                    </a:srgbClr>
-                  </a:outerShdw>
-                </a:effectLst>
-                <a:latin typeface="+mj-lt"/>
-                <a:ea typeface="+mj-ea"/>
-                <a:cs typeface="+mj-cs"/>
-              </a:defRPr>
-            </a:lvl1pPr>
-          </a:lstStyle>
-          <a:p>
-            <a:r>
-              <a:rPr lang="en-US" dirty="0" smtClean="0"/>
-              <a:t>Logistic regression</a:t>
-            </a:r>
-            <a:br>
-              <a:rPr lang="en-US" dirty="0" smtClean="0"/>
-            </a:br>
-            <a:r>
-              <a:rPr lang="en-US" dirty="0" smtClean="0"/>
-              <a:t>example</a:t>
-            </a:r>
-            <a:endParaRPr lang="en-US" dirty="0"/>
-          </a:p>
-        </p:txBody>
-      </p:sp>
-    </p:spTree>
-    <p:extLst>
-      <p:ext uri="{BB962C8B-B14F-4D97-AF65-F5344CB8AC3E}">
-        <p14:creationId xmlns:p14="http://schemas.microsoft.com/office/powerpoint/2010/main" val="213924372"/>
-      </p:ext>
-    </p:extLst>
-  </p:cSld>
-  <p:clrMapOvr>
-    <a:masterClrMapping/>
-  </p:clrMapOvr>
-  <p:timing>
-    <p:tnLst>
-      <p:par>
-        <p:cTn id="1" dur="indefinite" restart="never" nodeType="tmRoot"/>
-      </p:par>
-    </p:tnLst>
-  </p:timing>
-</p:sld>
-</file>
-
-<file path=ppt/slides/slide23.xml><?xml version="1.0" encoding="utf-8"?>
-<p:sld xmlns:a="http://schemas.openxmlformats.org/drawingml/2006/main" xmlns:r="http://schemas.openxmlformats.org/officeDocument/2006/relationships" xmlns:p="http://schemas.openxmlformats.org/presentationml/2006/main">
-  <p:cSld>
-    <p:bg>
-      <p:bgPr>
-        <a:solidFill>
-          <a:schemeClr val="bg2">
-            <a:lumMod val="40000"/>
-            <a:lumOff val="60000"/>
-          </a:schemeClr>
-        </a:solidFill>
-        <a:effectLst/>
-      </p:bgPr>
-    </p:bg>
-    <p:spTree>
-      <p:nvGrpSpPr>
-        <p:cNvPr id="1" name=""/>
-        <p:cNvGrpSpPr/>
-        <p:nvPr/>
-      </p:nvGrpSpPr>
-      <p:grpSpPr>
-        <a:xfrm>
-          <a:off x="0" y="0"/>
-          <a:ext cx="0" cy="0"/>
-          <a:chOff x="0" y="0"/>
-          <a:chExt cx="0" cy="0"/>
-        </a:xfrm>
-      </p:grpSpPr>
-      <p:sp>
-        <p:nvSpPr>
-          <p:cNvPr id="25" name="Content Placeholder 24"/>
-          <p:cNvSpPr>
-            <a:spLocks noGrp="1"/>
-          </p:cNvSpPr>
-          <p:nvPr>
-            <p:ph idx="1"/>
-          </p:nvPr>
-        </p:nvSpPr>
-        <p:spPr>
-          <a:xfrm>
-            <a:off x="0" y="1143000"/>
-            <a:ext cx="9067800" cy="5486400"/>
-          </a:xfrm>
-        </p:spPr>
-        <p:txBody>
-          <a:bodyPr>
-            <a:normAutofit lnSpcReduction="10000"/>
-          </a:bodyPr>
-          <a:lstStyle/>
-          <a:p>
-            <a:r>
-              <a:rPr lang="en-US" dirty="0" smtClean="0"/>
-              <a:t>Explore </a:t>
-            </a:r>
-            <a:r>
-              <a:rPr lang="en-US" dirty="0" err="1" smtClean="0"/>
-              <a:t>spodic</a:t>
-            </a:r>
-            <a:r>
-              <a:rPr lang="en-US" dirty="0" smtClean="0"/>
-              <a:t> presence using a new field with a different classification of presence as the dependent</a:t>
-            </a:r>
-          </a:p>
-          <a:p>
-            <a:pPr marL="0" indent="0">
-              <a:buNone/>
-            </a:pPr>
-            <a:r>
-              <a:rPr lang="en-US" dirty="0"/>
+              <a:rPr lang="en-US" sz="3600" dirty="0" err="1" smtClean="0"/>
+              <a:t>Rcmdr</a:t>
+            </a:r>
+            <a:r>
+              <a:rPr lang="en-US" sz="3600" dirty="0" smtClean="0"/>
               <a:t> </a:t>
             </a:r>
             <a:r>
-              <a:rPr lang="en-US" dirty="0" smtClean="0"/>
-              <a:t>   variable</a:t>
-            </a:r>
-            <a:endParaRPr lang="en-US" dirty="0"/>
-          </a:p>
-          <a:p>
-            <a:r>
-              <a:rPr lang="en-US" dirty="0"/>
-              <a:t>T</a:t>
-            </a:r>
-            <a:r>
-              <a:rPr lang="en-US" dirty="0" smtClean="0"/>
-              <a:t>est other potential variables for presence, like:</a:t>
-            </a:r>
-          </a:p>
-          <a:p>
-            <a:pPr lvl="1"/>
-            <a:r>
-              <a:rPr lang="en-US" dirty="0" err="1" smtClean="0"/>
-              <a:t>Folist</a:t>
-            </a:r>
-            <a:r>
-              <a:rPr lang="en-US" dirty="0" smtClean="0"/>
-              <a:t>  </a:t>
-            </a:r>
-          </a:p>
-          <a:p>
-            <a:pPr lvl="1"/>
-            <a:r>
-              <a:rPr lang="en-US" dirty="0" smtClean="0"/>
-              <a:t>“off” drainage</a:t>
-            </a:r>
-          </a:p>
-          <a:p>
-            <a:pPr lvl="1"/>
-            <a:r>
-              <a:rPr lang="en-US" dirty="0" smtClean="0"/>
-              <a:t>Stoniness</a:t>
-            </a:r>
-          </a:p>
-          <a:p>
-            <a:pPr lvl="1"/>
-            <a:r>
-              <a:rPr lang="en-US" dirty="0" err="1" smtClean="0"/>
-              <a:t>Fragic</a:t>
-            </a:r>
-            <a:endParaRPr lang="en-US" dirty="0" smtClean="0"/>
-          </a:p>
-          <a:p>
-            <a:pPr marL="457200" lvl="1" indent="0">
-              <a:buNone/>
-            </a:pPr>
-            <a:endParaRPr lang="en-US" dirty="0" smtClean="0"/>
-          </a:p>
-          <a:p>
-            <a:pPr marL="457200" lvl="1" indent="0">
-              <a:buNone/>
-            </a:pPr>
-            <a:r>
-              <a:rPr lang="en-US" dirty="0"/>
-              <a:t>C</a:t>
-            </a:r>
-            <a:r>
-              <a:rPr lang="en-US" dirty="0" smtClean="0"/>
-              <a:t>reate columns and populate as 0 or 1 as appropriate</a:t>
-            </a:r>
-            <a:endParaRPr lang="en-US" dirty="0"/>
-          </a:p>
-        </p:txBody>
-      </p:sp>
-      <p:sp>
-        <p:nvSpPr>
-          <p:cNvPr id="4" name="Title 23"/>
-          <p:cNvSpPr txBox="1">
-            <a:spLocks/>
-          </p:cNvSpPr>
-          <p:nvPr/>
-        </p:nvSpPr>
-        <p:spPr>
-          <a:xfrm>
-            <a:off x="381000" y="152400"/>
-            <a:ext cx="8229600" cy="914400"/>
-          </a:xfrm>
-          <a:prstGeom prst="rect">
-            <a:avLst/>
-          </a:prstGeom>
-        </p:spPr>
-        <p:txBody>
-          <a:bodyPr vert="horz" lIns="91440" tIns="45720" rIns="91440" bIns="45720" rtlCol="0" anchor="ctr">
-            <a:normAutofit fontScale="75000" lnSpcReduction="20000"/>
-          </a:bodyPr>
-          <a:lstStyle>
-            <a:lvl1pPr algn="ctr" defTabSz="914400" rtl="0" eaLnBrk="1" latinLnBrk="0" hangingPunct="1">
-              <a:spcBef>
-                <a:spcPct val="0"/>
-              </a:spcBef>
-              <a:buNone/>
-              <a:defRPr sz="4400" b="1" kern="1200">
-                <a:solidFill>
-                  <a:srgbClr val="FFC000"/>
-                </a:solidFill>
-                <a:effectLst>
-                  <a:outerShdw blurRad="38100" dist="38100" dir="2700000" algn="tl">
-                    <a:srgbClr val="000000">
-                      <a:alpha val="43137"/>
-                    </a:srgbClr>
-                  </a:outerShdw>
-                </a:effectLst>
-                <a:latin typeface="+mj-lt"/>
-                <a:ea typeface="+mj-ea"/>
-                <a:cs typeface="+mj-cs"/>
-              </a:defRPr>
-            </a:lvl1pPr>
-          </a:lstStyle>
-          <a:p>
-            <a:r>
-              <a:rPr lang="en-US" dirty="0" smtClean="0"/>
-              <a:t>Logistic regression</a:t>
-            </a:r>
-            <a:br>
-              <a:rPr lang="en-US" dirty="0" smtClean="0"/>
-            </a:br>
-            <a:r>
-              <a:rPr lang="en-US" dirty="0" smtClean="0"/>
-              <a:t>example</a:t>
-            </a:r>
-            <a:endParaRPr lang="en-US" dirty="0"/>
-          </a:p>
-        </p:txBody>
-      </p:sp>
-    </p:spTree>
-    <p:extLst>
-      <p:ext uri="{BB962C8B-B14F-4D97-AF65-F5344CB8AC3E}">
-        <p14:creationId xmlns:p14="http://schemas.microsoft.com/office/powerpoint/2010/main" val="213924372"/>
-      </p:ext>
-    </p:extLst>
-  </p:cSld>
-  <p:clrMapOvr>
-    <a:masterClrMapping/>
-  </p:clrMapOvr>
-  <p:timing>
-    <p:tnLst>
-      <p:par>
-        <p:cTn id="1" dur="indefinite" restart="never" nodeType="tmRoot"/>
-      </p:par>
-    </p:tnLst>
-  </p:timing>
-</p:sld>
-</file>
-
-<file path=ppt/slides/slide24.xml><?xml version="1.0" encoding="utf-8"?>
-<p:sld xmlns:a="http://schemas.openxmlformats.org/drawingml/2006/main" xmlns:r="http://schemas.openxmlformats.org/officeDocument/2006/relationships" xmlns:p="http://schemas.openxmlformats.org/presentationml/2006/main">
-  <p:cSld>
-    <p:bg>
-      <p:bgPr>
-        <a:solidFill>
-          <a:schemeClr val="bg2">
-            <a:lumMod val="40000"/>
-            <a:lumOff val="60000"/>
-          </a:schemeClr>
-        </a:solidFill>
-        <a:effectLst/>
-      </p:bgPr>
-    </p:bg>
-    <p:spTree>
-      <p:nvGrpSpPr>
-        <p:cNvPr id="1" name=""/>
-        <p:cNvGrpSpPr/>
-        <p:nvPr/>
-      </p:nvGrpSpPr>
-      <p:grpSpPr>
-        <a:xfrm>
-          <a:off x="0" y="0"/>
-          <a:ext cx="0" cy="0"/>
-          <a:chOff x="0" y="0"/>
-          <a:chExt cx="0" cy="0"/>
-        </a:xfrm>
-      </p:grpSpPr>
-      <p:sp>
-        <p:nvSpPr>
-          <p:cNvPr id="25" name="Content Placeholder 24"/>
-          <p:cNvSpPr>
-            <a:spLocks noGrp="1"/>
-          </p:cNvSpPr>
-          <p:nvPr>
-            <p:ph idx="1"/>
-          </p:nvPr>
-        </p:nvSpPr>
-        <p:spPr>
-          <a:xfrm>
-            <a:off x="152400" y="1219200"/>
-            <a:ext cx="8839200" cy="5486400"/>
-          </a:xfrm>
-        </p:spPr>
-        <p:txBody>
-          <a:bodyPr/>
-          <a:lstStyle/>
-          <a:p>
-            <a:r>
-              <a:rPr lang="en-US" dirty="0" err="1" smtClean="0"/>
-              <a:t>Rcmdr</a:t>
-            </a:r>
-            <a:r>
-              <a:rPr lang="en-US" dirty="0" smtClean="0"/>
-              <a:t> has logistic regression available</a:t>
-            </a:r>
-          </a:p>
-          <a:p>
-            <a:endParaRPr lang="en-US" dirty="0" smtClean="0"/>
-          </a:p>
-        </p:txBody>
-      </p:sp>
-      <p:sp>
-        <p:nvSpPr>
-          <p:cNvPr id="4" name="Title 23"/>
-          <p:cNvSpPr txBox="1">
-            <a:spLocks/>
-          </p:cNvSpPr>
-          <p:nvPr/>
-        </p:nvSpPr>
-        <p:spPr>
-          <a:xfrm>
-            <a:off x="381000" y="152400"/>
-            <a:ext cx="8229600" cy="914400"/>
-          </a:xfrm>
-          <a:prstGeom prst="rect">
-            <a:avLst/>
-          </a:prstGeom>
-        </p:spPr>
-        <p:txBody>
-          <a:bodyPr vert="horz" lIns="91440" tIns="45720" rIns="91440" bIns="45720" rtlCol="0" anchor="ctr">
-            <a:normAutofit fontScale="75000" lnSpcReduction="20000"/>
-          </a:bodyPr>
-          <a:lstStyle>
-            <a:lvl1pPr algn="ctr" defTabSz="914400" rtl="0" eaLnBrk="1" latinLnBrk="0" hangingPunct="1">
-              <a:spcBef>
-                <a:spcPct val="0"/>
-              </a:spcBef>
-              <a:buNone/>
-              <a:defRPr sz="4400" b="1" kern="1200">
-                <a:solidFill>
-                  <a:srgbClr val="FFC000"/>
-                </a:solidFill>
-                <a:effectLst>
-                  <a:outerShdw blurRad="38100" dist="38100" dir="2700000" algn="tl">
-                    <a:srgbClr val="000000">
-                      <a:alpha val="43137"/>
-                    </a:srgbClr>
-                  </a:outerShdw>
-                </a:effectLst>
-                <a:latin typeface="+mj-lt"/>
-                <a:ea typeface="+mj-ea"/>
-                <a:cs typeface="+mj-cs"/>
-              </a:defRPr>
-            </a:lvl1pPr>
-          </a:lstStyle>
-          <a:p>
-            <a:r>
-              <a:rPr lang="en-US" dirty="0" smtClean="0"/>
-              <a:t>Logistic regression (Appendix)</a:t>
-            </a:r>
-            <a:br>
-              <a:rPr lang="en-US" dirty="0" smtClean="0"/>
-            </a:br>
-            <a:r>
-              <a:rPr lang="en-US" dirty="0" err="1" smtClean="0"/>
-              <a:t>Rcmdr</a:t>
-            </a:r>
-            <a:r>
-              <a:rPr lang="en-US" dirty="0" smtClean="0"/>
-              <a:t> example</a:t>
-            </a:r>
-            <a:endParaRPr lang="en-US" dirty="0"/>
+              <a:rPr lang="en-US" sz="3600" dirty="0" smtClean="0"/>
+              <a:t>Example</a:t>
+            </a:r>
+            <a:endParaRPr lang="en-US" sz="3600" dirty="0"/>
           </a:p>
         </p:txBody>
       </p:sp>
@@ -9820,8 +9246,8 @@
         </p:blipFill>
         <p:spPr bwMode="auto">
           <a:xfrm>
-            <a:off x="2286000" y="1981200"/>
-            <a:ext cx="4248150" cy="2352675"/>
+            <a:off x="1295400" y="2133600"/>
+            <a:ext cx="6604412" cy="3657600"/>
           </a:xfrm>
           <a:prstGeom prst="rect">
             <a:avLst/>
@@ -9871,16 +9297,13 @@
 </p:sld>
 </file>
 
-<file path=ppt/slides/slide25.xml><?xml version="1.0" encoding="utf-8"?>
+<file path=ppt/slides/slide22.xml><?xml version="1.0" encoding="utf-8"?>
 <p:sld xmlns:a="http://schemas.openxmlformats.org/drawingml/2006/main" xmlns:r="http://schemas.openxmlformats.org/officeDocument/2006/relationships" xmlns:p="http://schemas.openxmlformats.org/presentationml/2006/main">
   <p:cSld>
     <p:bg>
       <p:bgPr>
         <a:solidFill>
-          <a:schemeClr val="bg2">
-            <a:lumMod val="40000"/>
-            <a:lumOff val="60000"/>
-          </a:schemeClr>
+          <a:schemeClr val="bg2"/>
         </a:solidFill>
         <a:effectLst/>
       </p:bgPr>
@@ -9911,8 +9334,8 @@
         </p:nvSpPr>
         <p:spPr>
           <a:xfrm>
-            <a:off x="152400" y="1219200"/>
-            <a:ext cx="8839200" cy="5486400"/>
+            <a:off x="533400" y="1371600"/>
+            <a:ext cx="8229600" cy="5334000"/>
           </a:xfrm>
         </p:spPr>
         <p:txBody>
@@ -9929,11 +9352,15 @@
             </a:r>
             <a:r>
               <a:rPr lang="en-US" dirty="0" err="1" smtClean="0"/>
-              <a:t>spod_pres</a:t>
+              <a:t>spod_pres_cons</a:t>
             </a:r>
             <a:r>
               <a:rPr lang="en-US" dirty="0" smtClean="0"/>
-              <a:t>” to a factor</a:t>
+              <a:t>” </a:t>
+            </a:r>
+            <a:r>
+              <a:rPr lang="en-US" dirty="0" smtClean="0"/>
+              <a:t>to a factor</a:t>
             </a:r>
           </a:p>
           <a:p>
@@ -9967,8 +9394,8 @@
         </p:blipFill>
         <p:spPr bwMode="auto">
           <a:xfrm>
-            <a:off x="2038349" y="2286000"/>
-            <a:ext cx="5305425" cy="2543175"/>
+            <a:off x="1066800" y="2743200"/>
+            <a:ext cx="7162800" cy="3433514"/>
           </a:xfrm>
           <a:prstGeom prst="rect">
             <a:avLst/>
@@ -10000,44 +9427,15 @@
       </p:pic>
       <p:sp>
         <p:nvSpPr>
-          <p:cNvPr id="2" name="Rectangle 1"/>
-          <p:cNvSpPr/>
+          <p:cNvPr id="7" name="Title 23"/>
+          <p:cNvSpPr txBox="1">
+            <a:spLocks/>
+          </p:cNvSpPr>
           <p:nvPr/>
         </p:nvSpPr>
         <p:spPr>
           <a:xfrm>
-            <a:off x="3719908" y="3244334"/>
-            <a:ext cx="1704184" cy="369332"/>
-          </a:xfrm>
-          <a:prstGeom prst="rect">
-            <a:avLst/>
-          </a:prstGeom>
-        </p:spPr>
-        <p:txBody>
-          <a:bodyPr wrap="none">
-            <a:spAutoFit/>
-          </a:bodyPr>
-          <a:lstStyle/>
-          <a:p>
-            <a:r>
-              <a:rPr lang="en-US" dirty="0" err="1"/>
-              <a:t>spod_pres_cons</a:t>
-            </a:r>
-            <a:endParaRPr lang="en-US" dirty="0"/>
-          </a:p>
-        </p:txBody>
-      </p:sp>
-      <p:sp>
-        <p:nvSpPr>
-          <p:cNvPr id="6" name="Title 23"/>
-          <p:cNvSpPr txBox="1">
-            <a:spLocks/>
-          </p:cNvSpPr>
-          <p:nvPr/>
-        </p:nvSpPr>
-        <p:spPr>
-          <a:xfrm>
-            <a:off x="381000" y="152400"/>
+            <a:off x="533400" y="304800"/>
             <a:ext cx="8229600" cy="914400"/>
           </a:xfrm>
           <a:prstGeom prst="rect">
@@ -10046,7 +9444,7 @@
         </p:spPr>
         <p:txBody>
           <a:bodyPr vert="horz" lIns="91440" tIns="45720" rIns="91440" bIns="45720" rtlCol="0" anchor="ctr">
-            <a:normAutofit fontScale="75000" lnSpcReduction="20000"/>
+            <a:noAutofit/>
           </a:bodyPr>
           <a:lstStyle>
             <a:lvl1pPr algn="ctr" defTabSz="914400" rtl="0" eaLnBrk="1" latinLnBrk="0" hangingPunct="1">
@@ -10073,21 +9471,33 @@
           </a:lstStyle>
           <a:p>
             <a:r>
-              <a:rPr lang="en-US" dirty="0" smtClean="0"/>
-              <a:t>Logistic regression (Appendix)</a:t>
+              <a:rPr lang="en-US" sz="3600" dirty="0" smtClean="0"/>
+              <a:t>Logistic </a:t>
+            </a:r>
+            <a:r>
+              <a:rPr lang="en-US" sz="3600" dirty="0" smtClean="0"/>
+              <a:t>Regression </a:t>
+            </a:r>
+            <a:r>
+              <a:rPr lang="en-US" sz="3600" dirty="0" smtClean="0"/>
+              <a:t>(Appendix)</a:t>
             </a:r>
             <a:br>
-              <a:rPr lang="en-US" dirty="0" smtClean="0"/>
+              <a:rPr lang="en-US" sz="3600" dirty="0" smtClean="0"/>
             </a:br>
             <a:r>
-              <a:rPr lang="en-US" dirty="0" err="1" smtClean="0"/>
+              <a:rPr lang="en-US" sz="3600" dirty="0" err="1" smtClean="0"/>
               <a:t>Rcmdr</a:t>
             </a:r>
             <a:r>
-              <a:rPr lang="en-US" dirty="0" smtClean="0"/>
-              <a:t> example</a:t>
-            </a:r>
-            <a:endParaRPr lang="en-US" dirty="0"/>
+              <a:rPr lang="en-US" sz="3600" dirty="0" smtClean="0"/>
+              <a:t> </a:t>
+            </a:r>
+            <a:r>
+              <a:rPr lang="en-US" sz="3600" dirty="0" smtClean="0"/>
+              <a:t>Example</a:t>
+            </a:r>
+            <a:endParaRPr lang="en-US" sz="3600" dirty="0"/>
           </a:p>
         </p:txBody>
       </p:sp>
@@ -10111,16 +9521,13 @@
 </p:sld>
 </file>
 
-<file path=ppt/slides/slide26.xml><?xml version="1.0" encoding="utf-8"?>
+<file path=ppt/slides/slide23.xml><?xml version="1.0" encoding="utf-8"?>
 <p:sld xmlns:a="http://schemas.openxmlformats.org/drawingml/2006/main" xmlns:r="http://schemas.openxmlformats.org/officeDocument/2006/relationships" xmlns:p="http://schemas.openxmlformats.org/presentationml/2006/main">
   <p:cSld>
     <p:bg>
       <p:bgPr>
         <a:solidFill>
-          <a:schemeClr val="bg2">
-            <a:lumMod val="40000"/>
-            <a:lumOff val="60000"/>
-          </a:schemeClr>
+          <a:schemeClr val="bg2"/>
         </a:solidFill>
         <a:effectLst/>
       </p:bgPr>
@@ -10151,8 +9558,8 @@
         </p:nvSpPr>
         <p:spPr>
           <a:xfrm>
-            <a:off x="152400" y="1219200"/>
-            <a:ext cx="8839200" cy="5486400"/>
+            <a:off x="533400" y="1371600"/>
+            <a:ext cx="8458200" cy="5334000"/>
           </a:xfrm>
         </p:spPr>
         <p:txBody>
@@ -10165,12 +9572,13 @@
             </a:r>
             <a:r>
               <a:rPr lang="en-US" dirty="0" err="1" smtClean="0"/>
-              <a:t>spod_pres</a:t>
+              <a:t>spod_pres_cons</a:t>
             </a:r>
             <a:r>
               <a:rPr lang="en-US" dirty="0" smtClean="0"/>
               <a:t>”</a:t>
             </a:r>
+            <a:endParaRPr lang="en-US" dirty="0" smtClean="0"/>
           </a:p>
           <a:p>
             <a:endParaRPr lang="en-US" dirty="0"/>
@@ -10193,7 +9601,15 @@
           <a:p>
             <a:r>
               <a:rPr lang="en-US" dirty="0" smtClean="0"/>
-              <a:t>When prompted to overwrite, hit Yes</a:t>
+              <a:t>When prompted to overwrite, </a:t>
+            </a:r>
+            <a:r>
+              <a:rPr lang="en-US" dirty="0" smtClean="0"/>
+              <a:t>hit </a:t>
+            </a:r>
+            <a:r>
+              <a:rPr lang="en-US" dirty="0" smtClean="0"/>
+              <a:t>Yes</a:t>
             </a:r>
           </a:p>
           <a:p>
@@ -10224,8 +9640,8 @@
         </p:blipFill>
         <p:spPr bwMode="auto">
           <a:xfrm>
-            <a:off x="2590800" y="1981200"/>
-            <a:ext cx="4476750" cy="1971675"/>
+            <a:off x="2362200" y="2057400"/>
+            <a:ext cx="5168808" cy="2276475"/>
           </a:xfrm>
           <a:prstGeom prst="rect">
             <a:avLst/>
@@ -10255,16 +9671,167 @@
           </a:extLst>
         </p:spPr>
       </p:pic>
+      <p:sp>
+        <p:nvSpPr>
+          <p:cNvPr id="7" name="Title 23"/>
+          <p:cNvSpPr txBox="1">
+            <a:spLocks/>
+          </p:cNvSpPr>
+          <p:nvPr/>
+        </p:nvSpPr>
+        <p:spPr>
+          <a:xfrm>
+            <a:off x="533400" y="304800"/>
+            <a:ext cx="8229600" cy="914400"/>
+          </a:xfrm>
+          <a:prstGeom prst="rect">
+            <a:avLst/>
+          </a:prstGeom>
+        </p:spPr>
+        <p:txBody>
+          <a:bodyPr vert="horz" lIns="91440" tIns="45720" rIns="91440" bIns="45720" rtlCol="0" anchor="ctr">
+            <a:noAutofit/>
+          </a:bodyPr>
+          <a:lstStyle>
+            <a:lvl1pPr algn="ctr" defTabSz="914400" rtl="0" eaLnBrk="1" latinLnBrk="0" hangingPunct="1">
+              <a:spcBef>
+                <a:spcPct val="0"/>
+              </a:spcBef>
+              <a:buNone/>
+              <a:defRPr sz="4400" b="1" kern="1200">
+                <a:solidFill>
+                  <a:srgbClr val="FFC000"/>
+                </a:solidFill>
+                <a:effectLst>
+                  <a:outerShdw blurRad="38100" dist="38100" dir="2700000" algn="tl">
+                    <a:srgbClr val="000000">
+                      <a:alpha val="43137"/>
+                    </a:srgbClr>
+                  </a:outerShdw>
+                </a:effectLst>
+                <a:latin typeface="+mj-lt"/>
+                <a:ea typeface="+mj-ea"/>
+                <a:cs typeface="+mj-cs"/>
+              </a:defRPr>
+            </a:lvl1pPr>
+          </a:lstStyle>
+          <a:p>
+            <a:r>
+              <a:rPr lang="en-US" sz="3600" dirty="0" smtClean="0"/>
+              <a:t>Logistic </a:t>
+            </a:r>
+            <a:r>
+              <a:rPr lang="en-US" sz="3600" dirty="0" smtClean="0"/>
+              <a:t>Regression </a:t>
+            </a:r>
+            <a:r>
+              <a:rPr lang="en-US" sz="3600" dirty="0" smtClean="0"/>
+              <a:t>(Appendix)</a:t>
+            </a:r>
+            <a:br>
+              <a:rPr lang="en-US" sz="3600" dirty="0" smtClean="0"/>
+            </a:br>
+            <a:r>
+              <a:rPr lang="en-US" sz="3600" dirty="0" err="1" smtClean="0"/>
+              <a:t>Rcmdr</a:t>
+            </a:r>
+            <a:r>
+              <a:rPr lang="en-US" sz="3600" dirty="0" smtClean="0"/>
+              <a:t> </a:t>
+            </a:r>
+            <a:r>
+              <a:rPr lang="en-US" sz="3600" dirty="0" smtClean="0"/>
+              <a:t>Example</a:t>
+            </a:r>
+            <a:endParaRPr lang="en-US" sz="3600" dirty="0"/>
+          </a:p>
+        </p:txBody>
+      </p:sp>
+    </p:spTree>
+    <p:extLst>
+      <p:ext uri="{BB962C8B-B14F-4D97-AF65-F5344CB8AC3E}">
+        <p14:creationId xmlns:p14="http://schemas.microsoft.com/office/powerpoint/2010/main" val="455357480"/>
+      </p:ext>
+    </p:extLst>
+  </p:cSld>
+  <p:clrMapOvr>
+    <a:masterClrMapping/>
+  </p:clrMapOvr>
+  <p:timing>
+    <p:tnLst>
+      <p:par>
+        <p:cTn id="1" dur="indefinite" restart="never" nodeType="tmRoot"/>
+      </p:par>
+    </p:tnLst>
+  </p:timing>
+</p:sld>
+</file>
+
+<file path=ppt/slides/slide24.xml><?xml version="1.0" encoding="utf-8"?>
+<p:sld xmlns:a="http://schemas.openxmlformats.org/drawingml/2006/main" xmlns:r="http://schemas.openxmlformats.org/officeDocument/2006/relationships" xmlns:p="http://schemas.openxmlformats.org/presentationml/2006/main">
+  <p:cSld>
+    <p:bg>
+      <p:bgPr>
+        <a:solidFill>
+          <a:schemeClr val="bg2"/>
+        </a:solidFill>
+        <a:effectLst/>
+      </p:bgPr>
+    </p:bg>
+    <p:spTree>
+      <p:nvGrpSpPr>
+        <p:cNvPr id="1" name=""/>
+        <p:cNvGrpSpPr/>
+        <p:nvPr/>
+      </p:nvGrpSpPr>
+      <p:grpSpPr>
+        <a:xfrm>
+          <a:off x="0" y="0"/>
+          <a:ext cx="0" cy="0"/>
+          <a:chOff x="0" y="0"/>
+          <a:chExt cx="0" cy="0"/>
+        </a:xfrm>
+      </p:grpSpPr>
+      <p:sp>
+        <p:nvSpPr>
+          <p:cNvPr id="25" name="Content Placeholder 24"/>
+          <p:cNvSpPr>
+            <a:spLocks noGrp="1"/>
+          </p:cNvSpPr>
+          <p:nvPr>
+            <p:ph idx="1"/>
+          </p:nvPr>
+        </p:nvSpPr>
+        <p:spPr>
+          <a:xfrm>
+            <a:off x="533400" y="1524000"/>
+            <a:ext cx="8458200" cy="5181600"/>
+          </a:xfrm>
+        </p:spPr>
+        <p:txBody>
+          <a:bodyPr/>
+          <a:lstStyle/>
+          <a:p>
+            <a:r>
+              <a:rPr lang="en-US" dirty="0" smtClean="0"/>
+              <a:t>Recode and hit OK</a:t>
+            </a:r>
+          </a:p>
+          <a:p>
+            <a:endParaRPr lang="en-US" dirty="0" smtClean="0"/>
+          </a:p>
+        </p:txBody>
+      </p:sp>
       <p:pic>
         <p:nvPicPr>
-          <p:cNvPr id="2051" name="Picture 3"/>
+          <p:cNvPr id="3074" name="Picture 2"/>
           <p:cNvPicPr>
             <a:picLocks noChangeAspect="1" noChangeArrowheads="1"/>
           </p:cNvPicPr>
           <p:nvPr/>
         </p:nvPicPr>
         <p:blipFill>
-          <a:blip r:embed="rId3">
+          <a:blip r:embed="rId2">
             <a:extLst>
               <a:ext uri="{28A0092B-C50C-407E-A947-70E740481C1C}">
                 <a14:useLocalDpi xmlns:a14="http://schemas.microsoft.com/office/drawing/2010/main" val="0"/>
@@ -10278,8 +9845,8 @@
         </p:blipFill>
         <p:spPr bwMode="auto">
           <a:xfrm>
-            <a:off x="3352800" y="5334000"/>
-            <a:ext cx="2628900" cy="1362075"/>
+            <a:off x="1676400" y="2285999"/>
+            <a:ext cx="4038600" cy="1838901"/>
           </a:xfrm>
           <a:prstGeom prst="rect">
             <a:avLst/>
@@ -10319,7 +9886,7 @@
         </p:nvSpPr>
         <p:spPr>
           <a:xfrm>
-            <a:off x="381000" y="152400"/>
+            <a:off x="533400" y="304800"/>
             <a:ext cx="8229600" cy="914400"/>
           </a:xfrm>
           <a:prstGeom prst="rect">
@@ -10328,7 +9895,7 @@
         </p:spPr>
         <p:txBody>
           <a:bodyPr vert="horz" lIns="91440" tIns="45720" rIns="91440" bIns="45720" rtlCol="0" anchor="ctr">
-            <a:normAutofit fontScale="75000" lnSpcReduction="20000"/>
+            <a:noAutofit/>
           </a:bodyPr>
           <a:lstStyle>
             <a:lvl1pPr algn="ctr" defTabSz="914400" rtl="0" eaLnBrk="1" latinLnBrk="0" hangingPunct="1">
@@ -10355,28 +9922,40 @@
           </a:lstStyle>
           <a:p>
             <a:r>
-              <a:rPr lang="en-US" dirty="0" smtClean="0"/>
-              <a:t>Logistic regression (Appendix)</a:t>
+              <a:rPr lang="en-US" sz="3600" dirty="0" smtClean="0"/>
+              <a:t>Logistic </a:t>
+            </a:r>
+            <a:r>
+              <a:rPr lang="en-US" sz="3600" dirty="0" smtClean="0"/>
+              <a:t>Regression </a:t>
+            </a:r>
+            <a:r>
+              <a:rPr lang="en-US" sz="3600" dirty="0" smtClean="0"/>
+              <a:t>(Appendix)</a:t>
             </a:r>
             <a:br>
-              <a:rPr lang="en-US" dirty="0" smtClean="0"/>
+              <a:rPr lang="en-US" sz="3600" dirty="0" smtClean="0"/>
             </a:br>
             <a:r>
-              <a:rPr lang="en-US" dirty="0" err="1" smtClean="0"/>
+              <a:rPr lang="en-US" sz="3600" dirty="0" err="1" smtClean="0"/>
               <a:t>Rcmdr</a:t>
             </a:r>
             <a:r>
-              <a:rPr lang="en-US" dirty="0" smtClean="0"/>
-              <a:t> example</a:t>
-            </a:r>
-            <a:endParaRPr lang="en-US" dirty="0"/>
+              <a:rPr lang="en-US" sz="3600" dirty="0" smtClean="0"/>
+              <a:t> </a:t>
+            </a:r>
+            <a:r>
+              <a:rPr lang="en-US" sz="3600" dirty="0" smtClean="0"/>
+              <a:t>Example</a:t>
+            </a:r>
+            <a:endParaRPr lang="en-US" sz="3600" dirty="0"/>
           </a:p>
         </p:txBody>
       </p:sp>
     </p:spTree>
     <p:extLst>
       <p:ext uri="{BB962C8B-B14F-4D97-AF65-F5344CB8AC3E}">
-        <p14:creationId xmlns:p14="http://schemas.microsoft.com/office/powerpoint/2010/main" val="455357480"/>
+        <p14:creationId xmlns:p14="http://schemas.microsoft.com/office/powerpoint/2010/main" val="213924372"/>
       </p:ext>
     </p:extLst>
   </p:cSld>
@@ -10393,16 +9972,13 @@
 </p:sld>
 </file>
 
-<file path=ppt/slides/slide27.xml><?xml version="1.0" encoding="utf-8"?>
+<file path=ppt/slides/slide25.xml><?xml version="1.0" encoding="utf-8"?>
 <p:sld xmlns:a="http://schemas.openxmlformats.org/drawingml/2006/main" xmlns:r="http://schemas.openxmlformats.org/officeDocument/2006/relationships" xmlns:p="http://schemas.openxmlformats.org/presentationml/2006/main">
   <p:cSld>
     <p:bg>
       <p:bgPr>
         <a:solidFill>
-          <a:schemeClr val="bg2">
-            <a:lumMod val="40000"/>
-            <a:lumOff val="60000"/>
-          </a:schemeClr>
+          <a:schemeClr val="bg2"/>
         </a:solidFill>
         <a:effectLst/>
       </p:bgPr>
@@ -10441,19 +10017,52 @@
           <a:bodyPr/>
           <a:lstStyle/>
           <a:p>
-            <a:r>
-              <a:rPr lang="en-US" dirty="0" smtClean="0"/>
-              <a:t>Recode and hit OK</a:t>
-            </a:r>
-          </a:p>
-          <a:p>
             <a:endParaRPr lang="en-US" dirty="0" smtClean="0"/>
+          </a:p>
+          <a:p>
+            <a:endParaRPr lang="en-US" dirty="0" smtClean="0"/>
+          </a:p>
+        </p:txBody>
+      </p:sp>
+      <p:sp>
+        <p:nvSpPr>
+          <p:cNvPr id="2" name="TextBox 1"/>
+          <p:cNvSpPr txBox="1"/>
+          <p:nvPr/>
+        </p:nvSpPr>
+        <p:spPr>
+          <a:xfrm>
+            <a:off x="609600" y="1442591"/>
+            <a:ext cx="8229600" cy="1077218"/>
+          </a:xfrm>
+          <a:prstGeom prst="rect">
+            <a:avLst/>
+          </a:prstGeom>
+          <a:noFill/>
+        </p:spPr>
+        <p:txBody>
+          <a:bodyPr wrap="square" rtlCol="0">
+            <a:spAutoFit/>
+          </a:bodyPr>
+          <a:lstStyle/>
+          <a:p>
+            <a:pPr marL="285750" indent="-285750">
+              <a:buFont typeface="Arial" panose="020B0604020202020204" pitchFamily="34" charset="0"/>
+              <a:buChar char="•"/>
+            </a:pPr>
+            <a:r>
+              <a:rPr lang="en-US" sz="3200" dirty="0" smtClean="0"/>
+              <a:t>Open Generalized linear models</a:t>
+            </a:r>
+          </a:p>
+          <a:p>
+            <a:endParaRPr lang="en-US" sz="3200" dirty="0"/>
           </a:p>
         </p:txBody>
       </p:sp>
       <p:pic>
         <p:nvPicPr>
-          <p:cNvPr id="3074" name="Picture 2"/>
+          <p:cNvPr id="4098" name="Picture 2"/>
           <p:cNvPicPr>
             <a:picLocks noChangeAspect="1" noChangeArrowheads="1"/>
           </p:cNvPicPr>
@@ -10474,8 +10083,8 @@
         </p:blipFill>
         <p:spPr bwMode="auto">
           <a:xfrm>
-            <a:off x="1676400" y="2286000"/>
-            <a:ext cx="3305175" cy="1504950"/>
+            <a:off x="1905000" y="2286000"/>
+            <a:ext cx="5604028" cy="3045396"/>
           </a:xfrm>
           <a:prstGeom prst="rect">
             <a:avLst/>
@@ -10507,7 +10116,7 @@
       </p:pic>
       <p:sp>
         <p:nvSpPr>
-          <p:cNvPr id="5" name="Title 23"/>
+          <p:cNvPr id="7" name="Title 23"/>
           <p:cNvSpPr txBox="1">
             <a:spLocks/>
           </p:cNvSpPr>
@@ -10515,7 +10124,7 @@
         </p:nvSpPr>
         <p:spPr>
           <a:xfrm>
-            <a:off x="381000" y="152400"/>
+            <a:off x="533400" y="304800"/>
             <a:ext cx="8229600" cy="914400"/>
           </a:xfrm>
           <a:prstGeom prst="rect">
@@ -10524,7 +10133,7 @@
         </p:spPr>
         <p:txBody>
           <a:bodyPr vert="horz" lIns="91440" tIns="45720" rIns="91440" bIns="45720" rtlCol="0" anchor="ctr">
-            <a:normAutofit fontScale="75000" lnSpcReduction="20000"/>
+            <a:noAutofit/>
           </a:bodyPr>
           <a:lstStyle>
             <a:lvl1pPr algn="ctr" defTabSz="914400" rtl="0" eaLnBrk="1" latinLnBrk="0" hangingPunct="1">
@@ -10551,28 +10160,40 @@
           </a:lstStyle>
           <a:p>
             <a:r>
-              <a:rPr lang="en-US" dirty="0" smtClean="0"/>
-              <a:t>Logistic regression (Appendix)</a:t>
+              <a:rPr lang="en-US" sz="3600" dirty="0" smtClean="0"/>
+              <a:t>Logistic </a:t>
+            </a:r>
+            <a:r>
+              <a:rPr lang="en-US" sz="3600" dirty="0" smtClean="0"/>
+              <a:t>Regression </a:t>
+            </a:r>
+            <a:r>
+              <a:rPr lang="en-US" sz="3600" dirty="0" smtClean="0"/>
+              <a:t>(Appendix)</a:t>
             </a:r>
             <a:br>
-              <a:rPr lang="en-US" dirty="0" smtClean="0"/>
+              <a:rPr lang="en-US" sz="3600" dirty="0" smtClean="0"/>
             </a:br>
             <a:r>
-              <a:rPr lang="en-US" dirty="0" err="1" smtClean="0"/>
+              <a:rPr lang="en-US" sz="3600" dirty="0" err="1" smtClean="0"/>
               <a:t>Rcmdr</a:t>
             </a:r>
             <a:r>
-              <a:rPr lang="en-US" dirty="0" smtClean="0"/>
-              <a:t> example</a:t>
-            </a:r>
-            <a:endParaRPr lang="en-US" dirty="0"/>
+              <a:rPr lang="en-US" sz="3600" dirty="0" smtClean="0"/>
+              <a:t> </a:t>
+            </a:r>
+            <a:r>
+              <a:rPr lang="en-US" sz="3600" dirty="0" smtClean="0"/>
+              <a:t>Example</a:t>
+            </a:r>
+            <a:endParaRPr lang="en-US" sz="3600" dirty="0"/>
           </a:p>
         </p:txBody>
       </p:sp>
     </p:spTree>
     <p:extLst>
       <p:ext uri="{BB962C8B-B14F-4D97-AF65-F5344CB8AC3E}">
-        <p14:creationId xmlns:p14="http://schemas.microsoft.com/office/powerpoint/2010/main" val="213924372"/>
+        <p14:creationId xmlns:p14="http://schemas.microsoft.com/office/powerpoint/2010/main" val="846102792"/>
       </p:ext>
     </p:extLst>
   </p:cSld>
@@ -10589,16 +10210,13 @@
 </p:sld>
 </file>
 
-<file path=ppt/slides/slide28.xml><?xml version="1.0" encoding="utf-8"?>
+<file path=ppt/slides/slide26.xml><?xml version="1.0" encoding="utf-8"?>
 <p:sld xmlns:a="http://schemas.openxmlformats.org/drawingml/2006/main" xmlns:r="http://schemas.openxmlformats.org/officeDocument/2006/relationships" xmlns:p="http://schemas.openxmlformats.org/presentationml/2006/main">
   <p:cSld>
     <p:bg>
       <p:bgPr>
         <a:solidFill>
-          <a:schemeClr val="bg2">
-            <a:lumMod val="40000"/>
-            <a:lumOff val="60000"/>
-          </a:schemeClr>
+          <a:schemeClr val="bg2"/>
         </a:solidFill>
         <a:effectLst/>
       </p:bgPr>
@@ -10644,45 +10262,9 @@
           </a:p>
         </p:txBody>
       </p:sp>
-      <p:sp>
-        <p:nvSpPr>
-          <p:cNvPr id="2" name="TextBox 1"/>
-          <p:cNvSpPr txBox="1"/>
-          <p:nvPr/>
-        </p:nvSpPr>
-        <p:spPr>
-          <a:xfrm>
-            <a:off x="609600" y="1182469"/>
-            <a:ext cx="8229600" cy="1077218"/>
-          </a:xfrm>
-          <a:prstGeom prst="rect">
-            <a:avLst/>
-          </a:prstGeom>
-          <a:noFill/>
-        </p:spPr>
-        <p:txBody>
-          <a:bodyPr wrap="square" rtlCol="0">
-            <a:spAutoFit/>
-          </a:bodyPr>
-          <a:lstStyle/>
-          <a:p>
-            <a:pPr marL="285750" indent="-285750">
-              <a:buFont typeface="Arial" panose="020B0604020202020204" pitchFamily="34" charset="0"/>
-              <a:buChar char="•"/>
-            </a:pPr>
-            <a:r>
-              <a:rPr lang="en-US" sz="3200" dirty="0" smtClean="0"/>
-              <a:t>Open Generalized linear models</a:t>
-            </a:r>
-          </a:p>
-          <a:p>
-            <a:endParaRPr lang="en-US" sz="3200" dirty="0"/>
-          </a:p>
-        </p:txBody>
-      </p:sp>
       <p:pic>
         <p:nvPicPr>
-          <p:cNvPr id="4098" name="Picture 2"/>
+          <p:cNvPr id="5122" name="Picture 2"/>
           <p:cNvPicPr>
             <a:picLocks noChangeAspect="1" noChangeArrowheads="1"/>
           </p:cNvPicPr>
@@ -10703,8 +10285,8 @@
         </p:blipFill>
         <p:spPr bwMode="auto">
           <a:xfrm>
-            <a:off x="2433638" y="1981200"/>
-            <a:ext cx="4276725" cy="2324100"/>
+            <a:off x="1447800" y="1912833"/>
+            <a:ext cx="6324600" cy="4507065"/>
           </a:xfrm>
           <a:prstGeom prst="rect">
             <a:avLst/>
@@ -10736,7 +10318,41 @@
       </p:pic>
       <p:sp>
         <p:nvSpPr>
-          <p:cNvPr id="6" name="Title 23"/>
+          <p:cNvPr id="3" name="TextBox 2"/>
+          <p:cNvSpPr txBox="1"/>
+          <p:nvPr/>
+        </p:nvSpPr>
+        <p:spPr>
+          <a:xfrm>
+            <a:off x="685800" y="1349829"/>
+            <a:ext cx="4121898" cy="584775"/>
+          </a:xfrm>
+          <a:prstGeom prst="rect">
+            <a:avLst/>
+          </a:prstGeom>
+          <a:noFill/>
+        </p:spPr>
+        <p:txBody>
+          <a:bodyPr wrap="none" rtlCol="0">
+            <a:spAutoFit/>
+          </a:bodyPr>
+          <a:lstStyle/>
+          <a:p>
+            <a:pPr marL="285750" indent="-285750">
+              <a:buFont typeface="Arial" panose="020B0604020202020204" pitchFamily="34" charset="0"/>
+              <a:buChar char="•"/>
+            </a:pPr>
+            <a:r>
+              <a:rPr lang="en-US" sz="3200" dirty="0" smtClean="0"/>
+              <a:t>Create model formula</a:t>
+            </a:r>
+            <a:endParaRPr lang="en-US" sz="3200" dirty="0"/>
+          </a:p>
+        </p:txBody>
+      </p:sp>
+      <p:sp>
+        <p:nvSpPr>
+          <p:cNvPr id="7" name="Title 23"/>
           <p:cNvSpPr txBox="1">
             <a:spLocks/>
           </p:cNvSpPr>
@@ -10744,7 +10360,7 @@
         </p:nvSpPr>
         <p:spPr>
           <a:xfrm>
-            <a:off x="381000" y="152400"/>
+            <a:off x="533400" y="304800"/>
             <a:ext cx="8229600" cy="914400"/>
           </a:xfrm>
           <a:prstGeom prst="rect">
@@ -10753,7 +10369,7 @@
         </p:spPr>
         <p:txBody>
           <a:bodyPr vert="horz" lIns="91440" tIns="45720" rIns="91440" bIns="45720" rtlCol="0" anchor="ctr">
-            <a:normAutofit fontScale="75000" lnSpcReduction="20000"/>
+            <a:noAutofit/>
           </a:bodyPr>
           <a:lstStyle>
             <a:lvl1pPr algn="ctr" defTabSz="914400" rtl="0" eaLnBrk="1" latinLnBrk="0" hangingPunct="1">
@@ -10780,28 +10396,40 @@
           </a:lstStyle>
           <a:p>
             <a:r>
-              <a:rPr lang="en-US" dirty="0" smtClean="0"/>
-              <a:t>Logistic regression (Appendix)</a:t>
+              <a:rPr lang="en-US" sz="3600" dirty="0" smtClean="0"/>
+              <a:t>Logistic </a:t>
+            </a:r>
+            <a:r>
+              <a:rPr lang="en-US" sz="3600" dirty="0" smtClean="0"/>
+              <a:t>Regression </a:t>
+            </a:r>
+            <a:r>
+              <a:rPr lang="en-US" sz="3600" dirty="0" smtClean="0"/>
+              <a:t>(Appendix)</a:t>
             </a:r>
             <a:br>
-              <a:rPr lang="en-US" dirty="0" smtClean="0"/>
+              <a:rPr lang="en-US" sz="3600" dirty="0" smtClean="0"/>
             </a:br>
             <a:r>
-              <a:rPr lang="en-US" dirty="0" err="1" smtClean="0"/>
+              <a:rPr lang="en-US" sz="3600" dirty="0" err="1" smtClean="0"/>
               <a:t>Rcmdr</a:t>
             </a:r>
             <a:r>
-              <a:rPr lang="en-US" dirty="0" smtClean="0"/>
-              <a:t> example</a:t>
-            </a:r>
-            <a:endParaRPr lang="en-US" dirty="0"/>
+              <a:rPr lang="en-US" sz="3600" dirty="0" smtClean="0"/>
+              <a:t> </a:t>
+            </a:r>
+            <a:r>
+              <a:rPr lang="en-US" sz="3600" dirty="0" smtClean="0"/>
+              <a:t>Example</a:t>
+            </a:r>
+            <a:endParaRPr lang="en-US" sz="3600" dirty="0"/>
           </a:p>
         </p:txBody>
       </p:sp>
     </p:spTree>
     <p:extLst>
       <p:ext uri="{BB962C8B-B14F-4D97-AF65-F5344CB8AC3E}">
-        <p14:creationId xmlns:p14="http://schemas.microsoft.com/office/powerpoint/2010/main" val="846102792"/>
+        <p14:creationId xmlns:p14="http://schemas.microsoft.com/office/powerpoint/2010/main" val="2073801206"/>
       </p:ext>
     </p:extLst>
   </p:cSld>
@@ -10818,16 +10446,13 @@
 </p:sld>
 </file>
 
-<file path=ppt/slides/slide29.xml><?xml version="1.0" encoding="utf-8"?>
+<file path=ppt/slides/slide27.xml><?xml version="1.0" encoding="utf-8"?>
 <p:sld xmlns:a="http://schemas.openxmlformats.org/drawingml/2006/main" xmlns:r="http://schemas.openxmlformats.org/officeDocument/2006/relationships" xmlns:p="http://schemas.openxmlformats.org/presentationml/2006/main">
   <p:cSld>
     <p:bg>
       <p:bgPr>
         <a:solidFill>
-          <a:schemeClr val="bg2">
-            <a:lumMod val="40000"/>
-            <a:lumOff val="60000"/>
-          </a:schemeClr>
+          <a:schemeClr val="bg2"/>
         </a:solidFill>
         <a:effectLst/>
       </p:bgPr>
@@ -10873,9 +10498,51 @@
           </a:p>
         </p:txBody>
       </p:sp>
+      <p:sp>
+        <p:nvSpPr>
+          <p:cNvPr id="3" name="TextBox 2"/>
+          <p:cNvSpPr txBox="1"/>
+          <p:nvPr/>
+        </p:nvSpPr>
+        <p:spPr>
+          <a:xfrm>
+            <a:off x="533400" y="1450854"/>
+            <a:ext cx="8549135" cy="584775"/>
+          </a:xfrm>
+          <a:prstGeom prst="rect">
+            <a:avLst/>
+          </a:prstGeom>
+          <a:noFill/>
+        </p:spPr>
+        <p:txBody>
+          <a:bodyPr wrap="none" rtlCol="0">
+            <a:spAutoFit/>
+          </a:bodyPr>
+          <a:lstStyle/>
+          <a:p>
+            <a:pPr marL="285750" indent="-285750">
+              <a:buFont typeface="Arial" panose="020B0604020202020204" pitchFamily="34" charset="0"/>
+              <a:buChar char="•"/>
+            </a:pPr>
+            <a:r>
+              <a:rPr lang="en-US" sz="3200" dirty="0" smtClean="0"/>
+              <a:t>View output summary in </a:t>
+            </a:r>
+            <a:r>
+              <a:rPr lang="en-US" sz="3200" dirty="0" err="1" smtClean="0"/>
+              <a:t>Rcmdr</a:t>
+            </a:r>
+            <a:r>
+              <a:rPr lang="en-US" sz="3200" dirty="0" smtClean="0"/>
+              <a:t> Output Window</a:t>
+            </a:r>
+            <a:endParaRPr lang="en-US" sz="3200" dirty="0"/>
+          </a:p>
+        </p:txBody>
+      </p:sp>
       <p:pic>
         <p:nvPicPr>
-          <p:cNvPr id="5122" name="Picture 2"/>
+          <p:cNvPr id="6146" name="Picture 2"/>
           <p:cNvPicPr>
             <a:picLocks noChangeAspect="1" noChangeArrowheads="1"/>
           </p:cNvPicPr>
@@ -10896,8 +10563,8 @@
         </p:blipFill>
         <p:spPr bwMode="auto">
           <a:xfrm>
-            <a:off x="1524000" y="1752600"/>
-            <a:ext cx="5734050" cy="4086225"/>
+            <a:off x="1981200" y="2133600"/>
+            <a:ext cx="5619750" cy="4375683"/>
           </a:xfrm>
           <a:prstGeom prst="rect">
             <a:avLst/>
@@ -10929,49 +10596,15 @@
       </p:pic>
       <p:sp>
         <p:nvSpPr>
-          <p:cNvPr id="3" name="TextBox 2"/>
-          <p:cNvSpPr txBox="1"/>
+          <p:cNvPr id="7" name="Title 23"/>
+          <p:cNvSpPr txBox="1">
+            <a:spLocks/>
+          </p:cNvSpPr>
           <p:nvPr/>
         </p:nvSpPr>
         <p:spPr>
           <a:xfrm>
-            <a:off x="685800" y="1066800"/>
-            <a:ext cx="4121898" cy="584775"/>
-          </a:xfrm>
-          <a:prstGeom prst="rect">
-            <a:avLst/>
-          </a:prstGeom>
-          <a:noFill/>
-        </p:spPr>
-        <p:txBody>
-          <a:bodyPr wrap="none" rtlCol="0">
-            <a:spAutoFit/>
-          </a:bodyPr>
-          <a:lstStyle/>
-          <a:p>
-            <a:pPr marL="285750" indent="-285750">
-              <a:buFont typeface="Arial" panose="020B0604020202020204" pitchFamily="34" charset="0"/>
-              <a:buChar char="•"/>
-            </a:pPr>
-            <a:r>
-              <a:rPr lang="en-US" sz="3200" dirty="0" smtClean="0"/>
-              <a:t>Create model formula</a:t>
-            </a:r>
-            <a:endParaRPr lang="en-US" sz="3200" dirty="0"/>
-          </a:p>
-        </p:txBody>
-      </p:sp>
-      <p:sp>
-        <p:nvSpPr>
-          <p:cNvPr id="6" name="Title 23"/>
-          <p:cNvSpPr txBox="1">
-            <a:spLocks/>
-          </p:cNvSpPr>
-          <p:nvPr/>
-        </p:nvSpPr>
-        <p:spPr>
-          <a:xfrm>
-            <a:off x="381000" y="152400"/>
+            <a:off x="533400" y="304800"/>
             <a:ext cx="8229600" cy="914400"/>
           </a:xfrm>
           <a:prstGeom prst="rect">
@@ -10980,7 +10613,7 @@
         </p:spPr>
         <p:txBody>
           <a:bodyPr vert="horz" lIns="91440" tIns="45720" rIns="91440" bIns="45720" rtlCol="0" anchor="ctr">
-            <a:normAutofit fontScale="75000" lnSpcReduction="20000"/>
+            <a:noAutofit/>
           </a:bodyPr>
           <a:lstStyle>
             <a:lvl1pPr algn="ctr" defTabSz="914400" rtl="0" eaLnBrk="1" latinLnBrk="0" hangingPunct="1">
@@ -11007,28 +10640,40 @@
           </a:lstStyle>
           <a:p>
             <a:r>
-              <a:rPr lang="en-US" dirty="0" smtClean="0"/>
-              <a:t>Logistic regression (Appendix)</a:t>
+              <a:rPr lang="en-US" sz="3600" dirty="0" smtClean="0"/>
+              <a:t>Logistic </a:t>
+            </a:r>
+            <a:r>
+              <a:rPr lang="en-US" sz="3600" dirty="0" smtClean="0"/>
+              <a:t>Regression </a:t>
+            </a:r>
+            <a:r>
+              <a:rPr lang="en-US" sz="3600" dirty="0" smtClean="0"/>
+              <a:t>(Appendix)</a:t>
             </a:r>
             <a:br>
-              <a:rPr lang="en-US" dirty="0" smtClean="0"/>
+              <a:rPr lang="en-US" sz="3600" dirty="0" smtClean="0"/>
             </a:br>
             <a:r>
-              <a:rPr lang="en-US" dirty="0" err="1" smtClean="0"/>
+              <a:rPr lang="en-US" sz="3600" dirty="0" err="1" smtClean="0"/>
               <a:t>Rcmdr</a:t>
             </a:r>
             <a:r>
-              <a:rPr lang="en-US" dirty="0" smtClean="0"/>
-              <a:t> example</a:t>
-            </a:r>
-            <a:endParaRPr lang="en-US" dirty="0"/>
+              <a:rPr lang="en-US" sz="3600" dirty="0" smtClean="0"/>
+              <a:t> </a:t>
+            </a:r>
+            <a:r>
+              <a:rPr lang="en-US" sz="3600" dirty="0" smtClean="0"/>
+              <a:t>Example</a:t>
+            </a:r>
+            <a:endParaRPr lang="en-US" sz="3600" dirty="0"/>
           </a:p>
         </p:txBody>
       </p:sp>
     </p:spTree>
     <p:extLst>
       <p:ext uri="{BB962C8B-B14F-4D97-AF65-F5344CB8AC3E}">
-        <p14:creationId xmlns:p14="http://schemas.microsoft.com/office/powerpoint/2010/main" val="2073801206"/>
+        <p14:creationId xmlns:p14="http://schemas.microsoft.com/office/powerpoint/2010/main" val="3794965064"/>
       </p:ext>
     </p:extLst>
   </p:cSld>
@@ -11083,10 +10728,14 @@
           <a:lstStyle/>
           <a:p>
             <a:r>
-              <a:rPr lang="en-US" dirty="0" smtClean="0"/>
-              <a:t>Logistic regression</a:t>
-            </a:r>
-            <a:endParaRPr lang="en-US" dirty="0"/>
+              <a:rPr lang="en-US" sz="3600" dirty="0" smtClean="0"/>
+              <a:t>Logistic </a:t>
+            </a:r>
+            <a:r>
+              <a:rPr lang="en-US" sz="3600" dirty="0" smtClean="0"/>
+              <a:t>Regression</a:t>
+            </a:r>
+            <a:endParaRPr lang="en-US" sz="3600" dirty="0"/>
           </a:p>
         </p:txBody>
       </p:sp>
@@ -11147,7 +10796,7 @@
         <p:spPr>
           <a:xfrm>
             <a:off x="5188135" y="5716199"/>
-            <a:ext cx="1588897" cy="246221"/>
+            <a:ext cx="1888787" cy="276999"/>
           </a:xfrm>
           <a:prstGeom prst="rect">
             <a:avLst/>
@@ -11161,26 +10810,26 @@
           <a:lstStyle/>
           <a:p>
             <a:r>
-              <a:rPr lang="en-US" sz="1000" dirty="0" smtClean="0"/>
+              <a:rPr lang="en-US" sz="1200" dirty="0" smtClean="0"/>
               <a:t>Beaudette</a:t>
             </a:r>
             <a:r>
-              <a:rPr lang="en-US" sz="1000" dirty="0"/>
+              <a:rPr lang="en-US" sz="1200" dirty="0"/>
               <a:t> </a:t>
             </a:r>
             <a:r>
-              <a:rPr lang="en-US" sz="1000" dirty="0" smtClean="0"/>
+              <a:rPr lang="en-US" sz="1200" dirty="0" smtClean="0"/>
               <a:t>&amp; </a:t>
             </a:r>
             <a:r>
-              <a:rPr lang="en-US" sz="1000" dirty="0" err="1" smtClean="0"/>
+              <a:rPr lang="en-US" sz="1200" dirty="0" err="1" smtClean="0"/>
               <a:t>O'Geen</a:t>
             </a:r>
             <a:r>
-              <a:rPr lang="en-US" sz="1000" dirty="0" smtClean="0"/>
+              <a:rPr lang="en-US" sz="1200" dirty="0" smtClean="0"/>
               <a:t>, 2009</a:t>
             </a:r>
-            <a:endParaRPr lang="en-US" sz="1000" dirty="0"/>
+            <a:endParaRPr lang="en-US" sz="1200" dirty="0"/>
           </a:p>
         </p:txBody>
       </p:sp>
@@ -11193,7 +10842,7 @@
         <p:spPr>
           <a:xfrm>
             <a:off x="304800" y="5716200"/>
-            <a:ext cx="1502334" cy="246221"/>
+            <a:ext cx="1790811" cy="276999"/>
           </a:xfrm>
           <a:prstGeom prst="rect">
             <a:avLst/>
@@ -11207,27 +10856,27 @@
           <a:lstStyle/>
           <a:p>
             <a:r>
-              <a:rPr lang="en-US" sz="1000" dirty="0" smtClean="0"/>
+              <a:rPr lang="en-US" sz="1200" dirty="0" smtClean="0"/>
               <a:t>Evans</a:t>
             </a:r>
             <a:r>
-              <a:rPr lang="en-US" sz="1000" dirty="0"/>
+              <a:rPr lang="en-US" sz="1200" dirty="0"/>
               <a:t> </a:t>
             </a:r>
             <a:r>
-              <a:rPr lang="en-US" sz="1000" dirty="0" smtClean="0"/>
+              <a:rPr lang="en-US" sz="1200" dirty="0" smtClean="0"/>
               <a:t>&amp; </a:t>
             </a:r>
             <a:r>
-              <a:rPr lang="en-US" sz="1000" dirty="0" err="1" smtClean="0"/>
+              <a:rPr lang="en-US" sz="1200" dirty="0" err="1" smtClean="0"/>
               <a:t>Hartemink</a:t>
             </a:r>
             <a:r>
-              <a:rPr lang="en-US" sz="1000" dirty="0" smtClean="0"/>
+              <a:rPr lang="en-US" sz="1200" dirty="0" smtClean="0"/>
               <a:t>, </a:t>
             </a:r>
             <a:r>
-              <a:rPr lang="en-US" sz="1000" dirty="0"/>
+              <a:rPr lang="en-US" sz="1200" dirty="0"/>
               <a:t>2014</a:t>
             </a:r>
           </a:p>
@@ -11237,241 +10886,6 @@
     <p:extLst>
       <p:ext uri="{BB962C8B-B14F-4D97-AF65-F5344CB8AC3E}">
         <p14:creationId xmlns:p14="http://schemas.microsoft.com/office/powerpoint/2010/main" val="3578482102"/>
-      </p:ext>
-    </p:extLst>
-  </p:cSld>
-  <p:clrMapOvr>
-    <a:masterClrMapping/>
-  </p:clrMapOvr>
-  <p:timing>
-    <p:tnLst>
-      <p:par>
-        <p:cTn id="1" dur="indefinite" restart="never" nodeType="tmRoot"/>
-      </p:par>
-    </p:tnLst>
-  </p:timing>
-</p:sld>
-</file>
-
-<file path=ppt/slides/slide30.xml><?xml version="1.0" encoding="utf-8"?>
-<p:sld xmlns:a="http://schemas.openxmlformats.org/drawingml/2006/main" xmlns:r="http://schemas.openxmlformats.org/officeDocument/2006/relationships" xmlns:p="http://schemas.openxmlformats.org/presentationml/2006/main">
-  <p:cSld>
-    <p:bg>
-      <p:bgPr>
-        <a:solidFill>
-          <a:schemeClr val="bg2">
-            <a:lumMod val="40000"/>
-            <a:lumOff val="60000"/>
-          </a:schemeClr>
-        </a:solidFill>
-        <a:effectLst/>
-      </p:bgPr>
-    </p:bg>
-    <p:spTree>
-      <p:nvGrpSpPr>
-        <p:cNvPr id="1" name=""/>
-        <p:cNvGrpSpPr/>
-        <p:nvPr/>
-      </p:nvGrpSpPr>
-      <p:grpSpPr>
-        <a:xfrm>
-          <a:off x="0" y="0"/>
-          <a:ext cx="0" cy="0"/>
-          <a:chOff x="0" y="0"/>
-          <a:chExt cx="0" cy="0"/>
-        </a:xfrm>
-      </p:grpSpPr>
-      <p:sp>
-        <p:nvSpPr>
-          <p:cNvPr id="25" name="Content Placeholder 24"/>
-          <p:cNvSpPr>
-            <a:spLocks noGrp="1"/>
-          </p:cNvSpPr>
-          <p:nvPr>
-            <p:ph idx="1"/>
-          </p:nvPr>
-        </p:nvSpPr>
-        <p:spPr>
-          <a:xfrm>
-            <a:off x="152400" y="1219200"/>
-            <a:ext cx="8839200" cy="5486400"/>
-          </a:xfrm>
-        </p:spPr>
-        <p:txBody>
-          <a:bodyPr/>
-          <a:lstStyle/>
-          <a:p>
-            <a:endParaRPr lang="en-US" dirty="0" smtClean="0"/>
-          </a:p>
-          <a:p>
-            <a:endParaRPr lang="en-US" dirty="0" smtClean="0"/>
-          </a:p>
-        </p:txBody>
-      </p:sp>
-      <p:sp>
-        <p:nvSpPr>
-          <p:cNvPr id="3" name="TextBox 2"/>
-          <p:cNvSpPr txBox="1"/>
-          <p:nvPr/>
-        </p:nvSpPr>
-        <p:spPr>
-          <a:xfrm>
-            <a:off x="390525" y="1076325"/>
-            <a:ext cx="8549135" cy="584775"/>
-          </a:xfrm>
-          <a:prstGeom prst="rect">
-            <a:avLst/>
-          </a:prstGeom>
-          <a:noFill/>
-        </p:spPr>
-        <p:txBody>
-          <a:bodyPr wrap="none" rtlCol="0">
-            <a:spAutoFit/>
-          </a:bodyPr>
-          <a:lstStyle/>
-          <a:p>
-            <a:pPr marL="285750" indent="-285750">
-              <a:buFont typeface="Arial" panose="020B0604020202020204" pitchFamily="34" charset="0"/>
-              <a:buChar char="•"/>
-            </a:pPr>
-            <a:r>
-              <a:rPr lang="en-US" sz="3200" dirty="0" smtClean="0"/>
-              <a:t>View output summary in </a:t>
-            </a:r>
-            <a:r>
-              <a:rPr lang="en-US" sz="3200" dirty="0" err="1" smtClean="0"/>
-              <a:t>Rcmdr</a:t>
-            </a:r>
-            <a:r>
-              <a:rPr lang="en-US" sz="3200" dirty="0" smtClean="0"/>
-              <a:t> Output Window</a:t>
-            </a:r>
-            <a:endParaRPr lang="en-US" sz="3200" dirty="0"/>
-          </a:p>
-        </p:txBody>
-      </p:sp>
-      <p:pic>
-        <p:nvPicPr>
-          <p:cNvPr id="6146" name="Picture 2"/>
-          <p:cNvPicPr>
-            <a:picLocks noChangeAspect="1" noChangeArrowheads="1"/>
-          </p:cNvPicPr>
-          <p:nvPr/>
-        </p:nvPicPr>
-        <p:blipFill>
-          <a:blip r:embed="rId2">
-            <a:extLst>
-              <a:ext uri="{28A0092B-C50C-407E-A947-70E740481C1C}">
-                <a14:useLocalDpi xmlns:a14="http://schemas.microsoft.com/office/drawing/2010/main" val="0"/>
-              </a:ext>
-            </a:extLst>
-          </a:blip>
-          <a:srcRect/>
-          <a:stretch>
-            <a:fillRect/>
-          </a:stretch>
-        </p:blipFill>
-        <p:spPr bwMode="auto">
-          <a:xfrm>
-            <a:off x="2000250" y="2057400"/>
-            <a:ext cx="4991100" cy="3886200"/>
-          </a:xfrm>
-          <a:prstGeom prst="rect">
-            <a:avLst/>
-          </a:prstGeom>
-          <a:noFill/>
-          <a:ln>
-            <a:noFill/>
-          </a:ln>
-          <a:extLst>
-            <a:ext uri="{909E8E84-426E-40DD-AFC4-6F175D3DCCD1}">
-              <a14:hiddenFill xmlns:a14="http://schemas.microsoft.com/office/drawing/2010/main">
-                <a:solidFill>
-                  <a:schemeClr val="accent1"/>
-                </a:solidFill>
-              </a14:hiddenFill>
-            </a:ext>
-            <a:ext uri="{91240B29-F687-4F45-9708-019B960494DF}">
-              <a14:hiddenLine xmlns:a14="http://schemas.microsoft.com/office/drawing/2010/main" w="9525">
-                <a:solidFill>
-                  <a:schemeClr val="tx1"/>
-                </a:solidFill>
-                <a:miter lim="800000"/>
-                <a:headEnd/>
-                <a:tailEnd/>
-              </a14:hiddenLine>
-            </a:ext>
-          </a:extLst>
-        </p:spPr>
-      </p:pic>
-      <p:sp>
-        <p:nvSpPr>
-          <p:cNvPr id="6" name="Title 23"/>
-          <p:cNvSpPr txBox="1">
-            <a:spLocks/>
-          </p:cNvSpPr>
-          <p:nvPr/>
-        </p:nvSpPr>
-        <p:spPr>
-          <a:xfrm>
-            <a:off x="381000" y="152400"/>
-            <a:ext cx="8229600" cy="914400"/>
-          </a:xfrm>
-          <a:prstGeom prst="rect">
-            <a:avLst/>
-          </a:prstGeom>
-        </p:spPr>
-        <p:txBody>
-          <a:bodyPr vert="horz" lIns="91440" tIns="45720" rIns="91440" bIns="45720" rtlCol="0" anchor="ctr">
-            <a:normAutofit fontScale="75000" lnSpcReduction="20000"/>
-          </a:bodyPr>
-          <a:lstStyle>
-            <a:lvl1pPr algn="ctr" defTabSz="914400" rtl="0" eaLnBrk="1" latinLnBrk="0" hangingPunct="1">
-              <a:spcBef>
-                <a:spcPct val="0"/>
-              </a:spcBef>
-              <a:buNone/>
-              <a:defRPr sz="4400" b="1" kern="1200">
-                <a:solidFill>
-                  <a:srgbClr val="FFC000"/>
-                </a:solidFill>
-                <a:effectLst>
-                  <a:outerShdw blurRad="38100" dist="38100" dir="2700000" algn="tl">
-                    <a:srgbClr val="000000">
-                      <a:alpha val="43137"/>
-                    </a:srgbClr>
-                  </a:outerShdw>
-                </a:effectLst>
-                <a:latin typeface="+mj-lt"/>
-                <a:ea typeface="+mj-ea"/>
-                <a:cs typeface="+mj-cs"/>
-              </a:defRPr>
-            </a:lvl1pPr>
-          </a:lstStyle>
-          <a:p>
-            <a:r>
-              <a:rPr lang="en-US" dirty="0" smtClean="0"/>
-              <a:t>Logistic regression (Appendix)</a:t>
-            </a:r>
-            <a:br>
-              <a:rPr lang="en-US" dirty="0" smtClean="0"/>
-            </a:br>
-            <a:r>
-              <a:rPr lang="en-US" dirty="0" err="1" smtClean="0"/>
-              <a:t>Rcmdr</a:t>
-            </a:r>
-            <a:r>
-              <a:rPr lang="en-US" dirty="0" smtClean="0"/>
-              <a:t> example</a:t>
-            </a:r>
-            <a:endParaRPr lang="en-US" dirty="0"/>
-          </a:p>
-        </p:txBody>
-      </p:sp>
-    </p:spTree>
-    <p:extLst>
-      <p:ext uri="{BB962C8B-B14F-4D97-AF65-F5344CB8AC3E}">
-        <p14:creationId xmlns:p14="http://schemas.microsoft.com/office/powerpoint/2010/main" val="3794965064"/>
       </p:ext>
     </p:extLst>
   </p:cSld>
@@ -11505,34 +10919,6 @@
           <a:chExt cx="0" cy="0"/>
         </a:xfrm>
       </p:grpSpPr>
-      <p:sp>
-        <p:nvSpPr>
-          <p:cNvPr id="24" name="Title 23"/>
-          <p:cNvSpPr>
-            <a:spLocks noGrp="1"/>
-          </p:cNvSpPr>
-          <p:nvPr>
-            <p:ph type="title"/>
-          </p:nvPr>
-        </p:nvSpPr>
-        <p:spPr>
-          <a:xfrm>
-            <a:off x="457200" y="19050"/>
-            <a:ext cx="8229600" cy="914400"/>
-          </a:xfrm>
-        </p:spPr>
-        <p:txBody>
-          <a:bodyPr/>
-          <a:lstStyle/>
-          <a:p>
-            <a:r>
-              <a:rPr lang="en-US" dirty="0" smtClean="0"/>
-              <a:t>Logistic regression</a:t>
-            </a:r>
-            <a:endParaRPr lang="en-US" dirty="0"/>
-          </a:p>
-        </p:txBody>
-      </p:sp>
       <p:pic>
         <p:nvPicPr>
           <p:cNvPr id="3" name="Content Placeholder 2"/>
@@ -11568,7 +10954,7 @@
         <p:spPr>
           <a:xfrm>
             <a:off x="158199" y="6019800"/>
-            <a:ext cx="1946367" cy="246221"/>
+            <a:ext cx="2277931" cy="276999"/>
           </a:xfrm>
           <a:prstGeom prst="rect">
             <a:avLst/>
@@ -11582,18 +10968,18 @@
           <a:lstStyle/>
           <a:p>
             <a:r>
-              <a:rPr lang="en-US" sz="1000" dirty="0" smtClean="0"/>
+              <a:rPr lang="en-US" sz="1200" dirty="0" smtClean="0"/>
               <a:t>Ponded probability, NRCS, </a:t>
             </a:r>
             <a:r>
-              <a:rPr lang="en-US" sz="1000" dirty="0" err="1" smtClean="0"/>
+              <a:rPr lang="en-US" sz="1200" dirty="0" err="1" smtClean="0"/>
               <a:t>unpub</a:t>
             </a:r>
             <a:r>
-              <a:rPr lang="en-US" sz="1000" dirty="0" smtClean="0"/>
+              <a:rPr lang="en-US" sz="1200" dirty="0" smtClean="0"/>
               <a:t>.</a:t>
             </a:r>
-            <a:endParaRPr lang="en-US" sz="1000" dirty="0"/>
+            <a:endParaRPr lang="en-US" sz="1200" dirty="0"/>
           </a:p>
         </p:txBody>
       </p:sp>
@@ -11678,7 +11064,7 @@
         <p:spPr>
           <a:xfrm>
             <a:off x="4901000" y="6019799"/>
-            <a:ext cx="1920719" cy="246221"/>
+            <a:ext cx="2215286" cy="276999"/>
           </a:xfrm>
           <a:prstGeom prst="rect">
             <a:avLst/>
@@ -11692,22 +11078,75 @@
           <a:lstStyle/>
           <a:p>
             <a:r>
-              <a:rPr lang="en-US" sz="1000" dirty="0" err="1" smtClean="0"/>
+              <a:rPr lang="en-US" sz="1200" dirty="0" err="1" smtClean="0"/>
               <a:t>Spodic</a:t>
             </a:r>
             <a:r>
-              <a:rPr lang="en-US" sz="1000" dirty="0" smtClean="0"/>
+              <a:rPr lang="en-US" sz="1200" dirty="0" smtClean="0"/>
               <a:t> probability, NRCS, </a:t>
             </a:r>
             <a:r>
-              <a:rPr lang="en-US" sz="1000" dirty="0" err="1" smtClean="0"/>
+              <a:rPr lang="en-US" sz="1200" dirty="0" err="1" smtClean="0"/>
               <a:t>unpub</a:t>
             </a:r>
             <a:r>
-              <a:rPr lang="en-US" sz="1000" dirty="0" smtClean="0"/>
+              <a:rPr lang="en-US" sz="1200" dirty="0" smtClean="0"/>
               <a:t>.</a:t>
             </a:r>
-            <a:endParaRPr lang="en-US" sz="1000" dirty="0"/>
+            <a:endParaRPr lang="en-US" sz="1200" dirty="0"/>
+          </a:p>
+        </p:txBody>
+      </p:sp>
+      <p:sp>
+        <p:nvSpPr>
+          <p:cNvPr id="10" name="Title 22"/>
+          <p:cNvSpPr txBox="1">
+            <a:spLocks/>
+          </p:cNvSpPr>
+          <p:nvPr/>
+        </p:nvSpPr>
+        <p:spPr>
+          <a:xfrm>
+            <a:off x="533400" y="-4292"/>
+            <a:ext cx="7772400" cy="1470025"/>
+          </a:xfrm>
+          <a:prstGeom prst="rect">
+            <a:avLst/>
+          </a:prstGeom>
+        </p:spPr>
+        <p:txBody>
+          <a:bodyPr vert="horz" lIns="91440" tIns="45720" rIns="91440" bIns="45720" rtlCol="0" anchor="ctr">
+            <a:normAutofit/>
+          </a:bodyPr>
+          <a:lstStyle>
+            <a:lvl1pPr algn="ctr" defTabSz="914400" rtl="0" eaLnBrk="1" latinLnBrk="0" hangingPunct="1">
+              <a:spcBef>
+                <a:spcPct val="0"/>
+              </a:spcBef>
+              <a:buNone/>
+              <a:defRPr sz="4400" b="1" kern="1200">
+                <a:solidFill>
+                  <a:srgbClr val="FFC000"/>
+                </a:solidFill>
+                <a:effectLst>
+                  <a:outerShdw blurRad="38100" dist="38100" dir="2700000" algn="tl">
+                    <a:srgbClr val="000000">
+                      <a:alpha val="43137"/>
+                    </a:srgbClr>
+                  </a:outerShdw>
+                </a:effectLst>
+                <a:latin typeface="+mj-lt"/>
+                <a:ea typeface="+mj-ea"/>
+                <a:cs typeface="+mj-cs"/>
+              </a:defRPr>
+            </a:lvl1pPr>
+          </a:lstStyle>
+          <a:p>
+            <a:r>
+              <a:rPr lang="en-US" sz="3600" dirty="0" smtClean="0"/>
+              <a:t>Logistic Regression</a:t>
+            </a:r>
+            <a:endParaRPr lang="en-US" sz="3600" dirty="0"/>
           </a:p>
         </p:txBody>
       </p:sp>
@@ -11750,34 +11189,6 @@
       </p:grpSpPr>
       <p:sp>
         <p:nvSpPr>
-          <p:cNvPr id="24" name="Title 23"/>
-          <p:cNvSpPr>
-            <a:spLocks noGrp="1"/>
-          </p:cNvSpPr>
-          <p:nvPr>
-            <p:ph type="title"/>
-          </p:nvPr>
-        </p:nvSpPr>
-        <p:spPr>
-          <a:xfrm>
-            <a:off x="457200" y="19050"/>
-            <a:ext cx="8229600" cy="914400"/>
-          </a:xfrm>
-        </p:spPr>
-        <p:txBody>
-          <a:bodyPr/>
-          <a:lstStyle/>
-          <a:p>
-            <a:r>
-              <a:rPr lang="en-US" dirty="0" smtClean="0"/>
-              <a:t>Logistic regression</a:t>
-            </a:r>
-            <a:endParaRPr lang="en-US" dirty="0"/>
-          </a:p>
-        </p:txBody>
-      </p:sp>
-      <p:sp>
-        <p:nvSpPr>
           <p:cNvPr id="25" name="Content Placeholder 24"/>
           <p:cNvSpPr>
             <a:spLocks noGrp="1"/>
@@ -11789,135 +11200,176 @@
         <p:spPr>
           <a:xfrm>
             <a:off x="304800" y="1219200"/>
-            <a:ext cx="8229600" cy="5120640"/>
+            <a:ext cx="8229600" cy="5334000"/>
           </a:xfrm>
         </p:spPr>
         <p:txBody>
           <a:bodyPr>
+            <a:normAutofit lnSpcReduction="10000"/>
+          </a:bodyPr>
+          <a:lstStyle/>
+          <a:p>
+            <a:r>
+              <a:rPr lang="en-US" sz="3000" dirty="0" smtClean="0"/>
+              <a:t>The response variable is discrete, i.e. binomial. For example:</a:t>
+            </a:r>
+          </a:p>
+          <a:p>
+            <a:pPr marL="0" indent="0">
+              <a:spcBef>
+                <a:spcPts val="0"/>
+              </a:spcBef>
+              <a:buNone/>
+            </a:pPr>
+            <a:r>
+              <a:rPr lang="en-US" dirty="0"/>
+              <a:t>	</a:t>
+            </a:r>
+            <a:r>
+              <a:rPr lang="en-US" sz="2000" dirty="0" err="1" smtClean="0"/>
+              <a:t>spodic</a:t>
+            </a:r>
+            <a:r>
+              <a:rPr lang="en-US" sz="2000" dirty="0" smtClean="0"/>
+              <a:t> present/absent = 1/0</a:t>
+            </a:r>
+            <a:endParaRPr lang="en-US" sz="2000" dirty="0"/>
+          </a:p>
+          <a:p>
+            <a:pPr marL="0" indent="0">
+              <a:buNone/>
+            </a:pPr>
+            <a:r>
+              <a:rPr lang="en-US" sz="2000" dirty="0" smtClean="0"/>
+              <a:t>	</a:t>
+            </a:r>
+            <a:r>
+              <a:rPr lang="en-US" sz="2000" dirty="0" err="1" smtClean="0"/>
+              <a:t>fragipan</a:t>
+            </a:r>
+            <a:r>
+              <a:rPr lang="en-US" sz="2000" dirty="0" smtClean="0"/>
+              <a:t> present/absent = 1/0</a:t>
+            </a:r>
+            <a:endParaRPr lang="en-US" sz="2000" dirty="0"/>
+          </a:p>
+          <a:p>
+            <a:pPr marL="0" indent="0">
+              <a:buNone/>
+            </a:pPr>
+            <a:r>
+              <a:rPr lang="en-US" sz="2000" dirty="0" smtClean="0"/>
+              <a:t>	plant community or species present/absent = 1/0</a:t>
+            </a:r>
+          </a:p>
+          <a:p>
+            <a:pPr marL="0" indent="0">
+              <a:buNone/>
+            </a:pPr>
+            <a:r>
+              <a:rPr lang="en-US" sz="2000" dirty="0"/>
+              <a:t>	</a:t>
+            </a:r>
+            <a:r>
+              <a:rPr lang="en-US" sz="2000" dirty="0" smtClean="0"/>
+              <a:t>gopher turtle present/absent = 1/0</a:t>
+            </a:r>
+          </a:p>
+          <a:p>
+            <a:pPr marL="0" indent="0">
+              <a:buNone/>
+            </a:pPr>
+            <a:r>
+              <a:rPr lang="en-US" sz="900" dirty="0"/>
+              <a:t>	</a:t>
+            </a:r>
+            <a:endParaRPr lang="en-US" sz="900" dirty="0" smtClean="0"/>
+          </a:p>
+          <a:p>
+            <a:r>
+              <a:rPr lang="en-US" sz="3000" dirty="0" smtClean="0"/>
+              <a:t>The </a:t>
+            </a:r>
+            <a:r>
+              <a:rPr lang="en-US" sz="3000" dirty="0" smtClean="0"/>
+              <a:t>independent variables can be numeric or categorical  </a:t>
+            </a:r>
+          </a:p>
+          <a:p>
+            <a:r>
+              <a:rPr lang="en-US" sz="3000" dirty="0" smtClean="0"/>
+              <a:t>No assumptions for normality among independent variables</a:t>
+            </a:r>
+          </a:p>
+          <a:p>
+            <a:r>
+              <a:rPr lang="en-US" sz="3000" b="1" dirty="0" smtClean="0"/>
+              <a:t>Do</a:t>
+            </a:r>
+            <a:r>
+              <a:rPr lang="en-US" sz="3000" dirty="0" smtClean="0"/>
+              <a:t> check for highly correlated variables and select accordingly</a:t>
+            </a:r>
+            <a:endParaRPr lang="en-US" sz="3000" dirty="0"/>
+          </a:p>
+          <a:p>
+            <a:pPr marL="0" indent="0">
+              <a:buNone/>
+            </a:pPr>
+            <a:endParaRPr lang="en-US" sz="1800" dirty="0"/>
+          </a:p>
+        </p:txBody>
+      </p:sp>
+      <p:sp>
+        <p:nvSpPr>
+          <p:cNvPr id="4" name="Title 22"/>
+          <p:cNvSpPr txBox="1">
+            <a:spLocks/>
+          </p:cNvSpPr>
+          <p:nvPr/>
+        </p:nvSpPr>
+        <p:spPr>
+          <a:xfrm>
+            <a:off x="533400" y="-4292"/>
+            <a:ext cx="7772400" cy="1470025"/>
+          </a:xfrm>
+          <a:prstGeom prst="rect">
+            <a:avLst/>
+          </a:prstGeom>
+        </p:spPr>
+        <p:txBody>
+          <a:bodyPr vert="horz" lIns="91440" tIns="45720" rIns="91440" bIns="45720" rtlCol="0" anchor="ctr">
             <a:normAutofit/>
           </a:bodyPr>
-          <a:lstStyle/>
-          <a:p>
-            <a:r>
-              <a:rPr lang="en-US" sz="2400" dirty="0" smtClean="0"/>
-              <a:t>The response variable is discrete, i.e. binomial. For example:</a:t>
-            </a:r>
-          </a:p>
-          <a:p>
-            <a:pPr marL="0" indent="0">
-              <a:buNone/>
-            </a:pPr>
-            <a:r>
-              <a:rPr lang="en-US" dirty="0"/>
-              <a:t>	</a:t>
-            </a:r>
-            <a:r>
-              <a:rPr lang="en-US" sz="1800" dirty="0" err="1" smtClean="0"/>
-              <a:t>spodic</a:t>
-            </a:r>
-            <a:r>
-              <a:rPr lang="en-US" sz="1800" dirty="0" smtClean="0"/>
-              <a:t> present/absent = 1/0</a:t>
-            </a:r>
-            <a:endParaRPr lang="en-US" sz="1800" dirty="0"/>
-          </a:p>
-          <a:p>
-            <a:pPr marL="0" indent="0">
-              <a:buNone/>
-            </a:pPr>
-            <a:r>
-              <a:rPr lang="en-US" sz="1800" dirty="0" smtClean="0"/>
-              <a:t>	</a:t>
-            </a:r>
-            <a:r>
-              <a:rPr lang="en-US" sz="1800" dirty="0" err="1" smtClean="0"/>
-              <a:t>fragipan</a:t>
-            </a:r>
-            <a:r>
-              <a:rPr lang="en-US" sz="1800" dirty="0" smtClean="0"/>
-              <a:t> present/absent = 1/0</a:t>
-            </a:r>
-            <a:endParaRPr lang="en-US" sz="1800" dirty="0"/>
-          </a:p>
-          <a:p>
-            <a:pPr marL="0" indent="0">
-              <a:buNone/>
-            </a:pPr>
-            <a:r>
-              <a:rPr lang="en-US" sz="1800" dirty="0" smtClean="0"/>
-              <a:t>	plant community or species present/absent = 1/0</a:t>
-            </a:r>
-          </a:p>
-          <a:p>
-            <a:pPr marL="0" indent="0">
-              <a:buNone/>
-            </a:pPr>
-            <a:r>
-              <a:rPr lang="en-US" sz="1800" dirty="0"/>
-              <a:t>	</a:t>
-            </a:r>
-            <a:r>
-              <a:rPr lang="en-US" sz="1800" dirty="0" smtClean="0"/>
-              <a:t>gopher turtle present/absent = 1/0</a:t>
-            </a:r>
-          </a:p>
-          <a:p>
-            <a:pPr marL="0" indent="0">
-              <a:buNone/>
-            </a:pPr>
-            <a:r>
-              <a:rPr lang="en-US" sz="1800" dirty="0"/>
-              <a:t>	</a:t>
-            </a:r>
-            <a:r>
-              <a:rPr lang="en-US" sz="1800" dirty="0" err="1" smtClean="0"/>
-              <a:t>etc</a:t>
-            </a:r>
-            <a:endParaRPr lang="en-US" sz="1800" dirty="0" smtClean="0"/>
-          </a:p>
-          <a:p>
-            <a:pPr marL="0" indent="0">
-              <a:buNone/>
-            </a:pPr>
-            <a:endParaRPr lang="en-US" sz="1800" dirty="0" smtClean="0"/>
-          </a:p>
-          <a:p>
-            <a:r>
-              <a:rPr lang="en-US" sz="2400" dirty="0" smtClean="0"/>
-              <a:t>The independent variables can be numeric </a:t>
-            </a:r>
-            <a:r>
-              <a:rPr lang="en-US" sz="2400" smtClean="0"/>
-              <a:t>or </a:t>
-            </a:r>
-            <a:r>
-              <a:rPr lang="en-US" sz="2400" smtClean="0"/>
-              <a:t>categorical  </a:t>
-            </a:r>
-            <a:endParaRPr lang="en-US" sz="2400" dirty="0" smtClean="0"/>
-          </a:p>
-          <a:p>
-            <a:r>
-              <a:rPr lang="en-US" sz="2400" dirty="0" smtClean="0"/>
-              <a:t>No assumptions for normality among independent variables</a:t>
-            </a:r>
-          </a:p>
-          <a:p>
-            <a:r>
-              <a:rPr lang="en-US" sz="2400" b="1" dirty="0" smtClean="0"/>
-              <a:t>Do</a:t>
-            </a:r>
-            <a:r>
-              <a:rPr lang="en-US" sz="2400" dirty="0" smtClean="0"/>
-              <a:t> check for highly correlated variables and select accordingly</a:t>
-            </a:r>
-            <a:endParaRPr lang="en-US" sz="2400" dirty="0"/>
-          </a:p>
-          <a:p>
-            <a:pPr marL="0" indent="0">
-              <a:buNone/>
-            </a:pPr>
-            <a:endParaRPr lang="en-US" sz="1800" dirty="0"/>
+          <a:lstStyle>
+            <a:lvl1pPr algn="ctr" defTabSz="914400" rtl="0" eaLnBrk="1" latinLnBrk="0" hangingPunct="1">
+              <a:spcBef>
+                <a:spcPct val="0"/>
+              </a:spcBef>
+              <a:buNone/>
+              <a:defRPr sz="4400" b="1" kern="1200">
+                <a:solidFill>
+                  <a:srgbClr val="FFC000"/>
+                </a:solidFill>
+                <a:effectLst>
+                  <a:outerShdw blurRad="38100" dist="38100" dir="2700000" algn="tl">
+                    <a:srgbClr val="000000">
+                      <a:alpha val="43137"/>
+                    </a:srgbClr>
+                  </a:outerShdw>
+                </a:effectLst>
+                <a:latin typeface="+mj-lt"/>
+                <a:ea typeface="+mj-ea"/>
+                <a:cs typeface="+mj-cs"/>
+              </a:defRPr>
+            </a:lvl1pPr>
+          </a:lstStyle>
+          <a:p>
+            <a:r>
+              <a:rPr lang="en-US" sz="3600" dirty="0" smtClean="0"/>
+              <a:t>Logistic Regression</a:t>
+            </a:r>
+            <a:endParaRPr lang="en-US" sz="3600" dirty="0"/>
           </a:p>
         </p:txBody>
       </p:sp>
@@ -11960,34 +11412,6 @@
       </p:grpSpPr>
       <p:sp>
         <p:nvSpPr>
-          <p:cNvPr id="24" name="Title 23"/>
-          <p:cNvSpPr>
-            <a:spLocks noGrp="1"/>
-          </p:cNvSpPr>
-          <p:nvPr>
-            <p:ph type="title"/>
-          </p:nvPr>
-        </p:nvSpPr>
-        <p:spPr>
-          <a:xfrm>
-            <a:off x="457200" y="19050"/>
-            <a:ext cx="8229600" cy="914400"/>
-          </a:xfrm>
-        </p:spPr>
-        <p:txBody>
-          <a:bodyPr/>
-          <a:lstStyle/>
-          <a:p>
-            <a:r>
-              <a:rPr lang="en-US" dirty="0" smtClean="0"/>
-              <a:t>Logistic regression</a:t>
-            </a:r>
-            <a:endParaRPr lang="en-US" dirty="0"/>
-          </a:p>
-        </p:txBody>
-      </p:sp>
-      <p:sp>
-        <p:nvSpPr>
           <p:cNvPr id="25" name="Content Placeholder 24"/>
           <p:cNvSpPr>
             <a:spLocks noGrp="1"/>
@@ -12009,65 +11433,60 @@
           <a:lstStyle/>
           <a:p>
             <a:r>
-              <a:rPr lang="en-US" sz="2400" dirty="0" smtClean="0"/>
+              <a:rPr lang="en-US" sz="2800" dirty="0" smtClean="0"/>
               <a:t>The minimum number of cases per independent variable is 10:1</a:t>
             </a:r>
           </a:p>
           <a:p>
-            <a:endParaRPr lang="en-US" sz="2400" dirty="0"/>
-          </a:p>
-          <a:p>
-            <a:r>
-              <a:rPr lang="en-US" sz="2400" dirty="0" smtClean="0"/>
+            <a:endParaRPr lang="en-US" sz="800" dirty="0"/>
+          </a:p>
+          <a:p>
+            <a:r>
+              <a:rPr lang="en-US" sz="2800" dirty="0" smtClean="0"/>
               <a:t>The </a:t>
             </a:r>
             <a:r>
-              <a:rPr lang="en-US" sz="2400" b="1" dirty="0" smtClean="0"/>
+              <a:rPr lang="en-US" sz="2800" b="1" dirty="0" smtClean="0"/>
               <a:t>preferred</a:t>
             </a:r>
             <a:r>
-              <a:rPr lang="en-US" sz="2400" dirty="0" smtClean="0"/>
+              <a:rPr lang="en-US" sz="2800" dirty="0" smtClean="0"/>
               <a:t> </a:t>
             </a:r>
             <a:r>
-              <a:rPr lang="en-US" sz="2400" dirty="0"/>
+              <a:rPr lang="en-US" sz="2800" dirty="0"/>
               <a:t>number of cases per independent variable is </a:t>
             </a:r>
             <a:r>
-              <a:rPr lang="en-US" sz="2400" dirty="0" smtClean="0"/>
+              <a:rPr lang="en-US" sz="2800" dirty="0" smtClean="0"/>
               <a:t>20:1</a:t>
             </a:r>
           </a:p>
           <a:p>
-            <a:endParaRPr lang="en-US" sz="2400" dirty="0"/>
-          </a:p>
-          <a:p>
-            <a:r>
-              <a:rPr lang="en-US" sz="2400" dirty="0"/>
+            <a:endParaRPr lang="en-US" sz="800" dirty="0"/>
+          </a:p>
+          <a:p>
+            <a:r>
+              <a:rPr lang="en-US" sz="2800" dirty="0"/>
               <a:t>The </a:t>
             </a:r>
             <a:r>
-              <a:rPr lang="en-US" sz="2400" b="1" dirty="0"/>
+              <a:rPr lang="en-US" sz="2800" b="1" dirty="0"/>
               <a:t>preferred</a:t>
             </a:r>
             <a:r>
-              <a:rPr lang="en-US" sz="2400" dirty="0"/>
+              <a:rPr lang="en-US" sz="2800" dirty="0"/>
               <a:t> number of cases per independent variable is </a:t>
             </a:r>
             <a:r>
-              <a:rPr lang="en-US" sz="2400" dirty="0" smtClean="0"/>
-              <a:t>50:1</a:t>
-            </a:r>
-          </a:p>
-          <a:p>
-            <a:pPr marL="0" indent="0">
-              <a:buNone/>
-            </a:pPr>
-            <a:r>
-              <a:rPr lang="en-US" sz="2400" dirty="0" smtClean="0"/>
-              <a:t>     when using stepwise logistic regression </a:t>
-            </a:r>
-            <a:endParaRPr lang="en-US" sz="2400" dirty="0"/>
+              <a:rPr lang="en-US" sz="2800" dirty="0" smtClean="0"/>
+              <a:t>50:1 when </a:t>
+            </a:r>
+            <a:r>
+              <a:rPr lang="en-US" sz="2800" dirty="0" smtClean="0"/>
+              <a:t>using stepwise logistic regression </a:t>
+            </a:r>
+            <a:endParaRPr lang="en-US" sz="2800" dirty="0"/>
           </a:p>
           <a:p>
             <a:pPr marL="0" indent="0">
@@ -12080,6 +11499,59 @@
               <a:buNone/>
             </a:pPr>
             <a:endParaRPr lang="en-US" sz="1800" dirty="0"/>
+          </a:p>
+        </p:txBody>
+      </p:sp>
+      <p:sp>
+        <p:nvSpPr>
+          <p:cNvPr id="4" name="Title 22"/>
+          <p:cNvSpPr txBox="1">
+            <a:spLocks/>
+          </p:cNvSpPr>
+          <p:nvPr/>
+        </p:nvSpPr>
+        <p:spPr>
+          <a:xfrm>
+            <a:off x="533400" y="-4292"/>
+            <a:ext cx="7772400" cy="1470025"/>
+          </a:xfrm>
+          <a:prstGeom prst="rect">
+            <a:avLst/>
+          </a:prstGeom>
+        </p:spPr>
+        <p:txBody>
+          <a:bodyPr vert="horz" lIns="91440" tIns="45720" rIns="91440" bIns="45720" rtlCol="0" anchor="ctr">
+            <a:normAutofit/>
+          </a:bodyPr>
+          <a:lstStyle>
+            <a:lvl1pPr algn="ctr" defTabSz="914400" rtl="0" eaLnBrk="1" latinLnBrk="0" hangingPunct="1">
+              <a:spcBef>
+                <a:spcPct val="0"/>
+              </a:spcBef>
+              <a:buNone/>
+              <a:defRPr sz="4400" b="1" kern="1200">
+                <a:solidFill>
+                  <a:srgbClr val="FFC000"/>
+                </a:solidFill>
+                <a:effectLst>
+                  <a:outerShdw blurRad="38100" dist="38100" dir="2700000" algn="tl">
+                    <a:srgbClr val="000000">
+                      <a:alpha val="43137"/>
+                    </a:srgbClr>
+                  </a:outerShdw>
+                </a:effectLst>
+                <a:latin typeface="+mj-lt"/>
+                <a:ea typeface="+mj-ea"/>
+                <a:cs typeface="+mj-cs"/>
+              </a:defRPr>
+            </a:lvl1pPr>
+          </a:lstStyle>
+          <a:p>
+            <a:r>
+              <a:rPr lang="en-US" sz="3600" dirty="0" smtClean="0"/>
+              <a:t>Logistic Regression</a:t>
+            </a:r>
+            <a:endParaRPr lang="en-US" sz="3600" dirty="0"/>
           </a:p>
         </p:txBody>
       </p:sp>
@@ -12122,34 +11594,6 @@
       </p:grpSpPr>
       <p:sp>
         <p:nvSpPr>
-          <p:cNvPr id="24" name="Title 23"/>
-          <p:cNvSpPr>
-            <a:spLocks noGrp="1"/>
-          </p:cNvSpPr>
-          <p:nvPr>
-            <p:ph type="title"/>
-          </p:nvPr>
-        </p:nvSpPr>
-        <p:spPr>
-          <a:xfrm>
-            <a:off x="457200" y="19050"/>
-            <a:ext cx="8229600" cy="914400"/>
-          </a:xfrm>
-        </p:spPr>
-        <p:txBody>
-          <a:bodyPr/>
-          <a:lstStyle/>
-          <a:p>
-            <a:r>
-              <a:rPr lang="en-US" dirty="0" smtClean="0"/>
-              <a:t>Logistic regression</a:t>
-            </a:r>
-            <a:endParaRPr lang="en-US" dirty="0"/>
-          </a:p>
-        </p:txBody>
-      </p:sp>
-      <p:sp>
-        <p:nvSpPr>
           <p:cNvPr id="25" name="Content Placeholder 24"/>
           <p:cNvSpPr>
             <a:spLocks noGrp="1"/>
@@ -12171,23 +11615,23 @@
           <a:lstStyle/>
           <a:p>
             <a:r>
-              <a:rPr lang="en-US" altLang="en-US" sz="2400" dirty="0" smtClean="0"/>
+              <a:rPr lang="en-US" altLang="en-US" sz="2800" dirty="0" smtClean="0"/>
               <a:t>The measure </a:t>
             </a:r>
             <a:r>
-              <a:rPr lang="en-US" altLang="en-US" sz="2400" dirty="0"/>
+              <a:rPr lang="en-US" altLang="en-US" sz="2800" dirty="0"/>
               <a:t>of </a:t>
             </a:r>
             <a:r>
-              <a:rPr lang="en-US" altLang="en-US" sz="2400" dirty="0" smtClean="0"/>
+              <a:rPr lang="en-US" altLang="en-US" sz="2800" dirty="0" smtClean="0"/>
               <a:t>model fit is the </a:t>
             </a:r>
             <a:r>
-              <a:rPr lang="en-US" altLang="en-US" sz="2400" dirty="0"/>
+              <a:rPr lang="en-US" altLang="en-US" sz="2800" dirty="0"/>
               <a:t>likelihood </a:t>
             </a:r>
             <a:r>
-              <a:rPr lang="en-US" altLang="en-US" sz="2400" dirty="0" smtClean="0"/>
+              <a:rPr lang="en-US" altLang="en-US" sz="2800" dirty="0" smtClean="0"/>
               <a:t>value</a:t>
             </a:r>
           </a:p>
@@ -12195,39 +11639,92 @@
             <a:pPr marL="0" indent="0">
               <a:buNone/>
             </a:pPr>
-            <a:endParaRPr lang="en-US" altLang="en-US" sz="2400" dirty="0"/>
-          </a:p>
-          <a:p>
-            <a:r>
-              <a:rPr lang="en-US" altLang="en-US" sz="2400" dirty="0" smtClean="0"/>
+            <a:endParaRPr lang="en-US" altLang="en-US" sz="800" dirty="0"/>
+          </a:p>
+          <a:p>
+            <a:r>
+              <a:rPr lang="en-US" altLang="en-US" sz="2800" dirty="0" smtClean="0"/>
               <a:t> </a:t>
             </a:r>
             <a:r>
-              <a:rPr lang="en-US" altLang="en-US" sz="2400" dirty="0"/>
+              <a:rPr lang="en-US" altLang="en-US" sz="2800" dirty="0"/>
               <a:t>A </a:t>
             </a:r>
             <a:r>
-              <a:rPr lang="en-US" altLang="en-US" sz="2400" dirty="0" smtClean="0"/>
+              <a:rPr lang="en-US" altLang="en-US" sz="2800" dirty="0" smtClean="0"/>
               <a:t> well fit model will </a:t>
             </a:r>
             <a:r>
-              <a:rPr lang="en-US" altLang="en-US" sz="2400" dirty="0"/>
+              <a:rPr lang="en-US" altLang="en-US" sz="2800" dirty="0"/>
               <a:t>have a small likelihood </a:t>
             </a:r>
             <a:r>
-              <a:rPr lang="en-US" altLang="en-US" sz="2400" dirty="0" smtClean="0"/>
+              <a:rPr lang="en-US" altLang="en-US" sz="2800" dirty="0" smtClean="0"/>
               <a:t>value</a:t>
             </a:r>
           </a:p>
           <a:p>
-            <a:endParaRPr lang="en-US" sz="2400" dirty="0"/>
-          </a:p>
-          <a:p>
-            <a:r>
-              <a:rPr lang="en-US" sz="2400" dirty="0" smtClean="0"/>
+            <a:endParaRPr lang="en-US" sz="800" dirty="0"/>
+          </a:p>
+          <a:p>
+            <a:r>
+              <a:rPr lang="en-US" sz="2800" dirty="0" smtClean="0"/>
               <a:t>Testing the strength of relationship among independent variables is done by testing the model against another model without any independent variables (i.e. pure chance)</a:t>
             </a:r>
-            <a:endParaRPr lang="en-US" sz="2400" dirty="0"/>
+            <a:endParaRPr lang="en-US" sz="2800" dirty="0"/>
+          </a:p>
+        </p:txBody>
+      </p:sp>
+      <p:sp>
+        <p:nvSpPr>
+          <p:cNvPr id="4" name="Title 22"/>
+          <p:cNvSpPr txBox="1">
+            <a:spLocks/>
+          </p:cNvSpPr>
+          <p:nvPr/>
+        </p:nvSpPr>
+        <p:spPr>
+          <a:xfrm>
+            <a:off x="533400" y="-4292"/>
+            <a:ext cx="7772400" cy="1470025"/>
+          </a:xfrm>
+          <a:prstGeom prst="rect">
+            <a:avLst/>
+          </a:prstGeom>
+        </p:spPr>
+        <p:txBody>
+          <a:bodyPr vert="horz" lIns="91440" tIns="45720" rIns="91440" bIns="45720" rtlCol="0" anchor="ctr">
+            <a:normAutofit/>
+          </a:bodyPr>
+          <a:lstStyle>
+            <a:lvl1pPr algn="ctr" defTabSz="914400" rtl="0" eaLnBrk="1" latinLnBrk="0" hangingPunct="1">
+              <a:spcBef>
+                <a:spcPct val="0"/>
+              </a:spcBef>
+              <a:buNone/>
+              <a:defRPr sz="4400" b="1" kern="1200">
+                <a:solidFill>
+                  <a:srgbClr val="FFC000"/>
+                </a:solidFill>
+                <a:effectLst>
+                  <a:outerShdw blurRad="38100" dist="38100" dir="2700000" algn="tl">
+                    <a:srgbClr val="000000">
+                      <a:alpha val="43137"/>
+                    </a:srgbClr>
+                  </a:outerShdw>
+                </a:effectLst>
+                <a:latin typeface="+mj-lt"/>
+                <a:ea typeface="+mj-ea"/>
+                <a:cs typeface="+mj-cs"/>
+              </a:defRPr>
+            </a:lvl1pPr>
+          </a:lstStyle>
+          <a:p>
+            <a:r>
+              <a:rPr lang="en-US" sz="3600" dirty="0" smtClean="0"/>
+              <a:t>Logistic Regression</a:t>
+            </a:r>
+            <a:endParaRPr lang="en-US" sz="3600" dirty="0"/>
           </a:p>
         </p:txBody>
       </p:sp>
@@ -12270,34 +11767,6 @@
       </p:grpSpPr>
       <p:sp>
         <p:nvSpPr>
-          <p:cNvPr id="24" name="Title 23"/>
-          <p:cNvSpPr>
-            <a:spLocks noGrp="1"/>
-          </p:cNvSpPr>
-          <p:nvPr>
-            <p:ph type="title"/>
-          </p:nvPr>
-        </p:nvSpPr>
-        <p:spPr>
-          <a:xfrm>
-            <a:off x="457200" y="-76200"/>
-            <a:ext cx="8229600" cy="914400"/>
-          </a:xfrm>
-        </p:spPr>
-        <p:txBody>
-          <a:bodyPr/>
-          <a:lstStyle/>
-          <a:p>
-            <a:r>
-              <a:rPr lang="en-US" dirty="0" smtClean="0"/>
-              <a:t>Logistic regression</a:t>
-            </a:r>
-            <a:endParaRPr lang="en-US" dirty="0"/>
-          </a:p>
-        </p:txBody>
-      </p:sp>
-      <p:sp>
-        <p:nvSpPr>
           <p:cNvPr id="25" name="Content Placeholder 24"/>
           <p:cNvSpPr>
             <a:spLocks noGrp="1"/>
@@ -12309,12 +11778,12 @@
         <p:spPr>
           <a:xfrm>
             <a:off x="190500" y="762000"/>
-            <a:ext cx="8763000" cy="5120640"/>
+            <a:ext cx="8763000" cy="5715000"/>
           </a:xfrm>
         </p:spPr>
         <p:txBody>
           <a:bodyPr>
-            <a:normAutofit lnSpcReduction="10000"/>
+            <a:normAutofit/>
           </a:bodyPr>
           <a:lstStyle/>
           <a:p>
@@ -12327,77 +11796,132 @@
             </a:r>
           </a:p>
           <a:p>
-            <a:r>
-              <a:rPr lang="en-US" sz="2400" dirty="0" smtClean="0"/>
-              <a:t>Sometimes a model will report a “fail to converge” error</a:t>
+            <a:endParaRPr lang="en-US" sz="2400" dirty="0" smtClean="0"/>
+          </a:p>
+          <a:p>
+            <a:pPr marL="347472" indent="-347472">
+              <a:spcBef>
+                <a:spcPts val="0"/>
+              </a:spcBef>
+            </a:pPr>
+            <a:r>
+              <a:rPr lang="en-US" sz="2800" dirty="0" smtClean="0"/>
+              <a:t>Sometimes </a:t>
+            </a:r>
+            <a:r>
+              <a:rPr lang="en-US" sz="2800" dirty="0" smtClean="0"/>
+              <a:t>a </a:t>
+            </a:r>
+            <a:r>
+              <a:rPr lang="en-US" sz="2800" dirty="0" smtClean="0"/>
+              <a:t>model will report a “fail to converge” error</a:t>
+            </a:r>
+          </a:p>
+          <a:p>
+            <a:pPr marL="347472" indent="-347472">
+              <a:spcBef>
+                <a:spcPts val="0"/>
+              </a:spcBef>
+              <a:buNone/>
+            </a:pPr>
+            <a:r>
+              <a:rPr lang="en-US" sz="2800" dirty="0" smtClean="0"/>
+              <a:t>    this seems to be a problem with small sample #s, or very few cases of one outcome compared to another</a:t>
             </a:r>
           </a:p>
           <a:p>
             <a:pPr marL="0" indent="0">
               <a:buNone/>
             </a:pPr>
-            <a:r>
-              <a:rPr lang="en-US" dirty="0"/>
-              <a:t> </a:t>
-            </a:r>
-            <a:r>
-              <a:rPr lang="en-US" dirty="0" smtClean="0"/>
-              <a:t>   </a:t>
-            </a:r>
-            <a:r>
-              <a:rPr lang="en-US" sz="2400" dirty="0" smtClean="0"/>
-              <a:t>this seems to be a problem with small sample #s, or very few</a:t>
+            <a:endParaRPr lang="en-US" sz="900" dirty="0" smtClean="0"/>
+          </a:p>
+          <a:p>
+            <a:r>
+              <a:rPr lang="en-US" sz="2800" dirty="0" smtClean="0"/>
+              <a:t>Best </a:t>
+            </a:r>
+            <a:r>
+              <a:rPr lang="en-US" sz="2800" dirty="0" smtClean="0"/>
+              <a:t>to reject results if the Standard Error of any predictor is &gt; 2</a:t>
             </a:r>
           </a:p>
           <a:p>
             <a:pPr marL="0" indent="0">
               <a:buNone/>
             </a:pPr>
-            <a:r>
-              <a:rPr lang="en-US" sz="2400" dirty="0"/>
-              <a:t> </a:t>
-            </a:r>
-            <a:r>
-              <a:rPr lang="en-US" sz="2400" dirty="0" smtClean="0"/>
-              <a:t>     cases of one outcome compared to another</a:t>
+            <a:endParaRPr lang="en-US" sz="900" dirty="0" smtClean="0"/>
+          </a:p>
+          <a:p>
+            <a:r>
+              <a:rPr lang="en-US" sz="2800" dirty="0" smtClean="0"/>
+              <a:t>A pseudo R squared provides an idea of the strength of a relationship, but should only be used as a rough guide</a:t>
             </a:r>
           </a:p>
           <a:p>
             <a:pPr marL="0" indent="0">
               <a:buNone/>
             </a:pPr>
-            <a:endParaRPr lang="en-US" sz="2400" dirty="0" smtClean="0"/>
-          </a:p>
-          <a:p>
-            <a:r>
-              <a:rPr lang="en-US" sz="2400" dirty="0" smtClean="0"/>
-              <a:t>Best to reject results if the Standard Error of any predictor is &gt; 2</a:t>
-            </a:r>
-          </a:p>
-          <a:p>
-            <a:pPr marL="0" indent="0">
-              <a:buNone/>
-            </a:pPr>
-            <a:endParaRPr lang="en-US" sz="2400" dirty="0" smtClean="0"/>
-          </a:p>
-          <a:p>
-            <a:r>
-              <a:rPr lang="en-US" sz="2400" dirty="0" smtClean="0"/>
-              <a:t>A pseudo R squared provides an idea of the strength of a relationship, but should only be used as a rough guide</a:t>
-            </a:r>
-          </a:p>
-          <a:p>
-            <a:pPr marL="0" indent="0">
-              <a:buNone/>
-            </a:pPr>
-            <a:endParaRPr lang="en-US" sz="2400" dirty="0" smtClean="0"/>
-          </a:p>
-          <a:p>
-            <a:r>
-              <a:rPr lang="en-US" sz="2400" dirty="0" smtClean="0"/>
+            <a:endParaRPr lang="en-US" sz="800" dirty="0" smtClean="0"/>
+          </a:p>
+          <a:p>
+            <a:r>
+              <a:rPr lang="en-US" sz="2800" dirty="0" smtClean="0"/>
               <a:t>The ultimate test of the model is an accuracy assessment comparing the predicted to observed</a:t>
             </a:r>
-            <a:endParaRPr lang="en-US" sz="2400" dirty="0"/>
+            <a:endParaRPr lang="en-US" sz="2800" dirty="0"/>
+          </a:p>
+        </p:txBody>
+      </p:sp>
+      <p:sp>
+        <p:nvSpPr>
+          <p:cNvPr id="4" name="Title 22"/>
+          <p:cNvSpPr txBox="1">
+            <a:spLocks/>
+          </p:cNvSpPr>
+          <p:nvPr/>
+        </p:nvSpPr>
+        <p:spPr>
+          <a:xfrm>
+            <a:off x="533400" y="-4292"/>
+            <a:ext cx="7772400" cy="1470025"/>
+          </a:xfrm>
+          <a:prstGeom prst="rect">
+            <a:avLst/>
+          </a:prstGeom>
+        </p:spPr>
+        <p:txBody>
+          <a:bodyPr vert="horz" lIns="91440" tIns="45720" rIns="91440" bIns="45720" rtlCol="0" anchor="ctr">
+            <a:normAutofit/>
+          </a:bodyPr>
+          <a:lstStyle>
+            <a:lvl1pPr algn="ctr" defTabSz="914400" rtl="0" eaLnBrk="1" latinLnBrk="0" hangingPunct="1">
+              <a:spcBef>
+                <a:spcPct val="0"/>
+              </a:spcBef>
+              <a:buNone/>
+              <a:defRPr sz="4400" b="1" kern="1200">
+                <a:solidFill>
+                  <a:srgbClr val="FFC000"/>
+                </a:solidFill>
+                <a:effectLst>
+                  <a:outerShdw blurRad="38100" dist="38100" dir="2700000" algn="tl">
+                    <a:srgbClr val="000000">
+                      <a:alpha val="43137"/>
+                    </a:srgbClr>
+                  </a:outerShdw>
+                </a:effectLst>
+                <a:latin typeface="+mj-lt"/>
+                <a:ea typeface="+mj-ea"/>
+                <a:cs typeface="+mj-cs"/>
+              </a:defRPr>
+            </a:lvl1pPr>
+          </a:lstStyle>
+          <a:p>
+            <a:r>
+              <a:rPr lang="en-US" sz="3600" dirty="0" smtClean="0"/>
+              <a:t>Logistic Regression</a:t>
+            </a:r>
+            <a:endParaRPr lang="en-US" sz="3600" dirty="0"/>
           </a:p>
         </p:txBody>
       </p:sp>
@@ -12450,8 +11974,8 @@
         </p:nvSpPr>
         <p:spPr>
           <a:xfrm>
-            <a:off x="152400" y="1066800"/>
-            <a:ext cx="8839200" cy="5486400"/>
+            <a:off x="457200" y="1143000"/>
+            <a:ext cx="8534400" cy="5410200"/>
           </a:xfrm>
         </p:spPr>
         <p:txBody>
@@ -12464,7 +11988,7 @@
               <a:buNone/>
             </a:pPr>
             <a:r>
-              <a:rPr lang="en-US" sz="2400" dirty="0" smtClean="0"/>
+              <a:rPr lang="en-US" sz="2800" dirty="0" smtClean="0"/>
               <a:t>Evaluation of results</a:t>
             </a:r>
           </a:p>
@@ -12479,66 +12003,6 @@
               <a:buNone/>
             </a:pPr>
             <a:endParaRPr lang="en-US" sz="2400" dirty="0" smtClean="0"/>
-          </a:p>
-        </p:txBody>
-      </p:sp>
-      <p:sp>
-        <p:nvSpPr>
-          <p:cNvPr id="4" name="Title 23"/>
-          <p:cNvSpPr txBox="1">
-            <a:spLocks/>
-          </p:cNvSpPr>
-          <p:nvPr/>
-        </p:nvSpPr>
-        <p:spPr>
-          <a:xfrm>
-            <a:off x="381000" y="152400"/>
-            <a:ext cx="8229600" cy="914400"/>
-          </a:xfrm>
-          <a:prstGeom prst="rect">
-            <a:avLst/>
-          </a:prstGeom>
-        </p:spPr>
-        <p:txBody>
-          <a:bodyPr vert="horz" lIns="91440" tIns="45720" rIns="91440" bIns="45720" rtlCol="0" anchor="ctr">
-            <a:normAutofit fontScale="75000" lnSpcReduction="20000"/>
-          </a:bodyPr>
-          <a:lstStyle>
-            <a:lvl1pPr algn="ctr" defTabSz="914400" rtl="0" eaLnBrk="1" latinLnBrk="0" hangingPunct="1">
-              <a:spcBef>
-                <a:spcPct val="0"/>
-              </a:spcBef>
-              <a:buNone/>
-              <a:defRPr sz="4400" b="1" kern="1200">
-                <a:solidFill>
-                  <a:srgbClr val="FFC000"/>
-                </a:solidFill>
-                <a:effectLst>
-                  <a:outerShdw blurRad="38100" dist="38100" dir="2700000" algn="tl">
-                    <a:srgbClr val="000000">
-                      <a:alpha val="43137"/>
-                    </a:srgbClr>
-                  </a:outerShdw>
-                </a:effectLst>
-                <a:latin typeface="+mj-lt"/>
-                <a:ea typeface="+mj-ea"/>
-                <a:cs typeface="+mj-cs"/>
-              </a:defRPr>
-            </a:lvl1pPr>
-          </a:lstStyle>
-          <a:p>
-            <a:r>
-              <a:rPr lang="en-US" dirty="0" smtClean="0"/>
-              <a:t>Logistic regression</a:t>
-            </a:r>
-            <a:br>
-              <a:rPr lang="en-US" dirty="0" smtClean="0"/>
-            </a:br>
-            <a:r>
-              <a:rPr lang="en-US" dirty="0" smtClean="0"/>
-              <a:t>example</a:t>
-            </a:r>
-            <a:endParaRPr lang="en-US" dirty="0"/>
           </a:p>
         </p:txBody>
       </p:sp>
@@ -12566,7 +12030,7 @@
         <p:spPr bwMode="auto">
           <a:xfrm>
             <a:off x="457200" y="1828800"/>
-            <a:ext cx="5972175" cy="3038475"/>
+            <a:ext cx="6739759" cy="3429000"/>
           </a:xfrm>
           <a:prstGeom prst="rect">
             <a:avLst/>
@@ -12642,8 +12106,8 @@
         </p:nvSpPr>
         <p:spPr>
           <a:xfrm>
-            <a:off x="457200" y="5406509"/>
-            <a:ext cx="4768741" cy="369332"/>
+            <a:off x="381000" y="5351778"/>
+            <a:ext cx="7301871" cy="523220"/>
           </a:xfrm>
           <a:prstGeom prst="rect">
             <a:avLst/>
@@ -12657,10 +12121,10 @@
           <a:lstStyle/>
           <a:p>
             <a:r>
-              <a:rPr lang="en-US" dirty="0" smtClean="0"/>
+              <a:rPr lang="en-US" sz="2800" dirty="0" smtClean="0"/>
               <a:t>Is the ratio of cases to independent variables ok?</a:t>
             </a:r>
-            <a:endParaRPr lang="en-US" dirty="0"/>
+            <a:endParaRPr lang="en-US" sz="2800" dirty="0"/>
           </a:p>
         </p:txBody>
       </p:sp>
@@ -12672,7 +12136,7 @@
         </p:nvSpPr>
         <p:spPr>
           <a:xfrm>
-            <a:off x="1447800" y="2836523"/>
+            <a:off x="1600200" y="3048000"/>
             <a:ext cx="381000" cy="287677"/>
           </a:xfrm>
           <a:prstGeom prst="ellipse">
@@ -12707,6 +12171,59 @@
           <a:p>
             <a:pPr algn="ctr"/>
             <a:endParaRPr lang="en-US"/>
+          </a:p>
+        </p:txBody>
+      </p:sp>
+      <p:sp>
+        <p:nvSpPr>
+          <p:cNvPr id="9" name="Title 22"/>
+          <p:cNvSpPr txBox="1">
+            <a:spLocks/>
+          </p:cNvSpPr>
+          <p:nvPr/>
+        </p:nvSpPr>
+        <p:spPr>
+          <a:xfrm>
+            <a:off x="533400" y="-4292"/>
+            <a:ext cx="7772400" cy="1470025"/>
+          </a:xfrm>
+          <a:prstGeom prst="rect">
+            <a:avLst/>
+          </a:prstGeom>
+        </p:spPr>
+        <p:txBody>
+          <a:bodyPr vert="horz" lIns="91440" tIns="45720" rIns="91440" bIns="45720" rtlCol="0" anchor="ctr">
+            <a:normAutofit/>
+          </a:bodyPr>
+          <a:lstStyle>
+            <a:lvl1pPr algn="ctr" defTabSz="914400" rtl="0" eaLnBrk="1" latinLnBrk="0" hangingPunct="1">
+              <a:spcBef>
+                <a:spcPct val="0"/>
+              </a:spcBef>
+              <a:buNone/>
+              <a:defRPr sz="4400" b="1" kern="1200">
+                <a:solidFill>
+                  <a:srgbClr val="FFC000"/>
+                </a:solidFill>
+                <a:effectLst>
+                  <a:outerShdw blurRad="38100" dist="38100" dir="2700000" algn="tl">
+                    <a:srgbClr val="000000">
+                      <a:alpha val="43137"/>
+                    </a:srgbClr>
+                  </a:outerShdw>
+                </a:effectLst>
+                <a:latin typeface="+mj-lt"/>
+                <a:ea typeface="+mj-ea"/>
+                <a:cs typeface="+mj-cs"/>
+              </a:defRPr>
+            </a:lvl1pPr>
+          </a:lstStyle>
+          <a:p>
+            <a:r>
+              <a:rPr lang="en-US" sz="3600" dirty="0" smtClean="0"/>
+              <a:t>Logistic Regression Example</a:t>
+            </a:r>
+            <a:endParaRPr lang="en-US" sz="3600" dirty="0"/>
           </a:p>
         </p:txBody>
       </p:sp>
